--- a/Share/【AI . FREE Team】【讀書會】2022_07_16 Reinforcement Learning.pptx
+++ b/Share/【AI . FREE Team】【讀書會】2022_07_16 Reinforcement Learning.pptx
@@ -5,7 +5,7 @@
     <p:sldMasterId id="2147483648" r:id="rId1"/>
   </p:sldMasterIdLst>
   <p:notesMasterIdLst>
-    <p:notesMasterId r:id="rId9"/>
+    <p:notesMasterId r:id="rId10"/>
   </p:notesMasterIdLst>
   <p:sldIdLst>
     <p:sldId id="260" r:id="rId2"/>
@@ -14,7 +14,8 @@
     <p:sldId id="292" r:id="rId5"/>
     <p:sldId id="293" r:id="rId6"/>
     <p:sldId id="294" r:id="rId7"/>
-    <p:sldId id="291" r:id="rId8"/>
+    <p:sldId id="295" r:id="rId8"/>
+    <p:sldId id="291" r:id="rId9"/>
   </p:sldIdLst>
   <p:sldSz cx="12192000" cy="6858000"/>
   <p:notesSz cx="6858000" cy="9144000"/>
@@ -203,7 +204,7 @@
           <a:p>
             <a:fld id="{F805EFE1-B1B8-4F44-97F9-37144A5E80D2}" type="datetimeFigureOut">
               <a:rPr lang="zh-TW" altLang="en-US" smtClean="0"/>
-              <a:t>2022/6/13</a:t>
+              <a:t>2022/6/18</a:t>
             </a:fld>
             <a:endParaRPr lang="zh-TW" altLang="en-US"/>
           </a:p>
@@ -619,7 +620,7 @@
           <a:p>
             <a:fld id="{D3A5F196-08D5-4FB6-9C9E-5681ACAB0253}" type="slidenum">
               <a:rPr lang="zh-TW" altLang="en-US" smtClean="0"/>
-              <a:t>7</a:t>
+              <a:t>8</a:t>
             </a:fld>
             <a:endParaRPr lang="zh-TW" altLang="en-US"/>
           </a:p>
@@ -785,7 +786,7 @@
           <a:p>
             <a:fld id="{6EBC6C6C-30F8-4CE6-8913-54791322A3A7}" type="datetimeFigureOut">
               <a:rPr lang="zh-TW" altLang="en-US" smtClean="0"/>
-              <a:t>2022/6/13</a:t>
+              <a:t>2022/6/18</a:t>
             </a:fld>
             <a:endParaRPr lang="zh-TW" altLang="en-US"/>
           </a:p>
@@ -983,7 +984,7 @@
           <a:p>
             <a:fld id="{6EBC6C6C-30F8-4CE6-8913-54791322A3A7}" type="datetimeFigureOut">
               <a:rPr lang="zh-TW" altLang="en-US" smtClean="0"/>
-              <a:t>2022/6/13</a:t>
+              <a:t>2022/6/18</a:t>
             </a:fld>
             <a:endParaRPr lang="zh-TW" altLang="en-US"/>
           </a:p>
@@ -1191,7 +1192,7 @@
           <a:p>
             <a:fld id="{6EBC6C6C-30F8-4CE6-8913-54791322A3A7}" type="datetimeFigureOut">
               <a:rPr lang="zh-TW" altLang="en-US" smtClean="0"/>
-              <a:t>2022/6/13</a:t>
+              <a:t>2022/6/18</a:t>
             </a:fld>
             <a:endParaRPr lang="zh-TW" altLang="en-US"/>
           </a:p>
@@ -1389,7 +1390,7 @@
           <a:p>
             <a:fld id="{6EBC6C6C-30F8-4CE6-8913-54791322A3A7}" type="datetimeFigureOut">
               <a:rPr lang="zh-TW" altLang="en-US" smtClean="0"/>
-              <a:t>2022/6/13</a:t>
+              <a:t>2022/6/18</a:t>
             </a:fld>
             <a:endParaRPr lang="zh-TW" altLang="en-US"/>
           </a:p>
@@ -1664,7 +1665,7 @@
           <a:p>
             <a:fld id="{6EBC6C6C-30F8-4CE6-8913-54791322A3A7}" type="datetimeFigureOut">
               <a:rPr lang="zh-TW" altLang="en-US" smtClean="0"/>
-              <a:t>2022/6/13</a:t>
+              <a:t>2022/6/18</a:t>
             </a:fld>
             <a:endParaRPr lang="zh-TW" altLang="en-US"/>
           </a:p>
@@ -1929,7 +1930,7 @@
           <a:p>
             <a:fld id="{6EBC6C6C-30F8-4CE6-8913-54791322A3A7}" type="datetimeFigureOut">
               <a:rPr lang="zh-TW" altLang="en-US" smtClean="0"/>
-              <a:t>2022/6/13</a:t>
+              <a:t>2022/6/18</a:t>
             </a:fld>
             <a:endParaRPr lang="zh-TW" altLang="en-US"/>
           </a:p>
@@ -2341,7 +2342,7 @@
           <a:p>
             <a:fld id="{6EBC6C6C-30F8-4CE6-8913-54791322A3A7}" type="datetimeFigureOut">
               <a:rPr lang="zh-TW" altLang="en-US" smtClean="0"/>
-              <a:t>2022/6/13</a:t>
+              <a:t>2022/6/18</a:t>
             </a:fld>
             <a:endParaRPr lang="zh-TW" altLang="en-US"/>
           </a:p>
@@ -2482,7 +2483,7 @@
           <a:p>
             <a:fld id="{6EBC6C6C-30F8-4CE6-8913-54791322A3A7}" type="datetimeFigureOut">
               <a:rPr lang="zh-TW" altLang="en-US" smtClean="0"/>
-              <a:t>2022/6/13</a:t>
+              <a:t>2022/6/18</a:t>
             </a:fld>
             <a:endParaRPr lang="zh-TW" altLang="en-US"/>
           </a:p>
@@ -2595,7 +2596,7 @@
           <a:p>
             <a:fld id="{6EBC6C6C-30F8-4CE6-8913-54791322A3A7}" type="datetimeFigureOut">
               <a:rPr lang="zh-TW" altLang="en-US" smtClean="0"/>
-              <a:t>2022/6/13</a:t>
+              <a:t>2022/6/18</a:t>
             </a:fld>
             <a:endParaRPr lang="zh-TW" altLang="en-US"/>
           </a:p>
@@ -2906,7 +2907,7 @@
           <a:p>
             <a:fld id="{6EBC6C6C-30F8-4CE6-8913-54791322A3A7}" type="datetimeFigureOut">
               <a:rPr lang="zh-TW" altLang="en-US" smtClean="0"/>
-              <a:t>2022/6/13</a:t>
+              <a:t>2022/6/18</a:t>
             </a:fld>
             <a:endParaRPr lang="zh-TW" altLang="en-US"/>
           </a:p>
@@ -3194,7 +3195,7 @@
           <a:p>
             <a:fld id="{6EBC6C6C-30F8-4CE6-8913-54791322A3A7}" type="datetimeFigureOut">
               <a:rPr lang="zh-TW" altLang="en-US" smtClean="0"/>
-              <a:t>2022/6/13</a:t>
+              <a:t>2022/6/18</a:t>
             </a:fld>
             <a:endParaRPr lang="zh-TW" altLang="en-US"/>
           </a:p>
@@ -3435,7 +3436,7 @@
           <a:p>
             <a:fld id="{6EBC6C6C-30F8-4CE6-8913-54791322A3A7}" type="datetimeFigureOut">
               <a:rPr lang="zh-TW" altLang="en-US" smtClean="0"/>
-              <a:t>2022/6/13</a:t>
+              <a:t>2022/6/18</a:t>
             </a:fld>
             <a:endParaRPr lang="zh-TW" altLang="en-US"/>
           </a:p>
@@ -6952,8 +6953,8 @@
           </a:p>
         </p:txBody>
       </p:sp>
-      <mc:AlternateContent xmlns:mc="http://schemas.openxmlformats.org/markup-compatibility/2006">
-        <mc:Choice xmlns:a14="http://schemas.microsoft.com/office/drawing/2010/main" Requires="a14">
+      <mc:AlternateContent xmlns:mc="http://schemas.openxmlformats.org/markup-compatibility/2006" xmlns:a14="http://schemas.microsoft.com/office/drawing/2010/main">
+        <mc:Choice Requires="a14">
           <p:sp>
             <p:nvSpPr>
               <p:cNvPr id="3" name="內容版面配置區 2">
@@ -8118,7 +8119,7 @@
             </p:txBody>
           </p:sp>
         </mc:Choice>
-        <mc:Fallback>
+        <mc:Fallback xmlns="">
           <p:sp>
             <p:nvSpPr>
               <p:cNvPr id="3" name="內容版面配置區 2">
@@ -8982,8 +8983,8 @@
           </a:p>
         </p:txBody>
       </p:sp>
-      <mc:AlternateContent xmlns:mc="http://schemas.openxmlformats.org/markup-compatibility/2006">
-        <mc:Choice xmlns:a14="http://schemas.microsoft.com/office/drawing/2010/main" Requires="a14">
+      <mc:AlternateContent xmlns:mc="http://schemas.openxmlformats.org/markup-compatibility/2006" xmlns:a14="http://schemas.microsoft.com/office/drawing/2010/main">
+        <mc:Choice Requires="a14">
           <p:sp>
             <p:nvSpPr>
               <p:cNvPr id="3" name="內容版面配置區 2">
@@ -10551,7 +10552,7 @@
             </p:txBody>
           </p:sp>
         </mc:Choice>
-        <mc:Fallback>
+        <mc:Fallback xmlns="">
           <p:sp>
             <p:nvSpPr>
               <p:cNvPr id="3" name="內容版面配置區 2">
@@ -11069,7 +11070,7 @@
                     <m:d>
                       <m:dPr>
                         <m:ctrlPr>
-                          <a:rPr lang="en-US" altLang="zh-TW" sz="2000" b="0" i="0" dirty="0" smtClean="0">
+                          <a:rPr lang="en-US" altLang="zh-TW" sz="2000" b="0" i="1" dirty="0" smtClean="0">
                             <a:latin typeface="Cambria Math" panose="02040503050406030204" pitchFamily="18" charset="0"/>
                             <a:ea typeface="微軟正黑體" panose="020B0604030504040204" pitchFamily="34" charset="-120"/>
                           </a:rPr>
@@ -11412,14 +11413,11 @@
                       <m:t>=</m:t>
                     </m:r>
                     <m:r>
-                      <m:rPr>
-                        <m:sty m:val="p"/>
-                      </m:rPr>
                       <a:rPr lang="en-US" altLang="zh-TW" sz="2000" i="1" dirty="0">
                         <a:latin typeface="Cambria Math" panose="02040503050406030204" pitchFamily="18" charset="0"/>
                         <a:ea typeface="微軟正黑體" panose="020B0604030504040204" pitchFamily="34" charset="-120"/>
                       </a:rPr>
-                      <m:t>Q</m:t>
+                      <m:t>𝑄</m:t>
                     </m:r>
                     <m:d>
                       <m:dPr>
@@ -11911,8 +11909,8 @@
           </a:p>
         </p:txBody>
       </p:sp>
-      <mc:AlternateContent xmlns:mc="http://schemas.openxmlformats.org/markup-compatibility/2006">
-        <mc:Choice xmlns:a14="http://schemas.microsoft.com/office/drawing/2010/main" Requires="a14">
+      <mc:AlternateContent xmlns:mc="http://schemas.openxmlformats.org/markup-compatibility/2006" xmlns:a14="http://schemas.microsoft.com/office/drawing/2010/main">
+        <mc:Choice Requires="a14">
           <p:sp>
             <p:nvSpPr>
               <p:cNvPr id="5" name="文字方塊 4">
@@ -12066,7 +12064,7 @@
             </p:txBody>
           </p:sp>
         </mc:Choice>
-        <mc:Fallback>
+        <mc:Fallback xmlns="">
           <p:sp>
             <p:nvSpPr>
               <p:cNvPr id="5" name="文字方塊 4">
@@ -12111,8 +12109,8 @@
           </p:sp>
         </mc:Fallback>
       </mc:AlternateContent>
-      <mc:AlternateContent xmlns:mc="http://schemas.openxmlformats.org/markup-compatibility/2006">
-        <mc:Choice xmlns:a14="http://schemas.microsoft.com/office/drawing/2010/main" Requires="a14">
+      <mc:AlternateContent xmlns:mc="http://schemas.openxmlformats.org/markup-compatibility/2006" xmlns:a14="http://schemas.microsoft.com/office/drawing/2010/main">
+        <mc:Choice Requires="a14">
           <p:sp>
             <p:nvSpPr>
               <p:cNvPr id="9" name="文字方塊 8">
@@ -12189,7 +12187,7 @@
             </p:txBody>
           </p:sp>
         </mc:Choice>
-        <mc:Fallback>
+        <mc:Fallback xmlns="">
           <p:sp>
             <p:nvSpPr>
               <p:cNvPr id="9" name="文字方塊 8">
@@ -12248,6 +12246,1329 @@
 </file>
 
 <file path=ppt/slides/slide7.xml><?xml version="1.0" encoding="utf-8"?>
+<p:sld xmlns:a="http://schemas.openxmlformats.org/drawingml/2006/main" xmlns:r="http://schemas.openxmlformats.org/officeDocument/2006/relationships" xmlns:p="http://schemas.openxmlformats.org/presentationml/2006/main">
+  <p:cSld>
+    <p:spTree>
+      <p:nvGrpSpPr>
+        <p:cNvPr id="1" name=""/>
+        <p:cNvGrpSpPr/>
+        <p:nvPr/>
+      </p:nvGrpSpPr>
+      <p:grpSpPr>
+        <a:xfrm>
+          <a:off x="0" y="0"/>
+          <a:ext cx="0" cy="0"/>
+          <a:chOff x="0" y="0"/>
+          <a:chExt cx="0" cy="0"/>
+        </a:xfrm>
+      </p:grpSpPr>
+      <p:pic>
+        <p:nvPicPr>
+          <p:cNvPr id="231" name="圖片 230" descr="一張含有 廚具, 刷子 的圖片&#10;&#10;自動產生的描述">
+            <a:extLst>
+              <a:ext uri="{FF2B5EF4-FFF2-40B4-BE49-F238E27FC236}">
+                <a16:creationId xmlns:a16="http://schemas.microsoft.com/office/drawing/2014/main" id="{03CC1853-0729-381A-1FEB-B8ECD6C44174}"/>
+              </a:ext>
+            </a:extLst>
+          </p:cNvPr>
+          <p:cNvPicPr>
+            <a:picLocks noChangeAspect="1"/>
+          </p:cNvPicPr>
+          <p:nvPr/>
+        </p:nvPicPr>
+        <p:blipFill>
+          <a:blip r:embed="rId2">
+            <a:alphaModFix amt="10000"/>
+            <a:extLst>
+              <a:ext uri="{28A0092B-C50C-407E-A947-70E740481C1C}">
+                <a14:useLocalDpi xmlns:a14="http://schemas.microsoft.com/office/drawing/2010/main" val="0"/>
+              </a:ext>
+            </a:extLst>
+          </a:blip>
+          <a:stretch>
+            <a:fillRect/>
+          </a:stretch>
+        </p:blipFill>
+        <p:spPr>
+          <a:xfrm>
+            <a:off x="374017" y="271518"/>
+            <a:ext cx="11443966" cy="6314963"/>
+          </a:xfrm>
+          <a:prstGeom prst="rect">
+            <a:avLst/>
+          </a:prstGeom>
+        </p:spPr>
+      </p:pic>
+      <p:sp>
+        <p:nvSpPr>
+          <p:cNvPr id="2" name="標題 1">
+            <a:extLst>
+              <a:ext uri="{FF2B5EF4-FFF2-40B4-BE49-F238E27FC236}">
+                <a16:creationId xmlns:a16="http://schemas.microsoft.com/office/drawing/2014/main" id="{0E390A05-6707-49AE-B272-8F1AC9AA2DD6}"/>
+              </a:ext>
+            </a:extLst>
+          </p:cNvPr>
+          <p:cNvSpPr>
+            <a:spLocks noGrp="1"/>
+          </p:cNvSpPr>
+          <p:nvPr>
+            <p:ph type="title"/>
+          </p:nvPr>
+        </p:nvSpPr>
+        <p:spPr>
+          <a:xfrm>
+            <a:off x="1636761" y="365125"/>
+            <a:ext cx="10299515" cy="1325563"/>
+          </a:xfrm>
+          <a:ln w="28575">
+            <a:solidFill>
+              <a:schemeClr val="tx1"/>
+            </a:solidFill>
+          </a:ln>
+        </p:spPr>
+        <p:txBody>
+          <a:bodyPr/>
+          <a:lstStyle/>
+          <a:p>
+            <a:pPr algn="ctr"/>
+            <a:r>
+              <a:rPr lang="en-US" altLang="zh-TW" dirty="0">
+                <a:latin typeface="微軟正黑體" panose="020B0604030504040204" pitchFamily="34" charset="-120"/>
+                <a:ea typeface="微軟正黑體" panose="020B0604030504040204" pitchFamily="34" charset="-120"/>
+              </a:rPr>
+              <a:t>2.5</a:t>
+            </a:r>
+            <a:r>
+              <a:rPr lang="zh-TW" altLang="en-US" dirty="0">
+                <a:latin typeface="微軟正黑體" panose="020B0604030504040204" pitchFamily="34" charset="-120"/>
+                <a:ea typeface="微軟正黑體" panose="020B0604030504040204" pitchFamily="34" charset="-120"/>
+              </a:rPr>
+              <a:t> 追蹤非固定性問題</a:t>
+            </a:r>
+          </a:p>
+        </p:txBody>
+      </p:sp>
+      <p:sp>
+        <p:nvSpPr>
+          <p:cNvPr id="3" name="內容版面配置區 2">
+            <a:extLst>
+              <a:ext uri="{FF2B5EF4-FFF2-40B4-BE49-F238E27FC236}">
+                <a16:creationId xmlns:a16="http://schemas.microsoft.com/office/drawing/2014/main" id="{974E1A0F-B7E4-4DF8-B559-6D4D1908F332}"/>
+              </a:ext>
+            </a:extLst>
+          </p:cNvPr>
+          <p:cNvSpPr>
+            <a:spLocks noGrp="1"/>
+          </p:cNvSpPr>
+          <p:nvPr>
+            <p:ph idx="1"/>
+          </p:nvPr>
+        </p:nvSpPr>
+        <p:spPr>
+          <a:xfrm>
+            <a:off x="1636762" y="1825625"/>
+            <a:ext cx="10299514" cy="4863206"/>
+          </a:xfrm>
+          <a:ln w="28575">
+            <a:solidFill>
+              <a:schemeClr val="tx1"/>
+            </a:solidFill>
+          </a:ln>
+        </p:spPr>
+        <p:txBody>
+          <a:bodyPr>
+            <a:normAutofit/>
+          </a:bodyPr>
+          <a:lstStyle/>
+          <a:p>
+            <a:pPr marL="0" indent="0">
+              <a:lnSpc>
+                <a:spcPct val="150000"/>
+              </a:lnSpc>
+              <a:buNone/>
+            </a:pPr>
+            <a:r>
+              <a:rPr lang="zh-TW" altLang="en-US" sz="2000" dirty="0">
+                <a:latin typeface="微軟正黑體" panose="020B0604030504040204" pitchFamily="34" charset="-120"/>
+                <a:ea typeface="微軟正黑體" panose="020B0604030504040204" pitchFamily="34" charset="-120"/>
+              </a:rPr>
+              <a:t>遇到不穩定的強化學習問題，較合理的做法是「相對於長期獎勵給予近期獎勵更高的權重」</a:t>
+            </a:r>
+            <a:endParaRPr lang="en-US" altLang="zh-TW" sz="2000" dirty="0">
+              <a:latin typeface="微軟正黑體" panose="020B0604030504040204" pitchFamily="34" charset="-120"/>
+              <a:ea typeface="微軟正黑體" panose="020B0604030504040204" pitchFamily="34" charset="-120"/>
+            </a:endParaRPr>
+          </a:p>
+          <a:p>
+            <a:pPr marL="0" indent="0">
+              <a:lnSpc>
+                <a:spcPct val="150000"/>
+              </a:lnSpc>
+              <a:buNone/>
+            </a:pPr>
+            <a:endParaRPr lang="en-US" altLang="zh-TW" sz="2000" dirty="0">
+              <a:latin typeface="微軟正黑體" panose="020B0604030504040204" pitchFamily="34" charset="-120"/>
+              <a:ea typeface="微軟正黑體" panose="020B0604030504040204" pitchFamily="34" charset="-120"/>
+            </a:endParaRPr>
+          </a:p>
+          <a:p>
+            <a:pPr marL="0" indent="0">
+              <a:lnSpc>
+                <a:spcPct val="150000"/>
+              </a:lnSpc>
+              <a:buNone/>
+            </a:pPr>
+            <a:endParaRPr lang="en-US" altLang="zh-TW" sz="2000" dirty="0">
+              <a:latin typeface="微軟正黑體" panose="020B0604030504040204" pitchFamily="34" charset="-120"/>
+              <a:ea typeface="微軟正黑體" panose="020B0604030504040204" pitchFamily="34" charset="-120"/>
+            </a:endParaRPr>
+          </a:p>
+          <a:p>
+            <a:pPr marL="0" indent="0">
+              <a:lnSpc>
+                <a:spcPct val="150000"/>
+              </a:lnSpc>
+              <a:buNone/>
+            </a:pPr>
+            <a:endParaRPr lang="en-US" altLang="zh-TW" sz="2000" dirty="0">
+              <a:latin typeface="微軟正黑體" panose="020B0604030504040204" pitchFamily="34" charset="-120"/>
+              <a:ea typeface="微軟正黑體" panose="020B0604030504040204" pitchFamily="34" charset="-120"/>
+            </a:endParaRPr>
+          </a:p>
+          <a:p>
+            <a:pPr marL="0" indent="0">
+              <a:lnSpc>
+                <a:spcPct val="150000"/>
+              </a:lnSpc>
+              <a:buNone/>
+            </a:pPr>
+            <a:endParaRPr lang="en-US" altLang="zh-TW" sz="2000" dirty="0">
+              <a:latin typeface="微軟正黑體" panose="020B0604030504040204" pitchFamily="34" charset="-120"/>
+              <a:ea typeface="微軟正黑體" panose="020B0604030504040204" pitchFamily="34" charset="-120"/>
+            </a:endParaRPr>
+          </a:p>
+          <a:p>
+            <a:pPr marL="0" indent="0">
+              <a:lnSpc>
+                <a:spcPct val="150000"/>
+              </a:lnSpc>
+              <a:buNone/>
+            </a:pPr>
+            <a:endParaRPr lang="en-US" altLang="zh-TW" sz="2000" dirty="0">
+              <a:latin typeface="微軟正黑體" panose="020B0604030504040204" pitchFamily="34" charset="-120"/>
+              <a:ea typeface="微軟正黑體" panose="020B0604030504040204" pitchFamily="34" charset="-120"/>
+            </a:endParaRPr>
+          </a:p>
+          <a:p>
+            <a:pPr marL="0" indent="0">
+              <a:lnSpc>
+                <a:spcPct val="150000"/>
+              </a:lnSpc>
+              <a:buNone/>
+            </a:pPr>
+            <a:endParaRPr lang="en-US" altLang="zh-TW" sz="2000" dirty="0">
+              <a:latin typeface="微軟正黑體" panose="020B0604030504040204" pitchFamily="34" charset="-120"/>
+              <a:ea typeface="微軟正黑體" panose="020B0604030504040204" pitchFamily="34" charset="-120"/>
+            </a:endParaRPr>
+          </a:p>
+          <a:p>
+            <a:pPr marL="0" indent="0">
+              <a:lnSpc>
+                <a:spcPct val="150000"/>
+              </a:lnSpc>
+              <a:buNone/>
+            </a:pPr>
+            <a:r>
+              <a:rPr lang="zh-TW" altLang="en-US" sz="2000" dirty="0">
+                <a:latin typeface="微軟正黑體" panose="020B0604030504040204" pitchFamily="34" charset="-120"/>
+                <a:ea typeface="微軟正黑體" panose="020B0604030504040204" pitchFamily="34" charset="-120"/>
+              </a:rPr>
+              <a:t>最下方的動作價值估計方法為「指數近期加權平均值」</a:t>
+            </a:r>
+            <a:endParaRPr lang="en-US" altLang="zh-TW" sz="2000" dirty="0">
+              <a:latin typeface="微軟正黑體" panose="020B0604030504040204" pitchFamily="34" charset="-120"/>
+              <a:ea typeface="微軟正黑體" panose="020B0604030504040204" pitchFamily="34" charset="-120"/>
+            </a:endParaRPr>
+          </a:p>
+        </p:txBody>
+      </p:sp>
+      <p:sp>
+        <p:nvSpPr>
+          <p:cNvPr id="226" name="內容版面配置區 2">
+            <a:extLst>
+              <a:ext uri="{FF2B5EF4-FFF2-40B4-BE49-F238E27FC236}">
+                <a16:creationId xmlns:a16="http://schemas.microsoft.com/office/drawing/2014/main" id="{CB3BF928-2960-4272-9244-D4A967045A95}"/>
+              </a:ext>
+            </a:extLst>
+          </p:cNvPr>
+          <p:cNvSpPr txBox="1">
+            <a:spLocks/>
+          </p:cNvSpPr>
+          <p:nvPr/>
+        </p:nvSpPr>
+        <p:spPr>
+          <a:xfrm>
+            <a:off x="110307" y="1825625"/>
+            <a:ext cx="1371652" cy="4863214"/>
+          </a:xfrm>
+          <a:prstGeom prst="rect">
+            <a:avLst/>
+          </a:prstGeom>
+          <a:ln w="28575">
+            <a:solidFill>
+              <a:schemeClr val="tx1"/>
+            </a:solidFill>
+          </a:ln>
+        </p:spPr>
+        <p:txBody>
+          <a:bodyPr vert="horz" lIns="91440" tIns="45720" rIns="91440" bIns="45720" rtlCol="0">
+            <a:normAutofit/>
+          </a:bodyPr>
+          <a:lstStyle>
+            <a:lvl1pPr marL="228600" indent="-228600" algn="l" defTabSz="914400" rtl="0" eaLnBrk="1" latinLnBrk="0" hangingPunct="1">
+              <a:lnSpc>
+                <a:spcPct val="90000"/>
+              </a:lnSpc>
+              <a:spcBef>
+                <a:spcPts val="1000"/>
+              </a:spcBef>
+              <a:buFont typeface="Arial" panose="020B0604020202020204" pitchFamily="34" charset="0"/>
+              <a:buChar char="•"/>
+              <a:defRPr sz="2800" kern="1200">
+                <a:solidFill>
+                  <a:schemeClr val="tx1"/>
+                </a:solidFill>
+                <a:latin typeface="+mn-lt"/>
+                <a:ea typeface="+mn-ea"/>
+                <a:cs typeface="+mn-cs"/>
+              </a:defRPr>
+            </a:lvl1pPr>
+            <a:lvl2pPr marL="685800" indent="-228600" algn="l" defTabSz="914400" rtl="0" eaLnBrk="1" latinLnBrk="0" hangingPunct="1">
+              <a:lnSpc>
+                <a:spcPct val="90000"/>
+              </a:lnSpc>
+              <a:spcBef>
+                <a:spcPts val="500"/>
+              </a:spcBef>
+              <a:buFont typeface="Arial" panose="020B0604020202020204" pitchFamily="34" charset="0"/>
+              <a:buChar char="•"/>
+              <a:defRPr sz="2400" kern="1200">
+                <a:solidFill>
+                  <a:schemeClr val="tx1"/>
+                </a:solidFill>
+                <a:latin typeface="+mn-lt"/>
+                <a:ea typeface="+mn-ea"/>
+                <a:cs typeface="+mn-cs"/>
+              </a:defRPr>
+            </a:lvl2pPr>
+            <a:lvl3pPr marL="1143000" indent="-228600" algn="l" defTabSz="914400" rtl="0" eaLnBrk="1" latinLnBrk="0" hangingPunct="1">
+              <a:lnSpc>
+                <a:spcPct val="90000"/>
+              </a:lnSpc>
+              <a:spcBef>
+                <a:spcPts val="500"/>
+              </a:spcBef>
+              <a:buFont typeface="Arial" panose="020B0604020202020204" pitchFamily="34" charset="0"/>
+              <a:buChar char="•"/>
+              <a:defRPr sz="2000" kern="1200">
+                <a:solidFill>
+                  <a:schemeClr val="tx1"/>
+                </a:solidFill>
+                <a:latin typeface="+mn-lt"/>
+                <a:ea typeface="+mn-ea"/>
+                <a:cs typeface="+mn-cs"/>
+              </a:defRPr>
+            </a:lvl3pPr>
+            <a:lvl4pPr marL="1600200" indent="-228600" algn="l" defTabSz="914400" rtl="0" eaLnBrk="1" latinLnBrk="0" hangingPunct="1">
+              <a:lnSpc>
+                <a:spcPct val="90000"/>
+              </a:lnSpc>
+              <a:spcBef>
+                <a:spcPts val="500"/>
+              </a:spcBef>
+              <a:buFont typeface="Arial" panose="020B0604020202020204" pitchFamily="34" charset="0"/>
+              <a:buChar char="•"/>
+              <a:defRPr sz="1800" kern="1200">
+                <a:solidFill>
+                  <a:schemeClr val="tx1"/>
+                </a:solidFill>
+                <a:latin typeface="+mn-lt"/>
+                <a:ea typeface="+mn-ea"/>
+                <a:cs typeface="+mn-cs"/>
+              </a:defRPr>
+            </a:lvl4pPr>
+            <a:lvl5pPr marL="2057400" indent="-228600" algn="l" defTabSz="914400" rtl="0" eaLnBrk="1" latinLnBrk="0" hangingPunct="1">
+              <a:lnSpc>
+                <a:spcPct val="90000"/>
+              </a:lnSpc>
+              <a:spcBef>
+                <a:spcPts val="500"/>
+              </a:spcBef>
+              <a:buFont typeface="Arial" panose="020B0604020202020204" pitchFamily="34" charset="0"/>
+              <a:buChar char="•"/>
+              <a:defRPr sz="1800" kern="1200">
+                <a:solidFill>
+                  <a:schemeClr val="tx1"/>
+                </a:solidFill>
+                <a:latin typeface="+mn-lt"/>
+                <a:ea typeface="+mn-ea"/>
+                <a:cs typeface="+mn-cs"/>
+              </a:defRPr>
+            </a:lvl5pPr>
+            <a:lvl6pPr marL="2514600" indent="-228600" algn="l" defTabSz="914400" rtl="0" eaLnBrk="1" latinLnBrk="0" hangingPunct="1">
+              <a:lnSpc>
+                <a:spcPct val="90000"/>
+              </a:lnSpc>
+              <a:spcBef>
+                <a:spcPts val="500"/>
+              </a:spcBef>
+              <a:buFont typeface="Arial" panose="020B0604020202020204" pitchFamily="34" charset="0"/>
+              <a:buChar char="•"/>
+              <a:defRPr sz="1800" kern="1200">
+                <a:solidFill>
+                  <a:schemeClr val="tx1"/>
+                </a:solidFill>
+                <a:latin typeface="+mn-lt"/>
+                <a:ea typeface="+mn-ea"/>
+                <a:cs typeface="+mn-cs"/>
+              </a:defRPr>
+            </a:lvl6pPr>
+            <a:lvl7pPr marL="2971800" indent="-228600" algn="l" defTabSz="914400" rtl="0" eaLnBrk="1" latinLnBrk="0" hangingPunct="1">
+              <a:lnSpc>
+                <a:spcPct val="90000"/>
+              </a:lnSpc>
+              <a:spcBef>
+                <a:spcPts val="500"/>
+              </a:spcBef>
+              <a:buFont typeface="Arial" panose="020B0604020202020204" pitchFamily="34" charset="0"/>
+              <a:buChar char="•"/>
+              <a:defRPr sz="1800" kern="1200">
+                <a:solidFill>
+                  <a:schemeClr val="tx1"/>
+                </a:solidFill>
+                <a:latin typeface="+mn-lt"/>
+                <a:ea typeface="+mn-ea"/>
+                <a:cs typeface="+mn-cs"/>
+              </a:defRPr>
+            </a:lvl7pPr>
+            <a:lvl8pPr marL="3429000" indent="-228600" algn="l" defTabSz="914400" rtl="0" eaLnBrk="1" latinLnBrk="0" hangingPunct="1">
+              <a:lnSpc>
+                <a:spcPct val="90000"/>
+              </a:lnSpc>
+              <a:spcBef>
+                <a:spcPts val="500"/>
+              </a:spcBef>
+              <a:buFont typeface="Arial" panose="020B0604020202020204" pitchFamily="34" charset="0"/>
+              <a:buChar char="•"/>
+              <a:defRPr sz="1800" kern="1200">
+                <a:solidFill>
+                  <a:schemeClr val="tx1"/>
+                </a:solidFill>
+                <a:latin typeface="+mn-lt"/>
+                <a:ea typeface="+mn-ea"/>
+                <a:cs typeface="+mn-cs"/>
+              </a:defRPr>
+            </a:lvl8pPr>
+            <a:lvl9pPr marL="3886200" indent="-228600" algn="l" defTabSz="914400" rtl="0" eaLnBrk="1" latinLnBrk="0" hangingPunct="1">
+              <a:lnSpc>
+                <a:spcPct val="90000"/>
+              </a:lnSpc>
+              <a:spcBef>
+                <a:spcPts val="500"/>
+              </a:spcBef>
+              <a:buFont typeface="Arial" panose="020B0604020202020204" pitchFamily="34" charset="0"/>
+              <a:buChar char="•"/>
+              <a:defRPr sz="1800" kern="1200">
+                <a:solidFill>
+                  <a:schemeClr val="tx1"/>
+                </a:solidFill>
+                <a:latin typeface="+mn-lt"/>
+                <a:ea typeface="+mn-ea"/>
+                <a:cs typeface="+mn-cs"/>
+              </a:defRPr>
+            </a:lvl9pPr>
+          </a:lstStyle>
+          <a:p>
+            <a:pPr marL="0" indent="0">
+              <a:buNone/>
+            </a:pPr>
+            <a:endParaRPr lang="zh-TW" altLang="en-US" sz="1800" dirty="0">
+              <a:solidFill>
+                <a:schemeClr val="accent3"/>
+              </a:solidFill>
+            </a:endParaRPr>
+          </a:p>
+        </p:txBody>
+      </p:sp>
+      <p:pic>
+        <p:nvPicPr>
+          <p:cNvPr id="232" name="圖片 231">
+            <a:extLst>
+              <a:ext uri="{FF2B5EF4-FFF2-40B4-BE49-F238E27FC236}">
+                <a16:creationId xmlns:a16="http://schemas.microsoft.com/office/drawing/2014/main" id="{2099F36C-DB65-5F7A-D982-8C43C85F33EB}"/>
+              </a:ext>
+            </a:extLst>
+          </p:cNvPr>
+          <p:cNvPicPr>
+            <a:picLocks noChangeAspect="1"/>
+          </p:cNvPicPr>
+          <p:nvPr/>
+        </p:nvPicPr>
+        <p:blipFill rotWithShape="1">
+          <a:blip r:embed="rId3">
+            <a:extLst>
+              <a:ext uri="{28A0092B-C50C-407E-A947-70E740481C1C}">
+                <a14:useLocalDpi xmlns:a14="http://schemas.microsoft.com/office/drawing/2010/main" val="0"/>
+              </a:ext>
+            </a:extLst>
+          </a:blip>
+          <a:srcRect l="5838" t="5838" r="13099" b="13099"/>
+          <a:stretch/>
+        </p:blipFill>
+        <p:spPr>
+          <a:xfrm>
+            <a:off x="143180" y="338007"/>
+            <a:ext cx="1338779" cy="1338779"/>
+          </a:xfrm>
+          <a:prstGeom prst="rect">
+            <a:avLst/>
+          </a:prstGeom>
+          <a:effectLst>
+            <a:softEdge rad="63500"/>
+          </a:effectLst>
+        </p:spPr>
+      </p:pic>
+      <mc:AlternateContent xmlns:mc="http://schemas.openxmlformats.org/markup-compatibility/2006">
+        <mc:Choice xmlns:a14="http://schemas.microsoft.com/office/drawing/2010/main" Requires="a14">
+          <p:sp>
+            <p:nvSpPr>
+              <p:cNvPr id="11" name="文字方塊 10">
+                <a:extLst>
+                  <a:ext uri="{FF2B5EF4-FFF2-40B4-BE49-F238E27FC236}">
+                    <a16:creationId xmlns:a16="http://schemas.microsoft.com/office/drawing/2014/main" id="{505A0B87-FAD2-503C-8B9C-666A44B23876}"/>
+                  </a:ext>
+                </a:extLst>
+              </p:cNvPr>
+              <p:cNvSpPr txBox="1"/>
+              <p:nvPr/>
+            </p:nvSpPr>
+            <p:spPr>
+              <a:xfrm>
+                <a:off x="1636761" y="3548784"/>
+                <a:ext cx="10181221" cy="946734"/>
+              </a:xfrm>
+              <a:prstGeom prst="rect">
+                <a:avLst/>
+              </a:prstGeom>
+              <a:noFill/>
+            </p:spPr>
+            <p:txBody>
+              <a:bodyPr wrap="square">
+                <a:spAutoFit/>
+              </a:bodyPr>
+              <a:lstStyle/>
+              <a:p>
+                <a:pPr>
+                  <a:lnSpc>
+                    <a:spcPct val="150000"/>
+                  </a:lnSpc>
+                </a:pPr>
+                <a14:m>
+                  <m:oMathPara xmlns:m="http://schemas.openxmlformats.org/officeDocument/2006/math">
+                    <m:oMathParaPr>
+                      <m:jc m:val="centerGroup"/>
+                    </m:oMathParaPr>
+                    <m:oMath xmlns:m="http://schemas.openxmlformats.org/officeDocument/2006/math">
+                      <m:r>
+                        <a:rPr lang="en-US" altLang="zh-TW" sz="1800" i="1" dirty="0" smtClean="0">
+                          <a:latin typeface="Cambria Math" panose="02040503050406030204" pitchFamily="18" charset="0"/>
+                          <a:ea typeface="微軟正黑體" panose="020B0604030504040204" pitchFamily="34" charset="-120"/>
+                        </a:rPr>
+                        <m:t>𝑄</m:t>
+                      </m:r>
+                      <m:d>
+                        <m:dPr>
+                          <m:ctrlPr>
+                            <a:rPr lang="en-US" altLang="zh-TW" sz="1800" i="1" dirty="0" smtClean="0">
+                              <a:latin typeface="Cambria Math" panose="02040503050406030204" pitchFamily="18" charset="0"/>
+                              <a:ea typeface="微軟正黑體" panose="020B0604030504040204" pitchFamily="34" charset="-120"/>
+                            </a:rPr>
+                          </m:ctrlPr>
+                        </m:dPr>
+                        <m:e>
+                          <m:r>
+                            <a:rPr lang="en-US" altLang="zh-TW" sz="1800" b="0" i="1" dirty="0" smtClean="0">
+                              <a:latin typeface="Cambria Math" panose="02040503050406030204" pitchFamily="18" charset="0"/>
+                              <a:ea typeface="微軟正黑體" panose="020B0604030504040204" pitchFamily="34" charset="-120"/>
+                            </a:rPr>
+                            <m:t>𝐴</m:t>
+                          </m:r>
+                        </m:e>
+                      </m:d>
+                      <m:r>
+                        <a:rPr lang="en-US" altLang="zh-TW" sz="1800" i="1" dirty="0" smtClean="0">
+                          <a:latin typeface="Cambria Math" panose="02040503050406030204" pitchFamily="18" charset="0"/>
+                          <a:ea typeface="微軟正黑體" panose="020B0604030504040204" pitchFamily="34" charset="-120"/>
+                        </a:rPr>
+                        <m:t>=</m:t>
+                      </m:r>
+                      <m:r>
+                        <a:rPr lang="en-US" altLang="zh-TW" i="1" dirty="0">
+                          <a:latin typeface="Cambria Math" panose="02040503050406030204" pitchFamily="18" charset="0"/>
+                          <a:ea typeface="微軟正黑體" panose="020B0604030504040204" pitchFamily="34" charset="-120"/>
+                        </a:rPr>
+                        <m:t>𝑄</m:t>
+                      </m:r>
+                      <m:d>
+                        <m:dPr>
+                          <m:ctrlPr>
+                            <a:rPr lang="en-US" altLang="zh-TW" sz="1800" b="0" i="1" dirty="0" smtClean="0">
+                              <a:latin typeface="Cambria Math" panose="02040503050406030204" pitchFamily="18" charset="0"/>
+                              <a:ea typeface="微軟正黑體" panose="020B0604030504040204" pitchFamily="34" charset="-120"/>
+                            </a:rPr>
+                          </m:ctrlPr>
+                        </m:dPr>
+                        <m:e>
+                          <m:r>
+                            <a:rPr lang="en-US" altLang="zh-TW" sz="1800" b="0" i="1" dirty="0" smtClean="0">
+                              <a:latin typeface="Cambria Math" panose="02040503050406030204" pitchFamily="18" charset="0"/>
+                              <a:ea typeface="微軟正黑體" panose="020B0604030504040204" pitchFamily="34" charset="-120"/>
+                            </a:rPr>
+                            <m:t>𝐴</m:t>
+                          </m:r>
+                        </m:e>
+                      </m:d>
+                      <m:r>
+                        <a:rPr lang="en-US" altLang="zh-TW" sz="1800" b="0" i="1" dirty="0" smtClean="0">
+                          <a:latin typeface="Cambria Math" panose="02040503050406030204" pitchFamily="18" charset="0"/>
+                          <a:ea typeface="微軟正黑體" panose="020B0604030504040204" pitchFamily="34" charset="-120"/>
+                        </a:rPr>
+                        <m:t>+</m:t>
+                      </m:r>
+                      <m:f>
+                        <m:fPr>
+                          <m:ctrlPr>
+                            <a:rPr lang="en-US" altLang="zh-TW" sz="1800" b="0" i="1" dirty="0" smtClean="0">
+                              <a:latin typeface="Cambria Math" panose="02040503050406030204" pitchFamily="18" charset="0"/>
+                              <a:ea typeface="微軟正黑體" panose="020B0604030504040204" pitchFamily="34" charset="-120"/>
+                            </a:rPr>
+                          </m:ctrlPr>
+                        </m:fPr>
+                        <m:num>
+                          <m:r>
+                            <a:rPr lang="en-US" altLang="zh-TW" sz="1800" b="0" i="1" dirty="0" smtClean="0">
+                              <a:latin typeface="Cambria Math" panose="02040503050406030204" pitchFamily="18" charset="0"/>
+                              <a:ea typeface="微軟正黑體" panose="020B0604030504040204" pitchFamily="34" charset="-120"/>
+                            </a:rPr>
+                            <m:t>1</m:t>
+                          </m:r>
+                        </m:num>
+                        <m:den>
+                          <m:r>
+                            <a:rPr lang="en-US" altLang="zh-TW" sz="1800" b="0" i="1" dirty="0" smtClean="0">
+                              <a:latin typeface="Cambria Math" panose="02040503050406030204" pitchFamily="18" charset="0"/>
+                              <a:ea typeface="微軟正黑體" panose="020B0604030504040204" pitchFamily="34" charset="-120"/>
+                            </a:rPr>
+                            <m:t>𝑁</m:t>
+                          </m:r>
+                          <m:r>
+                            <a:rPr lang="en-US" altLang="zh-TW" sz="1800" b="0" i="1" dirty="0" smtClean="0">
+                              <a:latin typeface="Cambria Math" panose="02040503050406030204" pitchFamily="18" charset="0"/>
+                              <a:ea typeface="微軟正黑體" panose="020B0604030504040204" pitchFamily="34" charset="-120"/>
+                            </a:rPr>
+                            <m:t>(</m:t>
+                          </m:r>
+                          <m:r>
+                            <a:rPr lang="en-US" altLang="zh-TW" sz="1800" b="0" i="1" dirty="0" smtClean="0">
+                              <a:latin typeface="Cambria Math" panose="02040503050406030204" pitchFamily="18" charset="0"/>
+                              <a:ea typeface="微軟正黑體" panose="020B0604030504040204" pitchFamily="34" charset="-120"/>
+                            </a:rPr>
+                            <m:t>𝐴</m:t>
+                          </m:r>
+                          <m:r>
+                            <a:rPr lang="en-US" altLang="zh-TW" sz="1800" b="0" i="1" dirty="0" smtClean="0">
+                              <a:latin typeface="Cambria Math" panose="02040503050406030204" pitchFamily="18" charset="0"/>
+                              <a:ea typeface="微軟正黑體" panose="020B0604030504040204" pitchFamily="34" charset="-120"/>
+                            </a:rPr>
+                            <m:t>)</m:t>
+                          </m:r>
+                        </m:den>
+                      </m:f>
+                      <m:r>
+                        <a:rPr lang="en-US" altLang="zh-TW" sz="1800" b="0" i="1" dirty="0" smtClean="0">
+                          <a:latin typeface="Cambria Math" panose="02040503050406030204" pitchFamily="18" charset="0"/>
+                          <a:ea typeface="微軟正黑體" panose="020B0604030504040204" pitchFamily="34" charset="-120"/>
+                        </a:rPr>
+                        <m:t>[</m:t>
+                      </m:r>
+                      <m:r>
+                        <a:rPr lang="en-US" altLang="zh-TW" sz="1800" b="0" i="1" dirty="0" smtClean="0">
+                          <a:latin typeface="Cambria Math" panose="02040503050406030204" pitchFamily="18" charset="0"/>
+                          <a:ea typeface="微軟正黑體" panose="020B0604030504040204" pitchFamily="34" charset="-120"/>
+                        </a:rPr>
+                        <m:t>𝑅</m:t>
+                      </m:r>
+                      <m:r>
+                        <a:rPr lang="en-US" altLang="zh-TW" sz="1800" b="0" i="1" dirty="0" smtClean="0">
+                          <a:latin typeface="Cambria Math" panose="02040503050406030204" pitchFamily="18" charset="0"/>
+                          <a:ea typeface="微軟正黑體" panose="020B0604030504040204" pitchFamily="34" charset="-120"/>
+                        </a:rPr>
+                        <m:t>−</m:t>
+                      </m:r>
+                      <m:r>
+                        <a:rPr lang="en-US" altLang="zh-TW" sz="1800" b="0" i="1" dirty="0" smtClean="0">
+                          <a:latin typeface="Cambria Math" panose="02040503050406030204" pitchFamily="18" charset="0"/>
+                          <a:ea typeface="微軟正黑體" panose="020B0604030504040204" pitchFamily="34" charset="-120"/>
+                        </a:rPr>
+                        <m:t>𝑄</m:t>
+                      </m:r>
+                      <m:d>
+                        <m:dPr>
+                          <m:ctrlPr>
+                            <a:rPr lang="en-US" altLang="zh-TW" sz="1800" b="0" i="1" dirty="0" smtClean="0">
+                              <a:latin typeface="Cambria Math" panose="02040503050406030204" pitchFamily="18" charset="0"/>
+                              <a:ea typeface="微軟正黑體" panose="020B0604030504040204" pitchFamily="34" charset="-120"/>
+                            </a:rPr>
+                          </m:ctrlPr>
+                        </m:dPr>
+                        <m:e>
+                          <m:r>
+                            <a:rPr lang="en-US" altLang="zh-TW" sz="1800" b="0" i="1" dirty="0" smtClean="0">
+                              <a:latin typeface="Cambria Math" panose="02040503050406030204" pitchFamily="18" charset="0"/>
+                              <a:ea typeface="微軟正黑體" panose="020B0604030504040204" pitchFamily="34" charset="-120"/>
+                            </a:rPr>
+                            <m:t>𝐴</m:t>
+                          </m:r>
+                        </m:e>
+                      </m:d>
+                      <m:r>
+                        <a:rPr lang="en-US" altLang="zh-TW" sz="1800" b="0" i="1" dirty="0" smtClean="0">
+                          <a:latin typeface="Cambria Math" panose="02040503050406030204" pitchFamily="18" charset="0"/>
+                          <a:ea typeface="微軟正黑體" panose="020B0604030504040204" pitchFamily="34" charset="-120"/>
+                        </a:rPr>
+                        <m:t>]</m:t>
+                      </m:r>
+                      <m:r>
+                        <a:rPr lang="en-US" altLang="zh-TW" sz="1800" i="1" dirty="0" smtClean="0">
+                          <a:latin typeface="Cambria Math" panose="02040503050406030204" pitchFamily="18" charset="0"/>
+                          <a:ea typeface="微軟正黑體" panose="020B0604030504040204" pitchFamily="34" charset="-120"/>
+                        </a:rPr>
+                        <m:t> </m:t>
+                      </m:r>
+                    </m:oMath>
+                  </m:oMathPara>
+                </a14:m>
+                <a:endParaRPr lang="en-US" altLang="zh-TW" sz="1800" dirty="0">
+                  <a:latin typeface="微軟正黑體" panose="020B0604030504040204" pitchFamily="34" charset="-120"/>
+                  <a:ea typeface="微軟正黑體" panose="020B0604030504040204" pitchFamily="34" charset="-120"/>
+                </a:endParaRPr>
+              </a:p>
+            </p:txBody>
+          </p:sp>
+        </mc:Choice>
+        <mc:Fallback>
+          <p:sp>
+            <p:nvSpPr>
+              <p:cNvPr id="11" name="文字方塊 10">
+                <a:extLst>
+                  <a:ext uri="{FF2B5EF4-FFF2-40B4-BE49-F238E27FC236}">
+                    <a16:creationId xmlns:a16="http://schemas.microsoft.com/office/drawing/2014/main" id="{505A0B87-FAD2-503C-8B9C-666A44B23876}"/>
+                  </a:ext>
+                </a:extLst>
+              </p:cNvPr>
+              <p:cNvSpPr txBox="1">
+                <a:spLocks noRot="1" noChangeAspect="1" noMove="1" noResize="1" noEditPoints="1" noAdjustHandles="1" noChangeArrowheads="1" noChangeShapeType="1" noTextEdit="1"/>
+              </p:cNvSpPr>
+              <p:nvPr/>
+            </p:nvSpPr>
+            <p:spPr>
+              <a:xfrm>
+                <a:off x="1636761" y="3548784"/>
+                <a:ext cx="10181221" cy="946734"/>
+              </a:xfrm>
+              <a:prstGeom prst="rect">
+                <a:avLst/>
+              </a:prstGeom>
+              <a:blipFill>
+                <a:blip r:embed="rId4"/>
+                <a:stretch>
+                  <a:fillRect/>
+                </a:stretch>
+              </a:blipFill>
+            </p:spPr>
+            <p:txBody>
+              <a:bodyPr/>
+              <a:lstStyle/>
+              <a:p>
+                <a:r>
+                  <a:rPr lang="zh-TW" altLang="en-US">
+                    <a:noFill/>
+                  </a:rPr>
+                  <a:t> </a:t>
+                </a:r>
+              </a:p>
+            </p:txBody>
+          </p:sp>
+        </mc:Fallback>
+      </mc:AlternateContent>
+      <mc:AlternateContent xmlns:mc="http://schemas.openxmlformats.org/markup-compatibility/2006">
+        <mc:Choice xmlns:a14="http://schemas.microsoft.com/office/drawing/2010/main" Requires="a14">
+          <p:sp>
+            <p:nvSpPr>
+              <p:cNvPr id="13" name="文字方塊 12">
+                <a:extLst>
+                  <a:ext uri="{FF2B5EF4-FFF2-40B4-BE49-F238E27FC236}">
+                    <a16:creationId xmlns:a16="http://schemas.microsoft.com/office/drawing/2014/main" id="{4A164053-A07B-4B6B-4622-4461EDCBB9A0}"/>
+                  </a:ext>
+                </a:extLst>
+              </p:cNvPr>
+              <p:cNvSpPr txBox="1"/>
+              <p:nvPr/>
+            </p:nvSpPr>
+            <p:spPr>
+              <a:xfrm>
+                <a:off x="1636761" y="5080600"/>
+                <a:ext cx="10181221" cy="507831"/>
+              </a:xfrm>
+              <a:prstGeom prst="rect">
+                <a:avLst/>
+              </a:prstGeom>
+              <a:noFill/>
+            </p:spPr>
+            <p:txBody>
+              <a:bodyPr wrap="square">
+                <a:spAutoFit/>
+              </a:bodyPr>
+              <a:lstStyle/>
+              <a:p>
+                <a:pPr>
+                  <a:lnSpc>
+                    <a:spcPct val="150000"/>
+                  </a:lnSpc>
+                </a:pPr>
+                <a14:m>
+                  <m:oMathPara xmlns:m="http://schemas.openxmlformats.org/officeDocument/2006/math">
+                    <m:oMathParaPr>
+                      <m:jc m:val="centerGroup"/>
+                    </m:oMathParaPr>
+                    <m:oMath xmlns:m="http://schemas.openxmlformats.org/officeDocument/2006/math">
+                      <m:r>
+                        <a:rPr lang="en-US" altLang="zh-TW" sz="1800" i="1" dirty="0" smtClean="0">
+                          <a:latin typeface="Cambria Math" panose="02040503050406030204" pitchFamily="18" charset="0"/>
+                          <a:ea typeface="微軟正黑體" panose="020B0604030504040204" pitchFamily="34" charset="-120"/>
+                        </a:rPr>
+                        <m:t>𝑄</m:t>
+                      </m:r>
+                      <m:d>
+                        <m:dPr>
+                          <m:ctrlPr>
+                            <a:rPr lang="en-US" altLang="zh-TW" sz="1800" i="1" dirty="0" smtClean="0">
+                              <a:latin typeface="Cambria Math" panose="02040503050406030204" pitchFamily="18" charset="0"/>
+                              <a:ea typeface="微軟正黑體" panose="020B0604030504040204" pitchFamily="34" charset="-120"/>
+                            </a:rPr>
+                          </m:ctrlPr>
+                        </m:dPr>
+                        <m:e>
+                          <m:r>
+                            <a:rPr lang="en-US" altLang="zh-TW" sz="1800" b="0" i="1" dirty="0" smtClean="0">
+                              <a:latin typeface="Cambria Math" panose="02040503050406030204" pitchFamily="18" charset="0"/>
+                              <a:ea typeface="微軟正黑體" panose="020B0604030504040204" pitchFamily="34" charset="-120"/>
+                            </a:rPr>
+                            <m:t>𝐴</m:t>
+                          </m:r>
+                        </m:e>
+                      </m:d>
+                      <m:r>
+                        <a:rPr lang="en-US" altLang="zh-TW" sz="1800" i="1" dirty="0" smtClean="0">
+                          <a:latin typeface="Cambria Math" panose="02040503050406030204" pitchFamily="18" charset="0"/>
+                          <a:ea typeface="微軟正黑體" panose="020B0604030504040204" pitchFamily="34" charset="-120"/>
+                        </a:rPr>
+                        <m:t>=</m:t>
+                      </m:r>
+                      <m:r>
+                        <a:rPr lang="en-US" altLang="zh-TW" i="1" dirty="0">
+                          <a:latin typeface="Cambria Math" panose="02040503050406030204" pitchFamily="18" charset="0"/>
+                          <a:ea typeface="微軟正黑體" panose="020B0604030504040204" pitchFamily="34" charset="-120"/>
+                        </a:rPr>
+                        <m:t>𝑄</m:t>
+                      </m:r>
+                      <m:d>
+                        <m:dPr>
+                          <m:ctrlPr>
+                            <a:rPr lang="en-US" altLang="zh-TW" sz="1800" b="0" i="1" dirty="0" smtClean="0">
+                              <a:latin typeface="Cambria Math" panose="02040503050406030204" pitchFamily="18" charset="0"/>
+                              <a:ea typeface="微軟正黑體" panose="020B0604030504040204" pitchFamily="34" charset="-120"/>
+                            </a:rPr>
+                          </m:ctrlPr>
+                        </m:dPr>
+                        <m:e>
+                          <m:r>
+                            <a:rPr lang="en-US" altLang="zh-TW" sz="1800" b="0" i="1" dirty="0" smtClean="0">
+                              <a:latin typeface="Cambria Math" panose="02040503050406030204" pitchFamily="18" charset="0"/>
+                              <a:ea typeface="微軟正黑體" panose="020B0604030504040204" pitchFamily="34" charset="-120"/>
+                            </a:rPr>
+                            <m:t>𝐴</m:t>
+                          </m:r>
+                        </m:e>
+                      </m:d>
+                      <m:r>
+                        <a:rPr lang="en-US" altLang="zh-TW" sz="1800" b="0" i="1" dirty="0" smtClean="0">
+                          <a:latin typeface="Cambria Math" panose="02040503050406030204" pitchFamily="18" charset="0"/>
+                          <a:ea typeface="微軟正黑體" panose="020B0604030504040204" pitchFamily="34" charset="-120"/>
+                        </a:rPr>
+                        <m:t>+</m:t>
+                      </m:r>
+                      <m:r>
+                        <a:rPr lang="en-US" altLang="zh-TW" sz="1800" b="0" i="1" dirty="0" smtClean="0">
+                          <a:latin typeface="Cambria Math" panose="02040503050406030204" pitchFamily="18" charset="0"/>
+                          <a:ea typeface="Cambria Math" panose="02040503050406030204" pitchFamily="18" charset="0"/>
+                        </a:rPr>
+                        <m:t>∝</m:t>
+                      </m:r>
+                      <m:r>
+                        <a:rPr lang="en-US" altLang="zh-TW" sz="1800" b="0" i="1" dirty="0" smtClean="0">
+                          <a:latin typeface="Cambria Math" panose="02040503050406030204" pitchFamily="18" charset="0"/>
+                          <a:ea typeface="微軟正黑體" panose="020B0604030504040204" pitchFamily="34" charset="-120"/>
+                        </a:rPr>
+                        <m:t>[</m:t>
+                      </m:r>
+                      <m:r>
+                        <a:rPr lang="en-US" altLang="zh-TW" sz="1800" b="0" i="1" dirty="0" smtClean="0">
+                          <a:latin typeface="Cambria Math" panose="02040503050406030204" pitchFamily="18" charset="0"/>
+                          <a:ea typeface="微軟正黑體" panose="020B0604030504040204" pitchFamily="34" charset="-120"/>
+                        </a:rPr>
+                        <m:t>𝑅</m:t>
+                      </m:r>
+                      <m:r>
+                        <a:rPr lang="en-US" altLang="zh-TW" sz="1800" b="0" i="1" dirty="0" smtClean="0">
+                          <a:latin typeface="Cambria Math" panose="02040503050406030204" pitchFamily="18" charset="0"/>
+                          <a:ea typeface="微軟正黑體" panose="020B0604030504040204" pitchFamily="34" charset="-120"/>
+                        </a:rPr>
+                        <m:t>−</m:t>
+                      </m:r>
+                      <m:r>
+                        <a:rPr lang="en-US" altLang="zh-TW" sz="1800" b="0" i="1" dirty="0" smtClean="0">
+                          <a:latin typeface="Cambria Math" panose="02040503050406030204" pitchFamily="18" charset="0"/>
+                          <a:ea typeface="微軟正黑體" panose="020B0604030504040204" pitchFamily="34" charset="-120"/>
+                        </a:rPr>
+                        <m:t>𝑄</m:t>
+                      </m:r>
+                      <m:d>
+                        <m:dPr>
+                          <m:ctrlPr>
+                            <a:rPr lang="en-US" altLang="zh-TW" sz="1800" b="0" i="1" dirty="0" smtClean="0">
+                              <a:latin typeface="Cambria Math" panose="02040503050406030204" pitchFamily="18" charset="0"/>
+                              <a:ea typeface="微軟正黑體" panose="020B0604030504040204" pitchFamily="34" charset="-120"/>
+                            </a:rPr>
+                          </m:ctrlPr>
+                        </m:dPr>
+                        <m:e>
+                          <m:r>
+                            <a:rPr lang="en-US" altLang="zh-TW" sz="1800" b="0" i="1" dirty="0" smtClean="0">
+                              <a:latin typeface="Cambria Math" panose="02040503050406030204" pitchFamily="18" charset="0"/>
+                              <a:ea typeface="微軟正黑體" panose="020B0604030504040204" pitchFamily="34" charset="-120"/>
+                            </a:rPr>
+                            <m:t>𝐴</m:t>
+                          </m:r>
+                        </m:e>
+                      </m:d>
+                      <m:r>
+                        <a:rPr lang="en-US" altLang="zh-TW" sz="1800" b="0" i="1" dirty="0" smtClean="0">
+                          <a:latin typeface="Cambria Math" panose="02040503050406030204" pitchFamily="18" charset="0"/>
+                          <a:ea typeface="微軟正黑體" panose="020B0604030504040204" pitchFamily="34" charset="-120"/>
+                        </a:rPr>
+                        <m:t>]</m:t>
+                      </m:r>
+                      <m:r>
+                        <a:rPr lang="en-US" altLang="zh-TW" sz="1800" i="1" dirty="0" smtClean="0">
+                          <a:latin typeface="Cambria Math" panose="02040503050406030204" pitchFamily="18" charset="0"/>
+                          <a:ea typeface="微軟正黑體" panose="020B0604030504040204" pitchFamily="34" charset="-120"/>
+                        </a:rPr>
+                        <m:t> </m:t>
+                      </m:r>
+                    </m:oMath>
+                  </m:oMathPara>
+                </a14:m>
+                <a:endParaRPr lang="en-US" altLang="zh-TW" sz="1800" dirty="0">
+                  <a:latin typeface="微軟正黑體" panose="020B0604030504040204" pitchFamily="34" charset="-120"/>
+                  <a:ea typeface="微軟正黑體" panose="020B0604030504040204" pitchFamily="34" charset="-120"/>
+                </a:endParaRPr>
+              </a:p>
+            </p:txBody>
+          </p:sp>
+        </mc:Choice>
+        <mc:Fallback>
+          <p:sp>
+            <p:nvSpPr>
+              <p:cNvPr id="13" name="文字方塊 12">
+                <a:extLst>
+                  <a:ext uri="{FF2B5EF4-FFF2-40B4-BE49-F238E27FC236}">
+                    <a16:creationId xmlns:a16="http://schemas.microsoft.com/office/drawing/2014/main" id="{4A164053-A07B-4B6B-4622-4461EDCBB9A0}"/>
+                  </a:ext>
+                </a:extLst>
+              </p:cNvPr>
+              <p:cNvSpPr txBox="1">
+                <a:spLocks noRot="1" noChangeAspect="1" noMove="1" noResize="1" noEditPoints="1" noAdjustHandles="1" noChangeArrowheads="1" noChangeShapeType="1" noTextEdit="1"/>
+              </p:cNvSpPr>
+              <p:nvPr/>
+            </p:nvSpPr>
+            <p:spPr>
+              <a:xfrm>
+                <a:off x="1636761" y="5080600"/>
+                <a:ext cx="10181221" cy="507831"/>
+              </a:xfrm>
+              <a:prstGeom prst="rect">
+                <a:avLst/>
+              </a:prstGeom>
+              <a:blipFill>
+                <a:blip r:embed="rId5"/>
+                <a:stretch>
+                  <a:fillRect/>
+                </a:stretch>
+              </a:blipFill>
+            </p:spPr>
+            <p:txBody>
+              <a:bodyPr/>
+              <a:lstStyle/>
+              <a:p>
+                <a:r>
+                  <a:rPr lang="zh-TW" altLang="en-US">
+                    <a:noFill/>
+                  </a:rPr>
+                  <a:t> </a:t>
+                </a:r>
+              </a:p>
+            </p:txBody>
+          </p:sp>
+        </mc:Fallback>
+      </mc:AlternateContent>
+      <p:sp>
+        <p:nvSpPr>
+          <p:cNvPr id="7" name="文字方塊 6">
+            <a:extLst>
+              <a:ext uri="{FF2B5EF4-FFF2-40B4-BE49-F238E27FC236}">
+                <a16:creationId xmlns:a16="http://schemas.microsoft.com/office/drawing/2014/main" id="{71385D01-6AA5-378A-0D0C-602A39C0A465}"/>
+              </a:ext>
+            </a:extLst>
+          </p:cNvPr>
+          <p:cNvSpPr txBox="1"/>
+          <p:nvPr/>
+        </p:nvSpPr>
+        <p:spPr>
+          <a:xfrm>
+            <a:off x="2974427" y="4603393"/>
+            <a:ext cx="1569660" cy="369332"/>
+          </a:xfrm>
+          <a:prstGeom prst="rect">
+            <a:avLst/>
+          </a:prstGeom>
+          <a:noFill/>
+        </p:spPr>
+        <p:txBody>
+          <a:bodyPr wrap="none" rtlCol="0">
+            <a:spAutoFit/>
+          </a:bodyPr>
+          <a:lstStyle/>
+          <a:p>
+            <a:r>
+              <a:rPr lang="zh-TW" altLang="en-US" dirty="0">
+                <a:latin typeface="微軟正黑體" panose="020B0604030504040204" pitchFamily="34" charset="-120"/>
+                <a:ea typeface="微軟正黑體" panose="020B0604030504040204" pitchFamily="34" charset="-120"/>
+              </a:rPr>
+              <a:t>使用恆定步伐</a:t>
+            </a:r>
+          </a:p>
+        </p:txBody>
+      </p:sp>
+      <p:sp>
+        <p:nvSpPr>
+          <p:cNvPr id="14" name="矩形 13">
+            <a:extLst>
+              <a:ext uri="{FF2B5EF4-FFF2-40B4-BE49-F238E27FC236}">
+                <a16:creationId xmlns:a16="http://schemas.microsoft.com/office/drawing/2014/main" id="{BD838C05-B85E-2E28-0FE4-B089AADB9BAD}"/>
+              </a:ext>
+            </a:extLst>
+          </p:cNvPr>
+          <p:cNvSpPr/>
+          <p:nvPr/>
+        </p:nvSpPr>
+        <p:spPr>
+          <a:xfrm>
+            <a:off x="6600497" y="3738072"/>
+            <a:ext cx="620110" cy="704194"/>
+          </a:xfrm>
+          <a:prstGeom prst="rect">
+            <a:avLst/>
+          </a:prstGeom>
+          <a:noFill/>
+          <a:ln w="38100">
+            <a:solidFill>
+              <a:srgbClr val="00B0F0"/>
+            </a:solidFill>
+          </a:ln>
+        </p:spPr>
+        <p:style>
+          <a:lnRef idx="2">
+            <a:schemeClr val="accent1">
+              <a:shade val="50000"/>
+            </a:schemeClr>
+          </a:lnRef>
+          <a:fillRef idx="1">
+            <a:schemeClr val="accent1"/>
+          </a:fillRef>
+          <a:effectRef idx="0">
+            <a:schemeClr val="accent1"/>
+          </a:effectRef>
+          <a:fontRef idx="minor">
+            <a:schemeClr val="lt1"/>
+          </a:fontRef>
+        </p:style>
+        <p:txBody>
+          <a:bodyPr rtlCol="0" anchor="ctr"/>
+          <a:lstStyle/>
+          <a:p>
+            <a:pPr algn="ctr"/>
+            <a:endParaRPr lang="zh-TW" altLang="en-US"/>
+          </a:p>
+        </p:txBody>
+      </p:sp>
+      <p:sp>
+        <p:nvSpPr>
+          <p:cNvPr id="20" name="矩形 19">
+            <a:extLst>
+              <a:ext uri="{FF2B5EF4-FFF2-40B4-BE49-F238E27FC236}">
+                <a16:creationId xmlns:a16="http://schemas.microsoft.com/office/drawing/2014/main" id="{2B43BA13-9A7E-4238-C47F-3DBCBEDADC91}"/>
+              </a:ext>
+            </a:extLst>
+          </p:cNvPr>
+          <p:cNvSpPr/>
+          <p:nvPr/>
+        </p:nvSpPr>
+        <p:spPr>
+          <a:xfrm>
+            <a:off x="6768661" y="5167479"/>
+            <a:ext cx="231229" cy="420952"/>
+          </a:xfrm>
+          <a:prstGeom prst="rect">
+            <a:avLst/>
+          </a:prstGeom>
+          <a:noFill/>
+          <a:ln w="38100">
+            <a:solidFill>
+              <a:srgbClr val="00B0F0"/>
+            </a:solidFill>
+          </a:ln>
+        </p:spPr>
+        <p:style>
+          <a:lnRef idx="2">
+            <a:schemeClr val="accent1">
+              <a:shade val="50000"/>
+            </a:schemeClr>
+          </a:lnRef>
+          <a:fillRef idx="1">
+            <a:schemeClr val="accent1"/>
+          </a:fillRef>
+          <a:effectRef idx="0">
+            <a:schemeClr val="accent1"/>
+          </a:effectRef>
+          <a:fontRef idx="minor">
+            <a:schemeClr val="lt1"/>
+          </a:fontRef>
+        </p:style>
+        <p:txBody>
+          <a:bodyPr rtlCol="0" anchor="ctr"/>
+          <a:lstStyle/>
+          <a:p>
+            <a:pPr algn="ctr"/>
+            <a:endParaRPr lang="zh-TW" altLang="en-US"/>
+          </a:p>
+        </p:txBody>
+      </p:sp>
+      <p:sp>
+        <p:nvSpPr>
+          <p:cNvPr id="22" name="文字方塊 21">
+            <a:extLst>
+              <a:ext uri="{FF2B5EF4-FFF2-40B4-BE49-F238E27FC236}">
+                <a16:creationId xmlns:a16="http://schemas.microsoft.com/office/drawing/2014/main" id="{2D09F5EF-0108-D40B-1808-9BBCCF63BA60}"/>
+              </a:ext>
+            </a:extLst>
+          </p:cNvPr>
+          <p:cNvSpPr txBox="1"/>
+          <p:nvPr/>
+        </p:nvSpPr>
+        <p:spPr>
+          <a:xfrm>
+            <a:off x="1636760" y="2474318"/>
+            <a:ext cx="10299515" cy="456856"/>
+          </a:xfrm>
+          <a:prstGeom prst="rect">
+            <a:avLst/>
+          </a:prstGeom>
+          <a:noFill/>
+        </p:spPr>
+        <p:txBody>
+          <a:bodyPr wrap="square">
+            <a:spAutoFit/>
+          </a:bodyPr>
+          <a:lstStyle/>
+          <a:p>
+            <a:pPr algn="ctr">
+              <a:lnSpc>
+                <a:spcPct val="150000"/>
+              </a:lnSpc>
+            </a:pPr>
+            <a:r>
+              <a:rPr lang="zh-TW" altLang="en-US" sz="1800" dirty="0">
+                <a:latin typeface="微軟正黑體" panose="020B0604030504040204" pitchFamily="34" charset="-120"/>
+                <a:ea typeface="微軟正黑體" panose="020B0604030504040204" pitchFamily="34" charset="-120"/>
+              </a:rPr>
+              <a:t>新估計值 </a:t>
+            </a:r>
+            <a:r>
+              <a:rPr lang="en-US" altLang="zh-TW" sz="1800" dirty="0">
+                <a:latin typeface="微軟正黑體" panose="020B0604030504040204" pitchFamily="34" charset="-120"/>
+                <a:ea typeface="微軟正黑體" panose="020B0604030504040204" pitchFamily="34" charset="-120"/>
+                <a:sym typeface="Wingdings" panose="05000000000000000000" pitchFamily="2" charset="2"/>
+              </a:rPr>
+              <a:t> </a:t>
+            </a:r>
+            <a:r>
+              <a:rPr lang="zh-TW" altLang="en-US" sz="1800" dirty="0">
+                <a:latin typeface="微軟正黑體" panose="020B0604030504040204" pitchFamily="34" charset="-120"/>
+                <a:ea typeface="微軟正黑體" panose="020B0604030504040204" pitchFamily="34" charset="-120"/>
+                <a:sym typeface="Wingdings" panose="05000000000000000000" pitchFamily="2" charset="2"/>
+              </a:rPr>
+              <a:t>舊估計值 </a:t>
+            </a:r>
+            <a:r>
+              <a:rPr lang="en-US" altLang="zh-TW" sz="1800" dirty="0">
+                <a:latin typeface="微軟正黑體" panose="020B0604030504040204" pitchFamily="34" charset="-120"/>
+                <a:ea typeface="微軟正黑體" panose="020B0604030504040204" pitchFamily="34" charset="-120"/>
+                <a:sym typeface="Wingdings" panose="05000000000000000000" pitchFamily="2" charset="2"/>
+              </a:rPr>
+              <a:t>+ </a:t>
+            </a:r>
+            <a:r>
+              <a:rPr lang="zh-TW" altLang="en-US" sz="1800" dirty="0">
+                <a:latin typeface="微軟正黑體" panose="020B0604030504040204" pitchFamily="34" charset="-120"/>
+                <a:ea typeface="微軟正黑體" panose="020B0604030504040204" pitchFamily="34" charset="-120"/>
+                <a:sym typeface="Wingdings" panose="05000000000000000000" pitchFamily="2" charset="2"/>
+              </a:rPr>
+              <a:t>步長 * </a:t>
+            </a:r>
+            <a:r>
+              <a:rPr lang="en-US" altLang="zh-TW" sz="1800" dirty="0">
+                <a:latin typeface="微軟正黑體" panose="020B0604030504040204" pitchFamily="34" charset="-120"/>
+                <a:ea typeface="微軟正黑體" panose="020B0604030504040204" pitchFamily="34" charset="-120"/>
+                <a:sym typeface="Wingdings" panose="05000000000000000000" pitchFamily="2" charset="2"/>
+              </a:rPr>
+              <a:t>[</a:t>
+            </a:r>
+            <a:r>
+              <a:rPr lang="zh-TW" altLang="en-US" sz="1800" dirty="0">
+                <a:latin typeface="微軟正黑體" panose="020B0604030504040204" pitchFamily="34" charset="-120"/>
+                <a:ea typeface="微軟正黑體" panose="020B0604030504040204" pitchFamily="34" charset="-120"/>
+                <a:sym typeface="Wingdings" panose="05000000000000000000" pitchFamily="2" charset="2"/>
+              </a:rPr>
+              <a:t>目標 </a:t>
+            </a:r>
+            <a:r>
+              <a:rPr lang="en-US" altLang="zh-TW" sz="1800" dirty="0">
+                <a:latin typeface="微軟正黑體" panose="020B0604030504040204" pitchFamily="34" charset="-120"/>
+                <a:ea typeface="微軟正黑體" panose="020B0604030504040204" pitchFamily="34" charset="-120"/>
+                <a:sym typeface="Wingdings" panose="05000000000000000000" pitchFamily="2" charset="2"/>
+              </a:rPr>
+              <a:t>– </a:t>
+            </a:r>
+            <a:r>
+              <a:rPr lang="zh-TW" altLang="en-US" sz="1800" dirty="0">
+                <a:latin typeface="微軟正黑體" panose="020B0604030504040204" pitchFamily="34" charset="-120"/>
+                <a:ea typeface="微軟正黑體" panose="020B0604030504040204" pitchFamily="34" charset="-120"/>
+                <a:sym typeface="Wingdings" panose="05000000000000000000" pitchFamily="2" charset="2"/>
+              </a:rPr>
+              <a:t>舊估計值</a:t>
+            </a:r>
+            <a:r>
+              <a:rPr lang="en-US" altLang="zh-TW" sz="1800" dirty="0">
+                <a:latin typeface="微軟正黑體" panose="020B0604030504040204" pitchFamily="34" charset="-120"/>
+                <a:ea typeface="微軟正黑體" panose="020B0604030504040204" pitchFamily="34" charset="-120"/>
+                <a:sym typeface="Wingdings" panose="05000000000000000000" pitchFamily="2" charset="2"/>
+              </a:rPr>
+              <a:t>]</a:t>
+            </a:r>
+            <a:endParaRPr lang="zh-TW" altLang="en-US" sz="1800" dirty="0">
+              <a:latin typeface="微軟正黑體" panose="020B0604030504040204" pitchFamily="34" charset="-120"/>
+              <a:ea typeface="微軟正黑體" panose="020B0604030504040204" pitchFamily="34" charset="-120"/>
+            </a:endParaRPr>
+          </a:p>
+        </p:txBody>
+      </p:sp>
+      <p:sp>
+        <p:nvSpPr>
+          <p:cNvPr id="23" name="矩形 22">
+            <a:extLst>
+              <a:ext uri="{FF2B5EF4-FFF2-40B4-BE49-F238E27FC236}">
+                <a16:creationId xmlns:a16="http://schemas.microsoft.com/office/drawing/2014/main" id="{E2448FD1-F98D-1B66-D1DD-B43E55C6D68E}"/>
+              </a:ext>
+            </a:extLst>
+          </p:cNvPr>
+          <p:cNvSpPr/>
+          <p:nvPr/>
+        </p:nvSpPr>
+        <p:spPr>
+          <a:xfrm>
+            <a:off x="6768661" y="2518872"/>
+            <a:ext cx="515008" cy="412302"/>
+          </a:xfrm>
+          <a:prstGeom prst="rect">
+            <a:avLst/>
+          </a:prstGeom>
+          <a:noFill/>
+          <a:ln w="38100">
+            <a:solidFill>
+              <a:srgbClr val="00B0F0"/>
+            </a:solidFill>
+          </a:ln>
+        </p:spPr>
+        <p:style>
+          <a:lnRef idx="2">
+            <a:schemeClr val="accent1">
+              <a:shade val="50000"/>
+            </a:schemeClr>
+          </a:lnRef>
+          <a:fillRef idx="1">
+            <a:schemeClr val="accent1"/>
+          </a:fillRef>
+          <a:effectRef idx="0">
+            <a:schemeClr val="accent1"/>
+          </a:effectRef>
+          <a:fontRef idx="minor">
+            <a:schemeClr val="lt1"/>
+          </a:fontRef>
+        </p:style>
+        <p:txBody>
+          <a:bodyPr rtlCol="0" anchor="ctr"/>
+          <a:lstStyle/>
+          <a:p>
+            <a:pPr algn="ctr"/>
+            <a:endParaRPr lang="zh-TW" altLang="en-US"/>
+          </a:p>
+        </p:txBody>
+      </p:sp>
+    </p:spTree>
+    <p:extLst>
+      <p:ext uri="{BB962C8B-B14F-4D97-AF65-F5344CB8AC3E}">
+        <p14:creationId xmlns:p14="http://schemas.microsoft.com/office/powerpoint/2010/main" val="3834042929"/>
+      </p:ext>
+    </p:extLst>
+  </p:cSld>
+  <p:clrMapOvr>
+    <a:masterClrMapping/>
+  </p:clrMapOvr>
+</p:sld>
+</file>
+
+<file path=ppt/slides/slide8.xml><?xml version="1.0" encoding="utf-8"?>
 <p:sld xmlns:a="http://schemas.openxmlformats.org/drawingml/2006/main" xmlns:r="http://schemas.openxmlformats.org/officeDocument/2006/relationships" xmlns:p="http://schemas.openxmlformats.org/presentationml/2006/main">
   <p:cSld>
     <p:spTree>

--- a/Share/【AI . FREE Team】【讀書會】2022_07_16 Reinforcement Learning.pptx
+++ b/Share/【AI . FREE Team】【讀書會】2022_07_16 Reinforcement Learning.pptx
@@ -5,7 +5,7 @@
     <p:sldMasterId id="2147483648" r:id="rId1"/>
   </p:sldMasterIdLst>
   <p:notesMasterIdLst>
-    <p:notesMasterId r:id="rId10"/>
+    <p:notesMasterId r:id="rId12"/>
   </p:notesMasterIdLst>
   <p:sldIdLst>
     <p:sldId id="260" r:id="rId2"/>
@@ -15,7 +15,9 @@
     <p:sldId id="293" r:id="rId6"/>
     <p:sldId id="294" r:id="rId7"/>
     <p:sldId id="295" r:id="rId8"/>
-    <p:sldId id="291" r:id="rId9"/>
+    <p:sldId id="296" r:id="rId9"/>
+    <p:sldId id="297" r:id="rId10"/>
+    <p:sldId id="291" r:id="rId11"/>
   </p:sldIdLst>
   <p:sldSz cx="12192000" cy="6858000"/>
   <p:notesSz cx="6858000" cy="9144000"/>
@@ -204,7 +206,7 @@
           <a:p>
             <a:fld id="{F805EFE1-B1B8-4F44-97F9-37144A5E80D2}" type="datetimeFigureOut">
               <a:rPr lang="zh-TW" altLang="en-US" smtClean="0"/>
-              <a:t>2022/6/18</a:t>
+              <a:t>2022/6/19</a:t>
             </a:fld>
             <a:endParaRPr lang="zh-TW" altLang="en-US"/>
           </a:p>
@@ -620,7 +622,7 @@
           <a:p>
             <a:fld id="{D3A5F196-08D5-4FB6-9C9E-5681ACAB0253}" type="slidenum">
               <a:rPr lang="zh-TW" altLang="en-US" smtClean="0"/>
-              <a:t>8</a:t>
+              <a:t>10</a:t>
             </a:fld>
             <a:endParaRPr lang="zh-TW" altLang="en-US"/>
           </a:p>
@@ -786,7 +788,7 @@
           <a:p>
             <a:fld id="{6EBC6C6C-30F8-4CE6-8913-54791322A3A7}" type="datetimeFigureOut">
               <a:rPr lang="zh-TW" altLang="en-US" smtClean="0"/>
-              <a:t>2022/6/18</a:t>
+              <a:t>2022/6/19</a:t>
             </a:fld>
             <a:endParaRPr lang="zh-TW" altLang="en-US"/>
           </a:p>
@@ -984,7 +986,7 @@
           <a:p>
             <a:fld id="{6EBC6C6C-30F8-4CE6-8913-54791322A3A7}" type="datetimeFigureOut">
               <a:rPr lang="zh-TW" altLang="en-US" smtClean="0"/>
-              <a:t>2022/6/18</a:t>
+              <a:t>2022/6/19</a:t>
             </a:fld>
             <a:endParaRPr lang="zh-TW" altLang="en-US"/>
           </a:p>
@@ -1192,7 +1194,7 @@
           <a:p>
             <a:fld id="{6EBC6C6C-30F8-4CE6-8913-54791322A3A7}" type="datetimeFigureOut">
               <a:rPr lang="zh-TW" altLang="en-US" smtClean="0"/>
-              <a:t>2022/6/18</a:t>
+              <a:t>2022/6/19</a:t>
             </a:fld>
             <a:endParaRPr lang="zh-TW" altLang="en-US"/>
           </a:p>
@@ -1390,7 +1392,7 @@
           <a:p>
             <a:fld id="{6EBC6C6C-30F8-4CE6-8913-54791322A3A7}" type="datetimeFigureOut">
               <a:rPr lang="zh-TW" altLang="en-US" smtClean="0"/>
-              <a:t>2022/6/18</a:t>
+              <a:t>2022/6/19</a:t>
             </a:fld>
             <a:endParaRPr lang="zh-TW" altLang="en-US"/>
           </a:p>
@@ -1665,7 +1667,7 @@
           <a:p>
             <a:fld id="{6EBC6C6C-30F8-4CE6-8913-54791322A3A7}" type="datetimeFigureOut">
               <a:rPr lang="zh-TW" altLang="en-US" smtClean="0"/>
-              <a:t>2022/6/18</a:t>
+              <a:t>2022/6/19</a:t>
             </a:fld>
             <a:endParaRPr lang="zh-TW" altLang="en-US"/>
           </a:p>
@@ -1930,7 +1932,7 @@
           <a:p>
             <a:fld id="{6EBC6C6C-30F8-4CE6-8913-54791322A3A7}" type="datetimeFigureOut">
               <a:rPr lang="zh-TW" altLang="en-US" smtClean="0"/>
-              <a:t>2022/6/18</a:t>
+              <a:t>2022/6/19</a:t>
             </a:fld>
             <a:endParaRPr lang="zh-TW" altLang="en-US"/>
           </a:p>
@@ -2342,7 +2344,7 @@
           <a:p>
             <a:fld id="{6EBC6C6C-30F8-4CE6-8913-54791322A3A7}" type="datetimeFigureOut">
               <a:rPr lang="zh-TW" altLang="en-US" smtClean="0"/>
-              <a:t>2022/6/18</a:t>
+              <a:t>2022/6/19</a:t>
             </a:fld>
             <a:endParaRPr lang="zh-TW" altLang="en-US"/>
           </a:p>
@@ -2483,7 +2485,7 @@
           <a:p>
             <a:fld id="{6EBC6C6C-30F8-4CE6-8913-54791322A3A7}" type="datetimeFigureOut">
               <a:rPr lang="zh-TW" altLang="en-US" smtClean="0"/>
-              <a:t>2022/6/18</a:t>
+              <a:t>2022/6/19</a:t>
             </a:fld>
             <a:endParaRPr lang="zh-TW" altLang="en-US"/>
           </a:p>
@@ -2596,7 +2598,7 @@
           <a:p>
             <a:fld id="{6EBC6C6C-30F8-4CE6-8913-54791322A3A7}" type="datetimeFigureOut">
               <a:rPr lang="zh-TW" altLang="en-US" smtClean="0"/>
-              <a:t>2022/6/18</a:t>
+              <a:t>2022/6/19</a:t>
             </a:fld>
             <a:endParaRPr lang="zh-TW" altLang="en-US"/>
           </a:p>
@@ -2907,7 +2909,7 @@
           <a:p>
             <a:fld id="{6EBC6C6C-30F8-4CE6-8913-54791322A3A7}" type="datetimeFigureOut">
               <a:rPr lang="zh-TW" altLang="en-US" smtClean="0"/>
-              <a:t>2022/6/18</a:t>
+              <a:t>2022/6/19</a:t>
             </a:fld>
             <a:endParaRPr lang="zh-TW" altLang="en-US"/>
           </a:p>
@@ -3195,7 +3197,7 @@
           <a:p>
             <a:fld id="{6EBC6C6C-30F8-4CE6-8913-54791322A3A7}" type="datetimeFigureOut">
               <a:rPr lang="zh-TW" altLang="en-US" smtClean="0"/>
-              <a:t>2022/6/18</a:t>
+              <a:t>2022/6/19</a:t>
             </a:fld>
             <a:endParaRPr lang="zh-TW" altLang="en-US"/>
           </a:p>
@@ -3436,7 +3438,7 @@
           <a:p>
             <a:fld id="{6EBC6C6C-30F8-4CE6-8913-54791322A3A7}" type="datetimeFigureOut">
               <a:rPr lang="zh-TW" altLang="en-US" smtClean="0"/>
-              <a:t>2022/6/18</a:t>
+              <a:t>2022/6/19</a:t>
             </a:fld>
             <a:endParaRPr lang="zh-TW" altLang="en-US"/>
           </a:p>
@@ -4282,6 +4284,417 @@
     <p:extLst>
       <p:ext uri="{BB962C8B-B14F-4D97-AF65-F5344CB8AC3E}">
         <p14:creationId xmlns:p14="http://schemas.microsoft.com/office/powerpoint/2010/main" val="574375099"/>
+      </p:ext>
+    </p:extLst>
+  </p:cSld>
+  <p:clrMapOvr>
+    <a:masterClrMapping/>
+  </p:clrMapOvr>
+</p:sld>
+</file>
+
+<file path=ppt/slides/slide10.xml><?xml version="1.0" encoding="utf-8"?>
+<p:sld xmlns:a="http://schemas.openxmlformats.org/drawingml/2006/main" xmlns:r="http://schemas.openxmlformats.org/officeDocument/2006/relationships" xmlns:p="http://schemas.openxmlformats.org/presentationml/2006/main">
+  <p:cSld>
+    <p:spTree>
+      <p:nvGrpSpPr>
+        <p:cNvPr id="1" name=""/>
+        <p:cNvGrpSpPr/>
+        <p:nvPr/>
+      </p:nvGrpSpPr>
+      <p:grpSpPr>
+        <a:xfrm>
+          <a:off x="0" y="0"/>
+          <a:ext cx="0" cy="0"/>
+          <a:chOff x="0" y="0"/>
+          <a:chExt cx="0" cy="0"/>
+        </a:xfrm>
+      </p:grpSpPr>
+      <p:pic>
+        <p:nvPicPr>
+          <p:cNvPr id="224" name="圖片 223" descr="一張含有 廚具, 刷子 的圖片&#10;&#10;自動產生的描述">
+            <a:extLst>
+              <a:ext uri="{FF2B5EF4-FFF2-40B4-BE49-F238E27FC236}">
+                <a16:creationId xmlns:a16="http://schemas.microsoft.com/office/drawing/2014/main" id="{FD9A058F-1F44-62F1-6AA0-F9590CF1DE3F}"/>
+              </a:ext>
+            </a:extLst>
+          </p:cNvPr>
+          <p:cNvPicPr>
+            <a:picLocks noChangeAspect="1"/>
+          </p:cNvPicPr>
+          <p:nvPr/>
+        </p:nvPicPr>
+        <p:blipFill>
+          <a:blip r:embed="rId3">
+            <a:alphaModFix amt="10000"/>
+            <a:extLst>
+              <a:ext uri="{28A0092B-C50C-407E-A947-70E740481C1C}">
+                <a14:useLocalDpi xmlns:a14="http://schemas.microsoft.com/office/drawing/2010/main" val="0"/>
+              </a:ext>
+            </a:extLst>
+          </a:blip>
+          <a:stretch>
+            <a:fillRect/>
+          </a:stretch>
+        </p:blipFill>
+        <p:spPr>
+          <a:xfrm>
+            <a:off x="374017" y="271518"/>
+            <a:ext cx="11443966" cy="6314963"/>
+          </a:xfrm>
+          <a:prstGeom prst="rect">
+            <a:avLst/>
+          </a:prstGeom>
+        </p:spPr>
+      </p:pic>
+      <p:sp>
+        <p:nvSpPr>
+          <p:cNvPr id="2" name="標題 1">
+            <a:extLst>
+              <a:ext uri="{FF2B5EF4-FFF2-40B4-BE49-F238E27FC236}">
+                <a16:creationId xmlns:a16="http://schemas.microsoft.com/office/drawing/2014/main" id="{DEC855AE-ACD1-485D-AE49-4D97B175BA38}"/>
+              </a:ext>
+            </a:extLst>
+          </p:cNvPr>
+          <p:cNvSpPr>
+            <a:spLocks noGrp="1"/>
+          </p:cNvSpPr>
+          <p:nvPr>
+            <p:ph type="ctrTitle"/>
+          </p:nvPr>
+        </p:nvSpPr>
+        <p:spPr>
+          <a:xfrm>
+            <a:off x="0" y="-11451"/>
+            <a:ext cx="12192000" cy="2995897"/>
+          </a:xfrm>
+        </p:spPr>
+        <p:txBody>
+          <a:bodyPr>
+            <a:normAutofit/>
+          </a:bodyPr>
+          <a:lstStyle/>
+          <a:p>
+            <a:pPr>
+              <a:lnSpc>
+                <a:spcPct val="150000"/>
+              </a:lnSpc>
+            </a:pPr>
+            <a:r>
+              <a:rPr lang="en-US" altLang="zh-TW" sz="4800" b="1" dirty="0">
+                <a:solidFill>
+                  <a:srgbClr val="00B0F0"/>
+                </a:solidFill>
+                <a:effectLst>
+                  <a:outerShdw blurRad="38100" dist="38100" dir="2700000" algn="tl">
+                    <a:srgbClr val="000000">
+                      <a:alpha val="43137"/>
+                    </a:srgbClr>
+                  </a:outerShdw>
+                </a:effectLst>
+              </a:rPr>
+              <a:t>AI</a:t>
+            </a:r>
+            <a:r>
+              <a:rPr lang="zh-TW" altLang="en-US" sz="4800" b="1" dirty="0">
+                <a:effectLst>
+                  <a:outerShdw blurRad="38100" dist="38100" dir="2700000" algn="tl">
+                    <a:srgbClr val="000000">
+                      <a:alpha val="43137"/>
+                    </a:srgbClr>
+                  </a:outerShdw>
+                </a:effectLst>
+              </a:rPr>
+              <a:t> </a:t>
+            </a:r>
+            <a:r>
+              <a:rPr lang="en-US" altLang="zh-TW" sz="4800" b="1" dirty="0">
+                <a:solidFill>
+                  <a:schemeClr val="tx1">
+                    <a:lumMod val="50000"/>
+                    <a:lumOff val="50000"/>
+                  </a:schemeClr>
+                </a:solidFill>
+                <a:effectLst>
+                  <a:outerShdw blurRad="38100" dist="38100" dir="2700000" algn="tl">
+                    <a:srgbClr val="000000">
+                      <a:alpha val="43137"/>
+                    </a:srgbClr>
+                  </a:outerShdw>
+                </a:effectLst>
+              </a:rPr>
+              <a:t>.</a:t>
+            </a:r>
+            <a:r>
+              <a:rPr lang="en-US" altLang="zh-TW" sz="4800" b="1" dirty="0">
+                <a:effectLst>
+                  <a:outerShdw blurRad="38100" dist="38100" dir="2700000" algn="tl">
+                    <a:srgbClr val="000000">
+                      <a:alpha val="43137"/>
+                    </a:srgbClr>
+                  </a:outerShdw>
+                </a:effectLst>
+              </a:rPr>
+              <a:t> </a:t>
+            </a:r>
+            <a:r>
+              <a:rPr lang="en-US" altLang="zh-TW" sz="4800" b="1" dirty="0">
+                <a:solidFill>
+                  <a:srgbClr val="92D050"/>
+                </a:solidFill>
+                <a:effectLst>
+                  <a:outerShdw blurRad="38100" dist="38100" dir="2700000" algn="tl">
+                    <a:srgbClr val="000000">
+                      <a:alpha val="43137"/>
+                    </a:srgbClr>
+                  </a:outerShdw>
+                </a:effectLst>
+              </a:rPr>
+              <a:t>FREE</a:t>
+            </a:r>
+            <a:r>
+              <a:rPr lang="en-US" altLang="zh-TW" sz="4800" b="1" dirty="0">
+                <a:effectLst>
+                  <a:outerShdw blurRad="38100" dist="38100" dir="2700000" algn="tl">
+                    <a:srgbClr val="000000">
+                      <a:alpha val="43137"/>
+                    </a:srgbClr>
+                  </a:outerShdw>
+                </a:effectLst>
+              </a:rPr>
+              <a:t> </a:t>
+            </a:r>
+            <a:r>
+              <a:rPr lang="en-US" altLang="zh-TW" sz="4800" b="1" dirty="0">
+                <a:solidFill>
+                  <a:schemeClr val="tx1">
+                    <a:lumMod val="50000"/>
+                    <a:lumOff val="50000"/>
+                  </a:schemeClr>
+                </a:solidFill>
+                <a:effectLst>
+                  <a:outerShdw blurRad="38100" dist="38100" dir="2700000" algn="tl">
+                    <a:srgbClr val="000000">
+                      <a:alpha val="43137"/>
+                    </a:srgbClr>
+                  </a:outerShdw>
+                </a:effectLst>
+              </a:rPr>
+              <a:t>Team</a:t>
+            </a:r>
+            <a:r>
+              <a:rPr lang="en-US" altLang="zh-TW" sz="4800" b="1" dirty="0">
+                <a:effectLst>
+                  <a:outerShdw blurRad="38100" dist="38100" dir="2700000" algn="tl">
+                    <a:srgbClr val="000000">
+                      <a:alpha val="43137"/>
+                    </a:srgbClr>
+                  </a:outerShdw>
+                </a:effectLst>
+              </a:rPr>
+              <a:t> </a:t>
+            </a:r>
+            <a:r>
+              <a:rPr lang="zh-TW" altLang="en-US" sz="4800" dirty="0">
+                <a:effectLst>
+                  <a:outerShdw blurRad="38100" dist="38100" dir="2700000" algn="tl">
+                    <a:srgbClr val="000000">
+                      <a:alpha val="43137"/>
+                    </a:srgbClr>
+                  </a:outerShdw>
+                </a:effectLst>
+                <a:latin typeface="微軟正黑體" panose="020B0604030504040204" pitchFamily="34" charset="-120"/>
+                <a:ea typeface="微軟正黑體" panose="020B0604030504040204" pitchFamily="34" charset="-120"/>
+              </a:rPr>
+              <a:t>讀書會</a:t>
+            </a:r>
+            <a:br>
+              <a:rPr lang="en-US" altLang="zh-TW" sz="4800" dirty="0">
+                <a:effectLst>
+                  <a:outerShdw blurRad="38100" dist="38100" dir="2700000" algn="tl">
+                    <a:srgbClr val="000000">
+                      <a:alpha val="43137"/>
+                    </a:srgbClr>
+                  </a:outerShdw>
+                </a:effectLst>
+                <a:latin typeface="微軟正黑體" panose="020B0604030504040204" pitchFamily="34" charset="-120"/>
+                <a:ea typeface="微軟正黑體" panose="020B0604030504040204" pitchFamily="34" charset="-120"/>
+              </a:rPr>
+            </a:br>
+            <a:r>
+              <a:rPr lang="en-US" altLang="zh-TW" sz="7200" b="1" dirty="0">
+                <a:effectLst>
+                  <a:outerShdw blurRad="38100" dist="38100" dir="2700000" algn="tl">
+                    <a:srgbClr val="000000">
+                      <a:alpha val="43137"/>
+                    </a:srgbClr>
+                  </a:outerShdw>
+                </a:effectLst>
+              </a:rPr>
+              <a:t>Reinforcement Learning</a:t>
+            </a:r>
+            <a:endParaRPr lang="zh-TW" altLang="en-US" b="1" dirty="0">
+              <a:effectLst>
+                <a:outerShdw blurRad="38100" dist="38100" dir="2700000" algn="tl">
+                  <a:srgbClr val="000000">
+                    <a:alpha val="43137"/>
+                  </a:srgbClr>
+                </a:outerShdw>
+              </a:effectLst>
+              <a:latin typeface="微軟正黑體" panose="020B0604030504040204" pitchFamily="34" charset="-120"/>
+              <a:ea typeface="微軟正黑體" panose="020B0604030504040204" pitchFamily="34" charset="-120"/>
+            </a:endParaRPr>
+          </a:p>
+        </p:txBody>
+      </p:sp>
+      <p:sp>
+        <p:nvSpPr>
+          <p:cNvPr id="3" name="副標題 2">
+            <a:extLst>
+              <a:ext uri="{FF2B5EF4-FFF2-40B4-BE49-F238E27FC236}">
+                <a16:creationId xmlns:a16="http://schemas.microsoft.com/office/drawing/2014/main" id="{1C32D1DE-5D4F-4A6F-B765-CBA9CB402489}"/>
+              </a:ext>
+            </a:extLst>
+          </p:cNvPr>
+          <p:cNvSpPr>
+            <a:spLocks noGrp="1"/>
+          </p:cNvSpPr>
+          <p:nvPr>
+            <p:ph type="subTitle" idx="1"/>
+          </p:nvPr>
+        </p:nvSpPr>
+        <p:spPr>
+          <a:xfrm>
+            <a:off x="1502034" y="4264129"/>
+            <a:ext cx="9144000" cy="1655762"/>
+          </a:xfrm>
+        </p:spPr>
+        <p:txBody>
+          <a:bodyPr>
+            <a:normAutofit/>
+          </a:bodyPr>
+          <a:lstStyle/>
+          <a:p>
+            <a:r>
+              <a:rPr lang="ja-JP" altLang="en-US" sz="7200" dirty="0">
+                <a:effectLst>
+                  <a:outerShdw blurRad="38100" dist="38100" dir="2700000" algn="tl">
+                    <a:srgbClr val="000000">
+                      <a:alpha val="43137"/>
+                    </a:srgbClr>
+                  </a:outerShdw>
+                </a:effectLst>
+                <a:latin typeface="微軟正黑體" panose="020B0604030504040204" pitchFamily="34" charset="-120"/>
+                <a:ea typeface="微軟正黑體" panose="020B0604030504040204" pitchFamily="34" charset="-120"/>
+              </a:rPr>
+              <a:t>ありがとう</a:t>
+            </a:r>
+            <a:endParaRPr lang="en-US" altLang="zh-TW" sz="7200" dirty="0">
+              <a:effectLst>
+                <a:outerShdw blurRad="38100" dist="38100" dir="2700000" algn="tl">
+                  <a:srgbClr val="000000">
+                    <a:alpha val="43137"/>
+                  </a:srgbClr>
+                </a:outerShdw>
+              </a:effectLst>
+              <a:latin typeface="微軟正黑體" panose="020B0604030504040204" pitchFamily="34" charset="-120"/>
+              <a:ea typeface="微軟正黑體" panose="020B0604030504040204" pitchFamily="34" charset="-120"/>
+            </a:endParaRPr>
+          </a:p>
+        </p:txBody>
+      </p:sp>
+      <p:pic>
+        <p:nvPicPr>
+          <p:cNvPr id="228" name="圖片 227">
+            <a:extLst>
+              <a:ext uri="{FF2B5EF4-FFF2-40B4-BE49-F238E27FC236}">
+                <a16:creationId xmlns:a16="http://schemas.microsoft.com/office/drawing/2014/main" id="{3393FCB1-2814-4F69-9BFD-DCB95BB4843A}"/>
+              </a:ext>
+            </a:extLst>
+          </p:cNvPr>
+          <p:cNvPicPr>
+            <a:picLocks noChangeAspect="1"/>
+          </p:cNvPicPr>
+          <p:nvPr/>
+        </p:nvPicPr>
+        <p:blipFill rotWithShape="1">
+          <a:blip r:embed="rId4">
+            <a:extLst>
+              <a:ext uri="{28A0092B-C50C-407E-A947-70E740481C1C}">
+                <a14:useLocalDpi xmlns:a14="http://schemas.microsoft.com/office/drawing/2010/main" val="0"/>
+              </a:ext>
+            </a:extLst>
+          </a:blip>
+          <a:srcRect l="5838" t="5838" r="13099" b="13099"/>
+          <a:stretch/>
+        </p:blipFill>
+        <p:spPr>
+          <a:xfrm>
+            <a:off x="465534" y="3309928"/>
+            <a:ext cx="2939818" cy="2939818"/>
+          </a:xfrm>
+          <a:prstGeom prst="rect">
+            <a:avLst/>
+          </a:prstGeom>
+          <a:effectLst>
+            <a:softEdge rad="63500"/>
+          </a:effectLst>
+        </p:spPr>
+      </p:pic>
+      <p:pic>
+        <p:nvPicPr>
+          <p:cNvPr id="229" name="Picture 2" descr="No description available.">
+            <a:extLst>
+              <a:ext uri="{FF2B5EF4-FFF2-40B4-BE49-F238E27FC236}">
+                <a16:creationId xmlns:a16="http://schemas.microsoft.com/office/drawing/2014/main" id="{CB7E682A-AA36-4C2D-8F6D-ACCACB070922}"/>
+              </a:ext>
+            </a:extLst>
+          </p:cNvPr>
+          <p:cNvPicPr>
+            <a:picLocks noChangeAspect="1" noChangeArrowheads="1"/>
+          </p:cNvPicPr>
+          <p:nvPr/>
+        </p:nvPicPr>
+        <p:blipFill>
+          <a:blip r:embed="rId5">
+            <a:extLst>
+              <a:ext uri="{28A0092B-C50C-407E-A947-70E740481C1C}">
+                <a14:useLocalDpi xmlns:a14="http://schemas.microsoft.com/office/drawing/2010/main" val="0"/>
+              </a:ext>
+            </a:extLst>
+          </a:blip>
+          <a:srcRect/>
+          <a:stretch>
+            <a:fillRect/>
+          </a:stretch>
+        </p:blipFill>
+        <p:spPr bwMode="auto">
+          <a:xfrm>
+            <a:off x="8984934" y="3376653"/>
+            <a:ext cx="2549940" cy="2549940"/>
+          </a:xfrm>
+          <a:prstGeom prst="rect">
+            <a:avLst/>
+          </a:prstGeom>
+          <a:noFill/>
+          <a:effectLst>
+            <a:softEdge rad="63500"/>
+          </a:effectLst>
+          <a:extLst>
+            <a:ext uri="{909E8E84-426E-40DD-AFC4-6F175D3DCCD1}">
+              <a14:hiddenFill xmlns:a14="http://schemas.microsoft.com/office/drawing/2010/main">
+                <a:solidFill>
+                  <a:srgbClr val="FFFFFF"/>
+                </a:solidFill>
+              </a14:hiddenFill>
+            </a:ext>
+          </a:extLst>
+        </p:spPr>
+      </p:pic>
+    </p:spTree>
+    <p:extLst>
+      <p:ext uri="{BB962C8B-B14F-4D97-AF65-F5344CB8AC3E}">
+        <p14:creationId xmlns:p14="http://schemas.microsoft.com/office/powerpoint/2010/main" val="3896359296"/>
       </p:ext>
     </p:extLst>
   </p:cSld>
@@ -10963,8 +11376,8 @@
           </a:p>
         </p:txBody>
       </p:sp>
-      <mc:AlternateContent xmlns:mc="http://schemas.openxmlformats.org/markup-compatibility/2006">
-        <mc:Choice xmlns:a14="http://schemas.microsoft.com/office/drawing/2010/main" Requires="a14">
+      <mc:AlternateContent xmlns:mc="http://schemas.openxmlformats.org/markup-compatibility/2006" xmlns:a14="http://schemas.microsoft.com/office/drawing/2010/main">
+        <mc:Choice Requires="a14">
           <p:sp>
             <p:nvSpPr>
               <p:cNvPr id="3" name="內容版面配置區 2">
@@ -11565,7 +11978,7 @@
             </p:txBody>
           </p:sp>
         </mc:Choice>
-        <mc:Fallback>
+        <mc:Fallback xmlns="">
           <p:sp>
             <p:nvSpPr>
               <p:cNvPr id="3" name="內容版面配置區 2">
@@ -12738,8 +13151,8 @@
           </a:effectLst>
         </p:spPr>
       </p:pic>
-      <mc:AlternateContent xmlns:mc="http://schemas.openxmlformats.org/markup-compatibility/2006">
-        <mc:Choice xmlns:a14="http://schemas.microsoft.com/office/drawing/2010/main" Requires="a14">
+      <mc:AlternateContent xmlns:mc="http://schemas.openxmlformats.org/markup-compatibility/2006" xmlns:a14="http://schemas.microsoft.com/office/drawing/2010/main">
+        <mc:Choice Requires="a14">
           <p:sp>
             <p:nvSpPr>
               <p:cNvPr id="11" name="文字方塊 10">
@@ -12966,7 +13379,7 @@
             </p:txBody>
           </p:sp>
         </mc:Choice>
-        <mc:Fallback>
+        <mc:Fallback xmlns="">
           <p:sp>
             <p:nvSpPr>
               <p:cNvPr id="11" name="文字方塊 10">
@@ -13011,8 +13424,8 @@
           </p:sp>
         </mc:Fallback>
       </mc:AlternateContent>
-      <mc:AlternateContent xmlns:mc="http://schemas.openxmlformats.org/markup-compatibility/2006">
-        <mc:Choice xmlns:a14="http://schemas.microsoft.com/office/drawing/2010/main" Requires="a14">
+      <mc:AlternateContent xmlns:mc="http://schemas.openxmlformats.org/markup-compatibility/2006" xmlns:a14="http://schemas.microsoft.com/office/drawing/2010/main">
+        <mc:Choice Requires="a14">
           <p:sp>
             <p:nvSpPr>
               <p:cNvPr id="13" name="文字方塊 12">
@@ -13197,7 +13610,7 @@
             </p:txBody>
           </p:sp>
         </mc:Choice>
-        <mc:Fallback>
+        <mc:Fallback xmlns="">
           <p:sp>
             <p:nvSpPr>
               <p:cNvPr id="13" name="文字方塊 12">
@@ -13587,10 +14000,10 @@
       </p:grpSpPr>
       <p:pic>
         <p:nvPicPr>
-          <p:cNvPr id="224" name="圖片 223" descr="一張含有 廚具, 刷子 的圖片&#10;&#10;自動產生的描述">
+          <p:cNvPr id="231" name="圖片 230" descr="一張含有 廚具, 刷子 的圖片&#10;&#10;自動產生的描述">
             <a:extLst>
               <a:ext uri="{FF2B5EF4-FFF2-40B4-BE49-F238E27FC236}">
-                <a16:creationId xmlns:a16="http://schemas.microsoft.com/office/drawing/2014/main" id="{FD9A058F-1F44-62F1-6AA0-F9590CF1DE3F}"/>
+                <a16:creationId xmlns:a16="http://schemas.microsoft.com/office/drawing/2014/main" id="{03CC1853-0729-381A-1FEB-B8ECD6C44174}"/>
               </a:ext>
             </a:extLst>
           </p:cNvPr>
@@ -13600,7 +14013,7 @@
           <p:nvPr/>
         </p:nvPicPr>
         <p:blipFill>
-          <a:blip r:embed="rId3">
+          <a:blip r:embed="rId2">
             <a:alphaModFix amt="10000"/>
             <a:extLst>
               <a:ext uri="{28A0092B-C50C-407E-A947-70E740481C1C}">
@@ -13627,7 +14040,7 @@
           <p:cNvPr id="2" name="標題 1">
             <a:extLst>
               <a:ext uri="{FF2B5EF4-FFF2-40B4-BE49-F238E27FC236}">
-                <a16:creationId xmlns:a16="http://schemas.microsoft.com/office/drawing/2014/main" id="{DEC855AE-ACD1-485D-AE49-4D97B175BA38}"/>
+                <a16:creationId xmlns:a16="http://schemas.microsoft.com/office/drawing/2014/main" id="{0E390A05-6707-49AE-B272-8F1AC9AA2DD6}"/>
               </a:ext>
             </a:extLst>
           </p:cNvPr>
@@ -13635,255 +14048,469 @@
             <a:spLocks noGrp="1"/>
           </p:cNvSpPr>
           <p:nvPr>
-            <p:ph type="ctrTitle"/>
+            <p:ph type="title"/>
           </p:nvPr>
         </p:nvSpPr>
         <p:spPr>
           <a:xfrm>
-            <a:off x="0" y="-11451"/>
-            <a:ext cx="12192000" cy="2995897"/>
+            <a:off x="1636761" y="365125"/>
+            <a:ext cx="10299515" cy="1325563"/>
           </a:xfrm>
+          <a:ln w="28575">
+            <a:solidFill>
+              <a:schemeClr val="tx1"/>
+            </a:solidFill>
+          </a:ln>
         </p:spPr>
         <p:txBody>
-          <a:bodyPr>
-            <a:normAutofit/>
-          </a:bodyPr>
+          <a:bodyPr/>
           <a:lstStyle/>
           <a:p>
-            <a:pPr>
-              <a:lnSpc>
-                <a:spcPct val="150000"/>
-              </a:lnSpc>
-            </a:pPr>
-            <a:r>
-              <a:rPr lang="en-US" altLang="zh-TW" sz="4800" b="1" dirty="0">
-                <a:solidFill>
-                  <a:srgbClr val="00B0F0"/>
-                </a:solidFill>
-                <a:effectLst>
-                  <a:outerShdw blurRad="38100" dist="38100" dir="2700000" algn="tl">
-                    <a:srgbClr val="000000">
-                      <a:alpha val="43137"/>
-                    </a:srgbClr>
-                  </a:outerShdw>
-                </a:effectLst>
-              </a:rPr>
-              <a:t>AI</a:t>
-            </a:r>
-            <a:r>
-              <a:rPr lang="zh-TW" altLang="en-US" sz="4800" b="1" dirty="0">
-                <a:effectLst>
-                  <a:outerShdw blurRad="38100" dist="38100" dir="2700000" algn="tl">
-                    <a:srgbClr val="000000">
-                      <a:alpha val="43137"/>
-                    </a:srgbClr>
-                  </a:outerShdw>
-                </a:effectLst>
-              </a:rPr>
-              <a:t> </a:t>
-            </a:r>
-            <a:r>
-              <a:rPr lang="en-US" altLang="zh-TW" sz="4800" b="1" dirty="0">
-                <a:solidFill>
-                  <a:schemeClr val="tx1">
-                    <a:lumMod val="50000"/>
-                    <a:lumOff val="50000"/>
-                  </a:schemeClr>
-                </a:solidFill>
-                <a:effectLst>
-                  <a:outerShdw blurRad="38100" dist="38100" dir="2700000" algn="tl">
-                    <a:srgbClr val="000000">
-                      <a:alpha val="43137"/>
-                    </a:srgbClr>
-                  </a:outerShdw>
-                </a:effectLst>
-              </a:rPr>
-              <a:t>.</a:t>
-            </a:r>
-            <a:r>
-              <a:rPr lang="en-US" altLang="zh-TW" sz="4800" b="1" dirty="0">
-                <a:effectLst>
-                  <a:outerShdw blurRad="38100" dist="38100" dir="2700000" algn="tl">
-                    <a:srgbClr val="000000">
-                      <a:alpha val="43137"/>
-                    </a:srgbClr>
-                  </a:outerShdw>
-                </a:effectLst>
-              </a:rPr>
-              <a:t> </a:t>
-            </a:r>
-            <a:r>
-              <a:rPr lang="en-US" altLang="zh-TW" sz="4800" b="1" dirty="0">
-                <a:solidFill>
-                  <a:srgbClr val="92D050"/>
-                </a:solidFill>
-                <a:effectLst>
-                  <a:outerShdw blurRad="38100" dist="38100" dir="2700000" algn="tl">
-                    <a:srgbClr val="000000">
-                      <a:alpha val="43137"/>
-                    </a:srgbClr>
-                  </a:outerShdw>
-                </a:effectLst>
-              </a:rPr>
-              <a:t>FREE</a:t>
-            </a:r>
-            <a:r>
-              <a:rPr lang="en-US" altLang="zh-TW" sz="4800" b="1" dirty="0">
-                <a:effectLst>
-                  <a:outerShdw blurRad="38100" dist="38100" dir="2700000" algn="tl">
-                    <a:srgbClr val="000000">
-                      <a:alpha val="43137"/>
-                    </a:srgbClr>
-                  </a:outerShdw>
-                </a:effectLst>
-              </a:rPr>
-              <a:t> </a:t>
-            </a:r>
-            <a:r>
-              <a:rPr lang="en-US" altLang="zh-TW" sz="4800" b="1" dirty="0">
-                <a:solidFill>
-                  <a:schemeClr val="tx1">
-                    <a:lumMod val="50000"/>
-                    <a:lumOff val="50000"/>
-                  </a:schemeClr>
-                </a:solidFill>
-                <a:effectLst>
-                  <a:outerShdw blurRad="38100" dist="38100" dir="2700000" algn="tl">
-                    <a:srgbClr val="000000">
-                      <a:alpha val="43137"/>
-                    </a:srgbClr>
-                  </a:outerShdw>
-                </a:effectLst>
-              </a:rPr>
-              <a:t>Team</a:t>
-            </a:r>
-            <a:r>
-              <a:rPr lang="en-US" altLang="zh-TW" sz="4800" b="1" dirty="0">
-                <a:effectLst>
-                  <a:outerShdw blurRad="38100" dist="38100" dir="2700000" algn="tl">
-                    <a:srgbClr val="000000">
-                      <a:alpha val="43137"/>
-                    </a:srgbClr>
-                  </a:outerShdw>
-                </a:effectLst>
-              </a:rPr>
-              <a:t> </a:t>
-            </a:r>
-            <a:r>
-              <a:rPr lang="zh-TW" altLang="en-US" sz="4800" dirty="0">
-                <a:effectLst>
-                  <a:outerShdw blurRad="38100" dist="38100" dir="2700000" algn="tl">
-                    <a:srgbClr val="000000">
-                      <a:alpha val="43137"/>
-                    </a:srgbClr>
-                  </a:outerShdw>
-                </a:effectLst>
+            <a:pPr algn="ctr"/>
+            <a:r>
+              <a:rPr lang="en-US" altLang="zh-TW" dirty="0">
                 <a:latin typeface="微軟正黑體" panose="020B0604030504040204" pitchFamily="34" charset="-120"/>
                 <a:ea typeface="微軟正黑體" panose="020B0604030504040204" pitchFamily="34" charset="-120"/>
               </a:rPr>
-              <a:t>讀書會</a:t>
-            </a:r>
-            <a:br>
-              <a:rPr lang="en-US" altLang="zh-TW" sz="4800" dirty="0">
-                <a:effectLst>
-                  <a:outerShdw blurRad="38100" dist="38100" dir="2700000" algn="tl">
-                    <a:srgbClr val="000000">
-                      <a:alpha val="43137"/>
-                    </a:srgbClr>
-                  </a:outerShdw>
-                </a:effectLst>
+              <a:t>2.6 </a:t>
+            </a:r>
+            <a:r>
+              <a:rPr lang="zh-TW" altLang="en-US" dirty="0">
                 <a:latin typeface="微軟正黑體" panose="020B0604030504040204" pitchFamily="34" charset="-120"/>
                 <a:ea typeface="微軟正黑體" panose="020B0604030504040204" pitchFamily="34" charset="-120"/>
               </a:rPr>
-            </a:br>
-            <a:r>
-              <a:rPr lang="en-US" altLang="zh-TW" sz="7200" b="1" dirty="0">
-                <a:effectLst>
-                  <a:outerShdw blurRad="38100" dist="38100" dir="2700000" algn="tl">
-                    <a:srgbClr val="000000">
-                      <a:alpha val="43137"/>
-                    </a:srgbClr>
-                  </a:outerShdw>
-                </a:effectLst>
-              </a:rPr>
-              <a:t>Reinforcement Learning</a:t>
-            </a:r>
-            <a:endParaRPr lang="zh-TW" altLang="en-US" b="1" dirty="0">
-              <a:effectLst>
-                <a:outerShdw blurRad="38100" dist="38100" dir="2700000" algn="tl">
-                  <a:srgbClr val="000000">
-                    <a:alpha val="43137"/>
-                  </a:srgbClr>
-                </a:outerShdw>
-              </a:effectLst>
-              <a:latin typeface="微軟正黑體" panose="020B0604030504040204" pitchFamily="34" charset="-120"/>
-              <a:ea typeface="微軟正黑體" panose="020B0604030504040204" pitchFamily="34" charset="-120"/>
-            </a:endParaRPr>
+              <a:t>樂觀的初始值</a:t>
+            </a:r>
           </a:p>
         </p:txBody>
       </p:sp>
+      <mc:AlternateContent xmlns:mc="http://schemas.openxmlformats.org/markup-compatibility/2006">
+        <mc:Choice xmlns:a14="http://schemas.microsoft.com/office/drawing/2010/main" Requires="a14">
+          <p:sp>
+            <p:nvSpPr>
+              <p:cNvPr id="3" name="內容版面配置區 2">
+                <a:extLst>
+                  <a:ext uri="{FF2B5EF4-FFF2-40B4-BE49-F238E27FC236}">
+                    <a16:creationId xmlns:a16="http://schemas.microsoft.com/office/drawing/2014/main" id="{974E1A0F-B7E4-4DF8-B559-6D4D1908F332}"/>
+                  </a:ext>
+                </a:extLst>
+              </p:cNvPr>
+              <p:cNvSpPr>
+                <a:spLocks noGrp="1"/>
+              </p:cNvSpPr>
+              <p:nvPr>
+                <p:ph idx="1"/>
+              </p:nvPr>
+            </p:nvSpPr>
+            <p:spPr>
+              <a:xfrm>
+                <a:off x="1636762" y="1825625"/>
+                <a:ext cx="10299514" cy="4863206"/>
+              </a:xfrm>
+              <a:ln w="28575">
+                <a:solidFill>
+                  <a:schemeClr val="tx1"/>
+                </a:solidFill>
+              </a:ln>
+            </p:spPr>
+            <p:txBody>
+              <a:bodyPr>
+                <a:normAutofit/>
+              </a:bodyPr>
+              <a:lstStyle/>
+              <a:p>
+                <a:pPr marL="0" indent="0">
+                  <a:lnSpc>
+                    <a:spcPct val="100000"/>
+                  </a:lnSpc>
+                  <a:buNone/>
+                </a:pPr>
+                <a:r>
+                  <a:rPr lang="zh-TW" altLang="en-US" sz="2000" dirty="0">
+                    <a:latin typeface="微軟正黑體" panose="020B0604030504040204" pitchFamily="34" charset="-120"/>
+                    <a:ea typeface="微軟正黑體" panose="020B0604030504040204" pitchFamily="34" charset="-120"/>
+                  </a:rPr>
+                  <a:t>在使用 </a:t>
+                </a:r>
+                <a14:m>
+                  <m:oMath xmlns:m="http://schemas.openxmlformats.org/officeDocument/2006/math">
+                    <m:r>
+                      <a:rPr lang="zh-TW" altLang="en-US" sz="2000" i="1" smtClean="0">
+                        <a:latin typeface="Cambria Math" panose="02040503050406030204" pitchFamily="18" charset="0"/>
+                        <a:ea typeface="微軟正黑體" panose="020B0604030504040204" pitchFamily="34" charset="-120"/>
+                      </a:rPr>
+                      <m:t>∝</m:t>
+                    </m:r>
+                  </m:oMath>
+                </a14:m>
+                <a:r>
+                  <a:rPr lang="zh-TW" altLang="en-US" sz="2000" dirty="0">
+                    <a:latin typeface="微軟正黑體" panose="020B0604030504040204" pitchFamily="34" charset="-120"/>
+                    <a:ea typeface="微軟正黑體" panose="020B0604030504040204" pitchFamily="34" charset="-120"/>
+                  </a:rPr>
+                  <a:t> 之後，會造成統計上的偏差。</a:t>
+                </a:r>
+                <a:endParaRPr lang="en-US" altLang="zh-TW" sz="2000" dirty="0">
+                  <a:latin typeface="微軟正黑體" panose="020B0604030504040204" pitchFamily="34" charset="-120"/>
+                  <a:ea typeface="微軟正黑體" panose="020B0604030504040204" pitchFamily="34" charset="-120"/>
+                </a:endParaRPr>
+              </a:p>
+              <a:p>
+                <a:pPr marL="0" indent="0">
+                  <a:lnSpc>
+                    <a:spcPct val="100000"/>
+                  </a:lnSpc>
+                  <a:buNone/>
+                </a:pPr>
+                <a:r>
+                  <a:rPr lang="zh-TW" altLang="en-US" sz="2000" dirty="0">
+                    <a:latin typeface="微軟正黑體" panose="020B0604030504040204" pitchFamily="34" charset="-120"/>
+                    <a:ea typeface="微軟正黑體" panose="020B0604030504040204" pitchFamily="34" charset="-120"/>
+                  </a:rPr>
+                  <a:t>讓「估計的」初始動作值調高，可以作為一種鼓勵探索的解決辦法。</a:t>
+                </a:r>
+                <a:endParaRPr lang="en-US" altLang="zh-TW" sz="2000" dirty="0">
+                  <a:latin typeface="微軟正黑體" panose="020B0604030504040204" pitchFamily="34" charset="-120"/>
+                  <a:ea typeface="微軟正黑體" panose="020B0604030504040204" pitchFamily="34" charset="-120"/>
+                </a:endParaRPr>
+              </a:p>
+              <a:p>
+                <a:pPr marL="0" indent="0">
+                  <a:lnSpc>
+                    <a:spcPct val="100000"/>
+                  </a:lnSpc>
+                  <a:buNone/>
+                </a:pPr>
+                <a:r>
+                  <a:rPr lang="zh-TW" altLang="en-US" sz="2000" dirty="0">
+                    <a:latin typeface="微軟正黑體" panose="020B0604030504040204" pitchFamily="34" charset="-120"/>
+                    <a:ea typeface="微軟正黑體" panose="020B0604030504040204" pitchFamily="34" charset="-120"/>
+                  </a:rPr>
+                  <a:t>學習者因此對所收到的獎勵感到「失望」而選擇其他動作。</a:t>
+                </a:r>
+                <a:endParaRPr lang="en-US" altLang="zh-TW" sz="2000" dirty="0">
+                  <a:latin typeface="微軟正黑體" panose="020B0604030504040204" pitchFamily="34" charset="-120"/>
+                  <a:ea typeface="微軟正黑體" panose="020B0604030504040204" pitchFamily="34" charset="-120"/>
+                </a:endParaRPr>
+              </a:p>
+              <a:p>
+                <a:pPr marL="0" indent="0">
+                  <a:lnSpc>
+                    <a:spcPct val="100000"/>
+                  </a:lnSpc>
+                  <a:buNone/>
+                </a:pPr>
+                <a:r>
+                  <a:rPr lang="zh-TW" altLang="en-US" sz="2000" dirty="0">
+                    <a:latin typeface="微軟正黑體" panose="020B0604030504040204" pitchFamily="34" charset="-120"/>
+                    <a:ea typeface="微軟正黑體" panose="020B0604030504040204" pitchFamily="34" charset="-120"/>
+                  </a:rPr>
+                  <a:t>系統將可以進行更全面地探索。</a:t>
+                </a:r>
+                <a:endParaRPr lang="en-US" altLang="zh-TW" sz="2000" dirty="0">
+                  <a:latin typeface="微軟正黑體" panose="020B0604030504040204" pitchFamily="34" charset="-120"/>
+                  <a:ea typeface="微軟正黑體" panose="020B0604030504040204" pitchFamily="34" charset="-120"/>
+                </a:endParaRPr>
+              </a:p>
+              <a:p>
+                <a:pPr marL="0" indent="0">
+                  <a:lnSpc>
+                    <a:spcPct val="100000"/>
+                  </a:lnSpc>
+                  <a:buNone/>
+                </a:pPr>
+                <a:r>
+                  <a:rPr lang="zh-TW" altLang="en-US" sz="2000" dirty="0">
+                    <a:latin typeface="微軟正黑體" panose="020B0604030504040204" pitchFamily="34" charset="-120"/>
+                    <a:ea typeface="微軟正黑體" panose="020B0604030504040204" pitchFamily="34" charset="-120"/>
+                  </a:rPr>
+                  <a:t>此法被稱為「樂觀的初始值（</a:t>
+                </a:r>
+                <a:r>
+                  <a:rPr lang="en-US" altLang="zh-TW" sz="2000" dirty="0">
+                    <a:latin typeface="微軟正黑體" panose="020B0604030504040204" pitchFamily="34" charset="-120"/>
+                    <a:ea typeface="微軟正黑體" panose="020B0604030504040204" pitchFamily="34" charset="-120"/>
+                  </a:rPr>
+                  <a:t>Optimistic initial values</a:t>
+                </a:r>
+                <a:r>
+                  <a:rPr lang="zh-TW" altLang="en-US" sz="2000" dirty="0">
+                    <a:latin typeface="微軟正黑體" panose="020B0604030504040204" pitchFamily="34" charset="-120"/>
+                    <a:ea typeface="微軟正黑體" panose="020B0604030504040204" pitchFamily="34" charset="-120"/>
+                  </a:rPr>
+                  <a:t>）」</a:t>
+                </a:r>
+                <a:endParaRPr lang="en-US" altLang="zh-TW" sz="2000" dirty="0">
+                  <a:latin typeface="微軟正黑體" panose="020B0604030504040204" pitchFamily="34" charset="-120"/>
+                  <a:ea typeface="微軟正黑體" panose="020B0604030504040204" pitchFamily="34" charset="-120"/>
+                </a:endParaRPr>
+              </a:p>
+            </p:txBody>
+          </p:sp>
+        </mc:Choice>
+        <mc:Fallback>
+          <p:sp>
+            <p:nvSpPr>
+              <p:cNvPr id="3" name="內容版面配置區 2">
+                <a:extLst>
+                  <a:ext uri="{FF2B5EF4-FFF2-40B4-BE49-F238E27FC236}">
+                    <a16:creationId xmlns:a16="http://schemas.microsoft.com/office/drawing/2014/main" id="{974E1A0F-B7E4-4DF8-B559-6D4D1908F332}"/>
+                  </a:ext>
+                </a:extLst>
+              </p:cNvPr>
+              <p:cNvSpPr>
+                <a:spLocks noGrp="1" noRot="1" noChangeAspect="1" noMove="1" noResize="1" noEditPoints="1" noAdjustHandles="1" noChangeArrowheads="1" noChangeShapeType="1" noTextEdit="1"/>
+              </p:cNvSpPr>
+              <p:nvPr>
+                <p:ph idx="1"/>
+              </p:nvPr>
+            </p:nvSpPr>
+            <p:spPr>
+              <a:xfrm>
+                <a:off x="1636762" y="1825625"/>
+                <a:ext cx="10299514" cy="4863206"/>
+              </a:xfrm>
+              <a:blipFill>
+                <a:blip r:embed="rId3"/>
+                <a:stretch>
+                  <a:fillRect l="-472" t="-374"/>
+                </a:stretch>
+              </a:blipFill>
+              <a:ln w="28575">
+                <a:solidFill>
+                  <a:schemeClr val="tx1"/>
+                </a:solidFill>
+              </a:ln>
+            </p:spPr>
+            <p:txBody>
+              <a:bodyPr/>
+              <a:lstStyle/>
+              <a:p>
+                <a:r>
+                  <a:rPr lang="zh-TW" altLang="en-US">
+                    <a:noFill/>
+                  </a:rPr>
+                  <a:t> </a:t>
+                </a:r>
+              </a:p>
+            </p:txBody>
+          </p:sp>
+        </mc:Fallback>
+      </mc:AlternateContent>
       <p:sp>
         <p:nvSpPr>
-          <p:cNvPr id="3" name="副標題 2">
+          <p:cNvPr id="226" name="內容版面配置區 2">
             <a:extLst>
               <a:ext uri="{FF2B5EF4-FFF2-40B4-BE49-F238E27FC236}">
-                <a16:creationId xmlns:a16="http://schemas.microsoft.com/office/drawing/2014/main" id="{1C32D1DE-5D4F-4A6F-B765-CBA9CB402489}"/>
+                <a16:creationId xmlns:a16="http://schemas.microsoft.com/office/drawing/2014/main" id="{CB3BF928-2960-4272-9244-D4A967045A95}"/>
               </a:ext>
             </a:extLst>
           </p:cNvPr>
-          <p:cNvSpPr>
-            <a:spLocks noGrp="1"/>
+          <p:cNvSpPr txBox="1">
+            <a:spLocks/>
           </p:cNvSpPr>
-          <p:nvPr>
-            <p:ph type="subTitle" idx="1"/>
-          </p:nvPr>
+          <p:nvPr/>
         </p:nvSpPr>
         <p:spPr>
           <a:xfrm>
-            <a:off x="1502034" y="4264129"/>
-            <a:ext cx="9144000" cy="1655762"/>
+            <a:off x="110307" y="1825625"/>
+            <a:ext cx="1371652" cy="4863214"/>
           </a:xfrm>
+          <a:prstGeom prst="rect">
+            <a:avLst/>
+          </a:prstGeom>
+          <a:ln w="28575">
+            <a:solidFill>
+              <a:schemeClr val="tx1"/>
+            </a:solidFill>
+          </a:ln>
         </p:spPr>
         <p:txBody>
-          <a:bodyPr>
+          <a:bodyPr vert="horz" lIns="91440" tIns="45720" rIns="91440" bIns="45720" rtlCol="0">
             <a:normAutofit/>
           </a:bodyPr>
-          <a:lstStyle/>
-          <a:p>
-            <a:r>
-              <a:rPr lang="ja-JP" altLang="en-US" sz="7200" dirty="0">
-                <a:effectLst>
-                  <a:outerShdw blurRad="38100" dist="38100" dir="2700000" algn="tl">
-                    <a:srgbClr val="000000">
-                      <a:alpha val="43137"/>
-                    </a:srgbClr>
-                  </a:outerShdw>
-                </a:effectLst>
-                <a:latin typeface="微軟正黑體" panose="020B0604030504040204" pitchFamily="34" charset="-120"/>
-                <a:ea typeface="微軟正黑體" panose="020B0604030504040204" pitchFamily="34" charset="-120"/>
-              </a:rPr>
-              <a:t>ありがとう</a:t>
-            </a:r>
-            <a:endParaRPr lang="en-US" altLang="zh-TW" sz="7200" dirty="0">
-              <a:effectLst>
-                <a:outerShdw blurRad="38100" dist="38100" dir="2700000" algn="tl">
-                  <a:srgbClr val="000000">
-                    <a:alpha val="43137"/>
-                  </a:srgbClr>
-                </a:outerShdw>
-              </a:effectLst>
-              <a:latin typeface="微軟正黑體" panose="020B0604030504040204" pitchFamily="34" charset="-120"/>
-              <a:ea typeface="微軟正黑體" panose="020B0604030504040204" pitchFamily="34" charset="-120"/>
+          <a:lstStyle>
+            <a:lvl1pPr marL="228600" indent="-228600" algn="l" defTabSz="914400" rtl="0" eaLnBrk="1" latinLnBrk="0" hangingPunct="1">
+              <a:lnSpc>
+                <a:spcPct val="90000"/>
+              </a:lnSpc>
+              <a:spcBef>
+                <a:spcPts val="1000"/>
+              </a:spcBef>
+              <a:buFont typeface="Arial" panose="020B0604020202020204" pitchFamily="34" charset="0"/>
+              <a:buChar char="•"/>
+              <a:defRPr sz="2800" kern="1200">
+                <a:solidFill>
+                  <a:schemeClr val="tx1"/>
+                </a:solidFill>
+                <a:latin typeface="+mn-lt"/>
+                <a:ea typeface="+mn-ea"/>
+                <a:cs typeface="+mn-cs"/>
+              </a:defRPr>
+            </a:lvl1pPr>
+            <a:lvl2pPr marL="685800" indent="-228600" algn="l" defTabSz="914400" rtl="0" eaLnBrk="1" latinLnBrk="0" hangingPunct="1">
+              <a:lnSpc>
+                <a:spcPct val="90000"/>
+              </a:lnSpc>
+              <a:spcBef>
+                <a:spcPts val="500"/>
+              </a:spcBef>
+              <a:buFont typeface="Arial" panose="020B0604020202020204" pitchFamily="34" charset="0"/>
+              <a:buChar char="•"/>
+              <a:defRPr sz="2400" kern="1200">
+                <a:solidFill>
+                  <a:schemeClr val="tx1"/>
+                </a:solidFill>
+                <a:latin typeface="+mn-lt"/>
+                <a:ea typeface="+mn-ea"/>
+                <a:cs typeface="+mn-cs"/>
+              </a:defRPr>
+            </a:lvl2pPr>
+            <a:lvl3pPr marL="1143000" indent="-228600" algn="l" defTabSz="914400" rtl="0" eaLnBrk="1" latinLnBrk="0" hangingPunct="1">
+              <a:lnSpc>
+                <a:spcPct val="90000"/>
+              </a:lnSpc>
+              <a:spcBef>
+                <a:spcPts val="500"/>
+              </a:spcBef>
+              <a:buFont typeface="Arial" panose="020B0604020202020204" pitchFamily="34" charset="0"/>
+              <a:buChar char="•"/>
+              <a:defRPr sz="2000" kern="1200">
+                <a:solidFill>
+                  <a:schemeClr val="tx1"/>
+                </a:solidFill>
+                <a:latin typeface="+mn-lt"/>
+                <a:ea typeface="+mn-ea"/>
+                <a:cs typeface="+mn-cs"/>
+              </a:defRPr>
+            </a:lvl3pPr>
+            <a:lvl4pPr marL="1600200" indent="-228600" algn="l" defTabSz="914400" rtl="0" eaLnBrk="1" latinLnBrk="0" hangingPunct="1">
+              <a:lnSpc>
+                <a:spcPct val="90000"/>
+              </a:lnSpc>
+              <a:spcBef>
+                <a:spcPts val="500"/>
+              </a:spcBef>
+              <a:buFont typeface="Arial" panose="020B0604020202020204" pitchFamily="34" charset="0"/>
+              <a:buChar char="•"/>
+              <a:defRPr sz="1800" kern="1200">
+                <a:solidFill>
+                  <a:schemeClr val="tx1"/>
+                </a:solidFill>
+                <a:latin typeface="+mn-lt"/>
+                <a:ea typeface="+mn-ea"/>
+                <a:cs typeface="+mn-cs"/>
+              </a:defRPr>
+            </a:lvl4pPr>
+            <a:lvl5pPr marL="2057400" indent="-228600" algn="l" defTabSz="914400" rtl="0" eaLnBrk="1" latinLnBrk="0" hangingPunct="1">
+              <a:lnSpc>
+                <a:spcPct val="90000"/>
+              </a:lnSpc>
+              <a:spcBef>
+                <a:spcPts val="500"/>
+              </a:spcBef>
+              <a:buFont typeface="Arial" panose="020B0604020202020204" pitchFamily="34" charset="0"/>
+              <a:buChar char="•"/>
+              <a:defRPr sz="1800" kern="1200">
+                <a:solidFill>
+                  <a:schemeClr val="tx1"/>
+                </a:solidFill>
+                <a:latin typeface="+mn-lt"/>
+                <a:ea typeface="+mn-ea"/>
+                <a:cs typeface="+mn-cs"/>
+              </a:defRPr>
+            </a:lvl5pPr>
+            <a:lvl6pPr marL="2514600" indent="-228600" algn="l" defTabSz="914400" rtl="0" eaLnBrk="1" latinLnBrk="0" hangingPunct="1">
+              <a:lnSpc>
+                <a:spcPct val="90000"/>
+              </a:lnSpc>
+              <a:spcBef>
+                <a:spcPts val="500"/>
+              </a:spcBef>
+              <a:buFont typeface="Arial" panose="020B0604020202020204" pitchFamily="34" charset="0"/>
+              <a:buChar char="•"/>
+              <a:defRPr sz="1800" kern="1200">
+                <a:solidFill>
+                  <a:schemeClr val="tx1"/>
+                </a:solidFill>
+                <a:latin typeface="+mn-lt"/>
+                <a:ea typeface="+mn-ea"/>
+                <a:cs typeface="+mn-cs"/>
+              </a:defRPr>
+            </a:lvl6pPr>
+            <a:lvl7pPr marL="2971800" indent="-228600" algn="l" defTabSz="914400" rtl="0" eaLnBrk="1" latinLnBrk="0" hangingPunct="1">
+              <a:lnSpc>
+                <a:spcPct val="90000"/>
+              </a:lnSpc>
+              <a:spcBef>
+                <a:spcPts val="500"/>
+              </a:spcBef>
+              <a:buFont typeface="Arial" panose="020B0604020202020204" pitchFamily="34" charset="0"/>
+              <a:buChar char="•"/>
+              <a:defRPr sz="1800" kern="1200">
+                <a:solidFill>
+                  <a:schemeClr val="tx1"/>
+                </a:solidFill>
+                <a:latin typeface="+mn-lt"/>
+                <a:ea typeface="+mn-ea"/>
+                <a:cs typeface="+mn-cs"/>
+              </a:defRPr>
+            </a:lvl7pPr>
+            <a:lvl8pPr marL="3429000" indent="-228600" algn="l" defTabSz="914400" rtl="0" eaLnBrk="1" latinLnBrk="0" hangingPunct="1">
+              <a:lnSpc>
+                <a:spcPct val="90000"/>
+              </a:lnSpc>
+              <a:spcBef>
+                <a:spcPts val="500"/>
+              </a:spcBef>
+              <a:buFont typeface="Arial" panose="020B0604020202020204" pitchFamily="34" charset="0"/>
+              <a:buChar char="•"/>
+              <a:defRPr sz="1800" kern="1200">
+                <a:solidFill>
+                  <a:schemeClr val="tx1"/>
+                </a:solidFill>
+                <a:latin typeface="+mn-lt"/>
+                <a:ea typeface="+mn-ea"/>
+                <a:cs typeface="+mn-cs"/>
+              </a:defRPr>
+            </a:lvl8pPr>
+            <a:lvl9pPr marL="3886200" indent="-228600" algn="l" defTabSz="914400" rtl="0" eaLnBrk="1" latinLnBrk="0" hangingPunct="1">
+              <a:lnSpc>
+                <a:spcPct val="90000"/>
+              </a:lnSpc>
+              <a:spcBef>
+                <a:spcPts val="500"/>
+              </a:spcBef>
+              <a:buFont typeface="Arial" panose="020B0604020202020204" pitchFamily="34" charset="0"/>
+              <a:buChar char="•"/>
+              <a:defRPr sz="1800" kern="1200">
+                <a:solidFill>
+                  <a:schemeClr val="tx1"/>
+                </a:solidFill>
+                <a:latin typeface="+mn-lt"/>
+                <a:ea typeface="+mn-ea"/>
+                <a:cs typeface="+mn-cs"/>
+              </a:defRPr>
+            </a:lvl9pPr>
+          </a:lstStyle>
+          <a:p>
+            <a:pPr marL="0" indent="0">
+              <a:buNone/>
+            </a:pPr>
+            <a:endParaRPr lang="zh-TW" altLang="en-US" sz="1800" dirty="0">
+              <a:solidFill>
+                <a:schemeClr val="accent3"/>
+              </a:solidFill>
             </a:endParaRPr>
           </a:p>
         </p:txBody>
       </p:sp>
       <p:pic>
         <p:nvPicPr>
-          <p:cNvPr id="228" name="圖片 227">
+          <p:cNvPr id="232" name="圖片 231">
             <a:extLst>
               <a:ext uri="{FF2B5EF4-FFF2-40B4-BE49-F238E27FC236}">
-                <a16:creationId xmlns:a16="http://schemas.microsoft.com/office/drawing/2014/main" id="{3393FCB1-2814-4F69-9BFD-DCB95BB4843A}"/>
+                <a16:creationId xmlns:a16="http://schemas.microsoft.com/office/drawing/2014/main" id="{2099F36C-DB65-5F7A-D982-8C43C85F33EB}"/>
               </a:ext>
             </a:extLst>
           </p:cNvPr>
@@ -13905,8 +14532,8 @@
         </p:blipFill>
         <p:spPr>
           <a:xfrm>
-            <a:off x="465534" y="3309928"/>
-            <a:ext cx="2939818" cy="2939818"/>
+            <a:off x="143180" y="338007"/>
+            <a:ext cx="1338779" cy="1338779"/>
           </a:xfrm>
           <a:prstGeom prst="rect">
             <a:avLst/>
@@ -13918,58 +14545,942 @@
       </p:pic>
       <p:pic>
         <p:nvPicPr>
-          <p:cNvPr id="229" name="Picture 2" descr="No description available.">
+          <p:cNvPr id="8" name="圖片 7">
             <a:extLst>
               <a:ext uri="{FF2B5EF4-FFF2-40B4-BE49-F238E27FC236}">
-                <a16:creationId xmlns:a16="http://schemas.microsoft.com/office/drawing/2014/main" id="{CB7E682A-AA36-4C2D-8F6D-ACCACB070922}"/>
+                <a16:creationId xmlns:a16="http://schemas.microsoft.com/office/drawing/2014/main" id="{8AD1BECA-637F-F76F-0187-F2381C284868}"/>
               </a:ext>
             </a:extLst>
           </p:cNvPr>
           <p:cNvPicPr>
-            <a:picLocks noChangeAspect="1" noChangeArrowheads="1"/>
+            <a:picLocks noChangeAspect="1"/>
           </p:cNvPicPr>
           <p:nvPr/>
         </p:nvPicPr>
         <p:blipFill>
-          <a:blip r:embed="rId5">
+          <a:blip r:embed="rId5"/>
+          <a:stretch>
+            <a:fillRect/>
+          </a:stretch>
+        </p:blipFill>
+        <p:spPr>
+          <a:xfrm>
+            <a:off x="2950866" y="4061992"/>
+            <a:ext cx="7128555" cy="2524489"/>
+          </a:xfrm>
+          <a:prstGeom prst="rect">
+            <a:avLst/>
+          </a:prstGeom>
+        </p:spPr>
+      </p:pic>
+    </p:spTree>
+    <p:extLst>
+      <p:ext uri="{BB962C8B-B14F-4D97-AF65-F5344CB8AC3E}">
+        <p14:creationId xmlns:p14="http://schemas.microsoft.com/office/powerpoint/2010/main" val="503931233"/>
+      </p:ext>
+    </p:extLst>
+  </p:cSld>
+  <p:clrMapOvr>
+    <a:masterClrMapping/>
+  </p:clrMapOvr>
+</p:sld>
+</file>
+
+<file path=ppt/slides/slide9.xml><?xml version="1.0" encoding="utf-8"?>
+<p:sld xmlns:a="http://schemas.openxmlformats.org/drawingml/2006/main" xmlns:r="http://schemas.openxmlformats.org/officeDocument/2006/relationships" xmlns:p="http://schemas.openxmlformats.org/presentationml/2006/main">
+  <p:cSld>
+    <p:spTree>
+      <p:nvGrpSpPr>
+        <p:cNvPr id="1" name=""/>
+        <p:cNvGrpSpPr/>
+        <p:nvPr/>
+      </p:nvGrpSpPr>
+      <p:grpSpPr>
+        <a:xfrm>
+          <a:off x="0" y="0"/>
+          <a:ext cx="0" cy="0"/>
+          <a:chOff x="0" y="0"/>
+          <a:chExt cx="0" cy="0"/>
+        </a:xfrm>
+      </p:grpSpPr>
+      <p:pic>
+        <p:nvPicPr>
+          <p:cNvPr id="231" name="圖片 230" descr="一張含有 廚具, 刷子 的圖片&#10;&#10;自動產生的描述">
+            <a:extLst>
+              <a:ext uri="{FF2B5EF4-FFF2-40B4-BE49-F238E27FC236}">
+                <a16:creationId xmlns:a16="http://schemas.microsoft.com/office/drawing/2014/main" id="{03CC1853-0729-381A-1FEB-B8ECD6C44174}"/>
+              </a:ext>
+            </a:extLst>
+          </p:cNvPr>
+          <p:cNvPicPr>
+            <a:picLocks noChangeAspect="1"/>
+          </p:cNvPicPr>
+          <p:nvPr/>
+        </p:nvPicPr>
+        <p:blipFill>
+          <a:blip r:embed="rId2">
+            <a:alphaModFix amt="10000"/>
             <a:extLst>
               <a:ext uri="{28A0092B-C50C-407E-A947-70E740481C1C}">
                 <a14:useLocalDpi xmlns:a14="http://schemas.microsoft.com/office/drawing/2010/main" val="0"/>
               </a:ext>
             </a:extLst>
           </a:blip>
-          <a:srcRect/>
           <a:stretch>
             <a:fillRect/>
           </a:stretch>
         </p:blipFill>
-        <p:spPr bwMode="auto">
+        <p:spPr>
           <a:xfrm>
-            <a:off x="8984934" y="3376653"/>
-            <a:ext cx="2549940" cy="2549940"/>
+            <a:off x="374017" y="271518"/>
+            <a:ext cx="11443966" cy="6314963"/>
           </a:xfrm>
           <a:prstGeom prst="rect">
             <a:avLst/>
           </a:prstGeom>
-          <a:noFill/>
+        </p:spPr>
+      </p:pic>
+      <p:sp>
+        <p:nvSpPr>
+          <p:cNvPr id="2" name="標題 1">
+            <a:extLst>
+              <a:ext uri="{FF2B5EF4-FFF2-40B4-BE49-F238E27FC236}">
+                <a16:creationId xmlns:a16="http://schemas.microsoft.com/office/drawing/2014/main" id="{0E390A05-6707-49AE-B272-8F1AC9AA2DD6}"/>
+              </a:ext>
+            </a:extLst>
+          </p:cNvPr>
+          <p:cNvSpPr>
+            <a:spLocks noGrp="1"/>
+          </p:cNvSpPr>
+          <p:nvPr>
+            <p:ph type="title"/>
+          </p:nvPr>
+        </p:nvSpPr>
+        <p:spPr>
+          <a:xfrm>
+            <a:off x="1636761" y="365125"/>
+            <a:ext cx="10299515" cy="1325563"/>
+          </a:xfrm>
+          <a:ln w="28575">
+            <a:solidFill>
+              <a:schemeClr val="tx1"/>
+            </a:solidFill>
+          </a:ln>
+        </p:spPr>
+        <p:txBody>
+          <a:bodyPr/>
+          <a:lstStyle/>
+          <a:p>
+            <a:pPr algn="ctr"/>
+            <a:r>
+              <a:rPr lang="en-US" altLang="zh-TW" dirty="0">
+                <a:latin typeface="微軟正黑體" panose="020B0604030504040204" pitchFamily="34" charset="-120"/>
+                <a:ea typeface="微軟正黑體" panose="020B0604030504040204" pitchFamily="34" charset="-120"/>
+              </a:rPr>
+              <a:t>2.7</a:t>
+            </a:r>
+            <a:r>
+              <a:rPr lang="zh-TW" altLang="en-US" dirty="0">
+                <a:latin typeface="微軟正黑體" panose="020B0604030504040204" pitchFamily="34" charset="-120"/>
+                <a:ea typeface="微軟正黑體" panose="020B0604030504040204" pitchFamily="34" charset="-120"/>
+              </a:rPr>
+              <a:t> 信賴上界動作選擇</a:t>
+            </a:r>
+          </a:p>
+        </p:txBody>
+      </p:sp>
+      <mc:AlternateContent xmlns:mc="http://schemas.openxmlformats.org/markup-compatibility/2006">
+        <mc:Choice xmlns:a14="http://schemas.microsoft.com/office/drawing/2010/main" Requires="a14">
+          <p:sp>
+            <p:nvSpPr>
+              <p:cNvPr id="3" name="內容版面配置區 2">
+                <a:extLst>
+                  <a:ext uri="{FF2B5EF4-FFF2-40B4-BE49-F238E27FC236}">
+                    <a16:creationId xmlns:a16="http://schemas.microsoft.com/office/drawing/2014/main" id="{974E1A0F-B7E4-4DF8-B559-6D4D1908F332}"/>
+                  </a:ext>
+                </a:extLst>
+              </p:cNvPr>
+              <p:cNvSpPr>
+                <a:spLocks noGrp="1"/>
+              </p:cNvSpPr>
+              <p:nvPr>
+                <p:ph idx="1"/>
+              </p:nvPr>
+            </p:nvSpPr>
+            <p:spPr>
+              <a:xfrm>
+                <a:off x="1636762" y="1825625"/>
+                <a:ext cx="10299514" cy="4863206"/>
+              </a:xfrm>
+              <a:ln w="28575">
+                <a:solidFill>
+                  <a:schemeClr val="tx1"/>
+                </a:solidFill>
+              </a:ln>
+            </p:spPr>
+            <p:txBody>
+              <a:bodyPr>
+                <a:normAutofit/>
+              </a:bodyPr>
+              <a:lstStyle/>
+              <a:p>
+                <a:pPr marL="0" indent="0">
+                  <a:lnSpc>
+                    <a:spcPct val="150000"/>
+                  </a:lnSpc>
+                  <a:buNone/>
+                </a:pPr>
+                <a14:m>
+                  <m:oMath xmlns:m="http://schemas.openxmlformats.org/officeDocument/2006/math">
+                    <m:r>
+                      <a:rPr lang="zh-TW" altLang="en-US" sz="2000" i="1" smtClean="0">
+                        <a:latin typeface="Cambria Math" panose="02040503050406030204" pitchFamily="18" charset="0"/>
+                        <a:ea typeface="微軟正黑體" panose="020B0604030504040204" pitchFamily="34" charset="-120"/>
+                      </a:rPr>
+                      <m:t>𝜀</m:t>
+                    </m:r>
+                  </m:oMath>
+                </a14:m>
+                <a:r>
+                  <a:rPr lang="zh-TW" altLang="en-US" sz="2000" dirty="0">
+                    <a:latin typeface="微軟正黑體" panose="020B0604030504040204" pitchFamily="34" charset="-120"/>
+                    <a:ea typeface="微軟正黑體" panose="020B0604030504040204" pitchFamily="34" charset="-120"/>
+                  </a:rPr>
+                  <a:t> </a:t>
+                </a:r>
+                <a:r>
+                  <a:rPr lang="en-US" altLang="zh-TW" sz="2000" dirty="0">
+                    <a:latin typeface="微軟正黑體" panose="020B0604030504040204" pitchFamily="34" charset="-120"/>
+                    <a:ea typeface="微軟正黑體" panose="020B0604030504040204" pitchFamily="34" charset="-120"/>
+                  </a:rPr>
+                  <a:t>- </a:t>
+                </a:r>
+                <a:r>
+                  <a:rPr lang="zh-TW" altLang="en-US" sz="2000" dirty="0">
+                    <a:latin typeface="微軟正黑體" panose="020B0604030504040204" pitchFamily="34" charset="-120"/>
+                    <a:ea typeface="微軟正黑體" panose="020B0604030504040204" pitchFamily="34" charset="-120"/>
+                  </a:rPr>
+                  <a:t>貪婪動作會使非貪婪的動作被選擇，這個過程對於各個動作是不加區分的，並沒有偏好於近乎貪婪或特別不確定的動作。</a:t>
+                </a:r>
+                <a:endParaRPr lang="en-US" altLang="zh-TW" sz="2000" dirty="0">
+                  <a:latin typeface="微軟正黑體" panose="020B0604030504040204" pitchFamily="34" charset="-120"/>
+                  <a:ea typeface="微軟正黑體" panose="020B0604030504040204" pitchFamily="34" charset="-120"/>
+                </a:endParaRPr>
+              </a:p>
+              <a:p>
+                <a:pPr marL="0" indent="0">
+                  <a:lnSpc>
+                    <a:spcPct val="150000"/>
+                  </a:lnSpc>
+                  <a:buNone/>
+                </a:pPr>
+                <a:r>
+                  <a:rPr lang="zh-TW" altLang="en-US" sz="2000" dirty="0">
+                    <a:latin typeface="微軟正黑體" panose="020B0604030504040204" pitchFamily="34" charset="-120"/>
+                    <a:ea typeface="微軟正黑體" panose="020B0604030504040204" pitchFamily="34" charset="-120"/>
+                  </a:rPr>
+                  <a:t>在同時考慮（</a:t>
+                </a:r>
+                <a:r>
+                  <a:rPr lang="en-US" altLang="zh-TW" sz="2000" dirty="0">
+                    <a:latin typeface="微軟正黑體" panose="020B0604030504040204" pitchFamily="34" charset="-120"/>
+                    <a:ea typeface="微軟正黑體" panose="020B0604030504040204" pitchFamily="34" charset="-120"/>
+                  </a:rPr>
+                  <a:t>1</a:t>
+                </a:r>
+                <a:r>
+                  <a:rPr lang="zh-TW" altLang="en-US" sz="2000" dirty="0">
+                    <a:latin typeface="微軟正黑體" panose="020B0604030504040204" pitchFamily="34" charset="-120"/>
+                    <a:ea typeface="微軟正黑體" panose="020B0604030504040204" pitchFamily="34" charset="-120"/>
+                  </a:rPr>
+                  <a:t>）當前估計值與最大值的距離（</a:t>
+                </a:r>
+                <a:r>
+                  <a:rPr lang="en-US" altLang="zh-TW" sz="2000" dirty="0">
+                    <a:latin typeface="微軟正黑體" panose="020B0604030504040204" pitchFamily="34" charset="-120"/>
+                    <a:ea typeface="微軟正黑體" panose="020B0604030504040204" pitchFamily="34" charset="-120"/>
+                  </a:rPr>
+                  <a:t>2</a:t>
+                </a:r>
+                <a:r>
+                  <a:rPr lang="zh-TW" altLang="en-US" sz="2000" dirty="0">
+                    <a:latin typeface="微軟正黑體" panose="020B0604030504040204" pitchFamily="34" charset="-120"/>
+                    <a:ea typeface="微軟正黑體" panose="020B0604030504040204" pitchFamily="34" charset="-120"/>
+                  </a:rPr>
+                  <a:t>）不確定性之後，推導出以下數學式：</a:t>
+                </a:r>
+                <a:endParaRPr lang="en-US" altLang="zh-TW" sz="2000" dirty="0">
+                  <a:latin typeface="微軟正黑體" panose="020B0604030504040204" pitchFamily="34" charset="-120"/>
+                  <a:ea typeface="微軟正黑體" panose="020B0604030504040204" pitchFamily="34" charset="-120"/>
+                </a:endParaRPr>
+              </a:p>
+              <a:p>
+                <a:pPr marL="0" indent="0">
+                  <a:lnSpc>
+                    <a:spcPct val="150000"/>
+                  </a:lnSpc>
+                  <a:buNone/>
+                </a:pPr>
+                <a14:m>
+                  <m:oMathPara xmlns:m="http://schemas.openxmlformats.org/officeDocument/2006/math">
+                    <m:oMathParaPr>
+                      <m:jc m:val="centerGroup"/>
+                    </m:oMathParaPr>
+                    <m:oMath xmlns:m="http://schemas.openxmlformats.org/officeDocument/2006/math">
+                      <m:sSub>
+                        <m:sSubPr>
+                          <m:ctrlPr>
+                            <a:rPr lang="en-US" altLang="zh-TW" sz="2000" i="1" smtClean="0">
+                              <a:latin typeface="Cambria Math" panose="02040503050406030204" pitchFamily="18" charset="0"/>
+                              <a:ea typeface="微軟正黑體" panose="020B0604030504040204" pitchFamily="34" charset="-120"/>
+                            </a:rPr>
+                          </m:ctrlPr>
+                        </m:sSubPr>
+                        <m:e>
+                          <m:r>
+                            <a:rPr lang="en-US" altLang="zh-TW" sz="2000" b="0" i="1" smtClean="0">
+                              <a:latin typeface="Cambria Math" panose="02040503050406030204" pitchFamily="18" charset="0"/>
+                              <a:ea typeface="微軟正黑體" panose="020B0604030504040204" pitchFamily="34" charset="-120"/>
+                            </a:rPr>
+                            <m:t>𝐴</m:t>
+                          </m:r>
+                        </m:e>
+                        <m:sub>
+                          <m:r>
+                            <a:rPr lang="en-US" altLang="zh-TW" sz="2000" b="0" i="1" smtClean="0">
+                              <a:latin typeface="Cambria Math" panose="02040503050406030204" pitchFamily="18" charset="0"/>
+                              <a:ea typeface="微軟正黑體" panose="020B0604030504040204" pitchFamily="34" charset="-120"/>
+                            </a:rPr>
+                            <m:t>𝑡</m:t>
+                          </m:r>
+                        </m:sub>
+                      </m:sSub>
+                      <m:r>
+                        <a:rPr lang="en-US" altLang="zh-TW" sz="2000" b="0" i="1" smtClean="0">
+                          <a:latin typeface="Cambria Math" panose="02040503050406030204" pitchFamily="18" charset="0"/>
+                          <a:ea typeface="微軟正黑體" panose="020B0604030504040204" pitchFamily="34" charset="-120"/>
+                        </a:rPr>
+                        <m:t>= </m:t>
+                      </m:r>
+                      <m:func>
+                        <m:funcPr>
+                          <m:ctrlPr>
+                            <a:rPr lang="en-US" altLang="zh-TW" sz="2000" b="0" i="1" smtClean="0">
+                              <a:latin typeface="Cambria Math" panose="02040503050406030204" pitchFamily="18" charset="0"/>
+                              <a:ea typeface="微軟正黑體" panose="020B0604030504040204" pitchFamily="34" charset="-120"/>
+                            </a:rPr>
+                          </m:ctrlPr>
+                        </m:funcPr>
+                        <m:fName>
+                          <m:limLow>
+                            <m:limLowPr>
+                              <m:ctrlPr>
+                                <a:rPr lang="en-US" altLang="zh-TW" sz="2000" b="0" i="1" smtClean="0">
+                                  <a:latin typeface="Cambria Math" panose="02040503050406030204" pitchFamily="18" charset="0"/>
+                                  <a:ea typeface="微軟正黑體" panose="020B0604030504040204" pitchFamily="34" charset="-120"/>
+                                </a:rPr>
+                              </m:ctrlPr>
+                            </m:limLowPr>
+                            <m:e>
+                              <m:r>
+                                <a:rPr lang="en-US" altLang="zh-TW" sz="2000" b="0" i="1" smtClean="0">
+                                  <a:latin typeface="Cambria Math" panose="02040503050406030204" pitchFamily="18" charset="0"/>
+                                  <a:ea typeface="微軟正黑體" panose="020B0604030504040204" pitchFamily="34" charset="-120"/>
+                                </a:rPr>
+                                <m:t>𝑎𝑟</m:t>
+                              </m:r>
+                              <m:r>
+                                <m:rPr>
+                                  <m:sty m:val="p"/>
+                                </m:rPr>
+                                <a:rPr lang="en-US" altLang="zh-TW" sz="2000" b="0" i="0" smtClean="0">
+                                  <a:latin typeface="Cambria Math" panose="02040503050406030204" pitchFamily="18" charset="0"/>
+                                  <a:ea typeface="微軟正黑體" panose="020B0604030504040204" pitchFamily="34" charset="-120"/>
+                                </a:rPr>
+                                <m:t>g</m:t>
+                              </m:r>
+                              <m:r>
+                                <m:rPr>
+                                  <m:sty m:val="p"/>
+                                </m:rPr>
+                                <a:rPr lang="en-US" altLang="zh-TW" sz="2000" b="0" i="0" smtClean="0">
+                                  <a:latin typeface="Cambria Math" panose="02040503050406030204" pitchFamily="18" charset="0"/>
+                                  <a:ea typeface="微軟正黑體" panose="020B0604030504040204" pitchFamily="34" charset="-120"/>
+                                </a:rPr>
+                                <m:t>max</m:t>
+                              </m:r>
+                            </m:e>
+                            <m:lim>
+                              <m:r>
+                                <a:rPr lang="en-US" altLang="zh-TW" sz="2000" b="0" i="1" smtClean="0">
+                                  <a:latin typeface="Cambria Math" panose="02040503050406030204" pitchFamily="18" charset="0"/>
+                                  <a:ea typeface="微軟正黑體" panose="020B0604030504040204" pitchFamily="34" charset="-120"/>
+                                </a:rPr>
+                                <m:t>𝑎</m:t>
+                              </m:r>
+                            </m:lim>
+                          </m:limLow>
+                        </m:fName>
+                        <m:e>
+                          <m:r>
+                            <a:rPr lang="en-US" altLang="zh-TW" sz="2000" b="0" i="1" smtClean="0">
+                              <a:latin typeface="Cambria Math" panose="02040503050406030204" pitchFamily="18" charset="0"/>
+                              <a:ea typeface="微軟正黑體" panose="020B0604030504040204" pitchFamily="34" charset="-120"/>
+                            </a:rPr>
+                            <m:t>[</m:t>
+                          </m:r>
+                          <m:sSub>
+                            <m:sSubPr>
+                              <m:ctrlPr>
+                                <a:rPr lang="en-US" altLang="zh-TW" sz="2000" b="0" i="1" smtClean="0">
+                                  <a:latin typeface="Cambria Math" panose="02040503050406030204" pitchFamily="18" charset="0"/>
+                                  <a:ea typeface="微軟正黑體" panose="020B0604030504040204" pitchFamily="34" charset="-120"/>
+                                </a:rPr>
+                              </m:ctrlPr>
+                            </m:sSubPr>
+                            <m:e>
+                              <m:r>
+                                <a:rPr lang="en-US" altLang="zh-TW" sz="2000" b="0" i="1" smtClean="0">
+                                  <a:latin typeface="Cambria Math" panose="02040503050406030204" pitchFamily="18" charset="0"/>
+                                  <a:ea typeface="微軟正黑體" panose="020B0604030504040204" pitchFamily="34" charset="-120"/>
+                                </a:rPr>
+                                <m:t>𝑄</m:t>
+                              </m:r>
+                            </m:e>
+                            <m:sub>
+                              <m:r>
+                                <a:rPr lang="en-US" altLang="zh-TW" sz="2000" b="0" i="1" smtClean="0">
+                                  <a:latin typeface="Cambria Math" panose="02040503050406030204" pitchFamily="18" charset="0"/>
+                                  <a:ea typeface="微軟正黑體" panose="020B0604030504040204" pitchFamily="34" charset="-120"/>
+                                </a:rPr>
+                                <m:t>𝑡</m:t>
+                              </m:r>
+                            </m:sub>
+                          </m:sSub>
+                          <m:d>
+                            <m:dPr>
+                              <m:ctrlPr>
+                                <a:rPr lang="en-US" altLang="zh-TW" sz="2000" b="0" i="1" smtClean="0">
+                                  <a:latin typeface="Cambria Math" panose="02040503050406030204" pitchFamily="18" charset="0"/>
+                                  <a:ea typeface="微軟正黑體" panose="020B0604030504040204" pitchFamily="34" charset="-120"/>
+                                </a:rPr>
+                              </m:ctrlPr>
+                            </m:dPr>
+                            <m:e>
+                              <m:r>
+                                <a:rPr lang="en-US" altLang="zh-TW" sz="2000" b="0" i="1" smtClean="0">
+                                  <a:latin typeface="Cambria Math" panose="02040503050406030204" pitchFamily="18" charset="0"/>
+                                  <a:ea typeface="微軟正黑體" panose="020B0604030504040204" pitchFamily="34" charset="-120"/>
+                                </a:rPr>
+                                <m:t>𝑎</m:t>
+                              </m:r>
+                            </m:e>
+                          </m:d>
+                          <m:r>
+                            <a:rPr lang="en-US" altLang="zh-TW" sz="2000" b="0" i="1" smtClean="0">
+                              <a:latin typeface="Cambria Math" panose="02040503050406030204" pitchFamily="18" charset="0"/>
+                              <a:ea typeface="微軟正黑體" panose="020B0604030504040204" pitchFamily="34" charset="-120"/>
+                            </a:rPr>
+                            <m:t>+</m:t>
+                          </m:r>
+                          <m:r>
+                            <a:rPr lang="en-US" altLang="zh-TW" sz="2000" b="0" i="1" smtClean="0">
+                              <a:latin typeface="Cambria Math" panose="02040503050406030204" pitchFamily="18" charset="0"/>
+                              <a:ea typeface="微軟正黑體" panose="020B0604030504040204" pitchFamily="34" charset="-120"/>
+                            </a:rPr>
+                            <m:t>𝑐</m:t>
+                          </m:r>
+                          <m:rad>
+                            <m:radPr>
+                              <m:degHide m:val="on"/>
+                              <m:ctrlPr>
+                                <a:rPr lang="en-US" altLang="zh-TW" sz="2000" b="0" i="1" smtClean="0">
+                                  <a:latin typeface="Cambria Math" panose="02040503050406030204" pitchFamily="18" charset="0"/>
+                                  <a:ea typeface="微軟正黑體" panose="020B0604030504040204" pitchFamily="34" charset="-120"/>
+                                </a:rPr>
+                              </m:ctrlPr>
+                            </m:radPr>
+                            <m:deg/>
+                            <m:e>
+                              <m:f>
+                                <m:fPr>
+                                  <m:ctrlPr>
+                                    <a:rPr lang="en-US" altLang="zh-TW" sz="2000" b="0" i="1" smtClean="0">
+                                      <a:latin typeface="Cambria Math" panose="02040503050406030204" pitchFamily="18" charset="0"/>
+                                      <a:ea typeface="微軟正黑體" panose="020B0604030504040204" pitchFamily="34" charset="-120"/>
+                                    </a:rPr>
+                                  </m:ctrlPr>
+                                </m:fPr>
+                                <m:num>
+                                  <m:r>
+                                    <m:rPr>
+                                      <m:sty m:val="p"/>
+                                    </m:rPr>
+                                    <a:rPr lang="en-US" altLang="zh-TW" sz="2000" b="0" i="0" smtClean="0">
+                                      <a:latin typeface="Cambria Math" panose="02040503050406030204" pitchFamily="18" charset="0"/>
+                                      <a:ea typeface="微軟正黑體" panose="020B0604030504040204" pitchFamily="34" charset="-120"/>
+                                    </a:rPr>
+                                    <m:t>ln</m:t>
+                                  </m:r>
+                                  <m:r>
+                                    <a:rPr lang="en-US" altLang="zh-TW" sz="2000" b="0" i="1" smtClean="0">
+                                      <a:latin typeface="Cambria Math" panose="02040503050406030204" pitchFamily="18" charset="0"/>
+                                      <a:ea typeface="微軟正黑體" panose="020B0604030504040204" pitchFamily="34" charset="-120"/>
+                                    </a:rPr>
+                                    <m:t>⁡(</m:t>
+                                  </m:r>
+                                  <m:r>
+                                    <a:rPr lang="en-US" altLang="zh-TW" sz="2000" b="0" i="1" smtClean="0">
+                                      <a:latin typeface="Cambria Math" panose="02040503050406030204" pitchFamily="18" charset="0"/>
+                                      <a:ea typeface="微軟正黑體" panose="020B0604030504040204" pitchFamily="34" charset="-120"/>
+                                    </a:rPr>
+                                    <m:t>𝑡</m:t>
+                                  </m:r>
+                                  <m:r>
+                                    <a:rPr lang="en-US" altLang="zh-TW" sz="2000" b="0" i="1" smtClean="0">
+                                      <a:latin typeface="Cambria Math" panose="02040503050406030204" pitchFamily="18" charset="0"/>
+                                      <a:ea typeface="微軟正黑體" panose="020B0604030504040204" pitchFamily="34" charset="-120"/>
+                                    </a:rPr>
+                                    <m:t>)</m:t>
+                                  </m:r>
+                                </m:num>
+                                <m:den>
+                                  <m:sSub>
+                                    <m:sSubPr>
+                                      <m:ctrlPr>
+                                        <a:rPr lang="en-US" altLang="zh-TW" sz="2000" b="0" i="1" smtClean="0">
+                                          <a:latin typeface="Cambria Math" panose="02040503050406030204" pitchFamily="18" charset="0"/>
+                                          <a:ea typeface="微軟正黑體" panose="020B0604030504040204" pitchFamily="34" charset="-120"/>
+                                        </a:rPr>
+                                      </m:ctrlPr>
+                                    </m:sSubPr>
+                                    <m:e>
+                                      <m:r>
+                                        <m:rPr>
+                                          <m:sty m:val="p"/>
+                                        </m:rPr>
+                                        <a:rPr lang="en-US" altLang="zh-TW" sz="2000" i="1">
+                                          <a:latin typeface="Cambria Math" panose="02040503050406030204" pitchFamily="18" charset="0"/>
+                                          <a:ea typeface="微軟正黑體" panose="020B0604030504040204" pitchFamily="34" charset="-120"/>
+                                        </a:rPr>
+                                        <m:t>N</m:t>
+                                      </m:r>
+                                    </m:e>
+                                    <m:sub>
+                                      <m:r>
+                                        <a:rPr lang="en-US" altLang="zh-TW" sz="2000" b="0" i="1" smtClean="0">
+                                          <a:latin typeface="Cambria Math" panose="02040503050406030204" pitchFamily="18" charset="0"/>
+                                          <a:ea typeface="微軟正黑體" panose="020B0604030504040204" pitchFamily="34" charset="-120"/>
+                                        </a:rPr>
+                                        <m:t>𝑡</m:t>
+                                      </m:r>
+                                    </m:sub>
+                                  </m:sSub>
+                                  <m:r>
+                                    <a:rPr lang="en-US" altLang="zh-TW" sz="2000" b="0" i="1" smtClean="0">
+                                      <a:latin typeface="Cambria Math" panose="02040503050406030204" pitchFamily="18" charset="0"/>
+                                      <a:ea typeface="微軟正黑體" panose="020B0604030504040204" pitchFamily="34" charset="-120"/>
+                                    </a:rPr>
+                                    <m:t>(</m:t>
+                                  </m:r>
+                                  <m:r>
+                                    <a:rPr lang="en-US" altLang="zh-TW" sz="2000" b="0" i="1" smtClean="0">
+                                      <a:latin typeface="Cambria Math" panose="02040503050406030204" pitchFamily="18" charset="0"/>
+                                      <a:ea typeface="微軟正黑體" panose="020B0604030504040204" pitchFamily="34" charset="-120"/>
+                                    </a:rPr>
+                                    <m:t>𝑎</m:t>
+                                  </m:r>
+                                  <m:r>
+                                    <a:rPr lang="en-US" altLang="zh-TW" sz="2000" b="0" i="1" smtClean="0">
+                                      <a:latin typeface="Cambria Math" panose="02040503050406030204" pitchFamily="18" charset="0"/>
+                                      <a:ea typeface="微軟正黑體" panose="020B0604030504040204" pitchFamily="34" charset="-120"/>
+                                    </a:rPr>
+                                    <m:t>)</m:t>
+                                  </m:r>
+                                </m:den>
+                              </m:f>
+                            </m:e>
+                          </m:rad>
+                          <m:r>
+                            <a:rPr lang="en-US" altLang="zh-TW" sz="2000" b="0" i="1" smtClean="0">
+                              <a:latin typeface="Cambria Math" panose="02040503050406030204" pitchFamily="18" charset="0"/>
+                              <a:ea typeface="微軟正黑體" panose="020B0604030504040204" pitchFamily="34" charset="-120"/>
+                            </a:rPr>
+                            <m:t>]</m:t>
+                          </m:r>
+                        </m:e>
+                      </m:func>
+                    </m:oMath>
+                  </m:oMathPara>
+                </a14:m>
+                <a:endParaRPr lang="en-US" altLang="zh-TW" sz="2000" dirty="0">
+                  <a:latin typeface="微軟正黑體" panose="020B0604030504040204" pitchFamily="34" charset="-120"/>
+                  <a:ea typeface="微軟正黑體" panose="020B0604030504040204" pitchFamily="34" charset="-120"/>
+                </a:endParaRPr>
+              </a:p>
+              <a:p>
+                <a:pPr marL="0" indent="0">
+                  <a:lnSpc>
+                    <a:spcPct val="150000"/>
+                  </a:lnSpc>
+                  <a:buNone/>
+                </a:pPr>
+                <a:r>
+                  <a:rPr lang="zh-TW" altLang="en-US" sz="2000" dirty="0">
+                    <a:latin typeface="微軟正黑體" panose="020B0604030504040204" pitchFamily="34" charset="-120"/>
+                    <a:ea typeface="微軟正黑體" panose="020B0604030504040204" pitchFamily="34" charset="-120"/>
+                  </a:rPr>
+                  <a:t>此方法被稱為「信賴上界（</a:t>
+                </a:r>
+                <a:r>
+                  <a:rPr lang="en-US" altLang="zh-TW" sz="2000" dirty="0">
+                    <a:latin typeface="微軟正黑體" panose="020B0604030504040204" pitchFamily="34" charset="-120"/>
+                    <a:ea typeface="微軟正黑體" panose="020B0604030504040204" pitchFamily="34" charset="-120"/>
+                  </a:rPr>
+                  <a:t>upper confidence bound, UCB</a:t>
+                </a:r>
+                <a:r>
+                  <a:rPr lang="zh-TW" altLang="en-US" sz="2000" dirty="0">
+                    <a:latin typeface="微軟正黑體" panose="020B0604030504040204" pitchFamily="34" charset="-120"/>
+                    <a:ea typeface="微軟正黑體" panose="020B0604030504040204" pitchFamily="34" charset="-120"/>
+                  </a:rPr>
+                  <a:t>）」，使用此方法將可以讓「所有的動作都被選擇，不過隨著時間的推移，選擇（</a:t>
+                </a:r>
+                <a:r>
+                  <a:rPr lang="en-US" altLang="zh-TW" sz="2000" dirty="0">
+                    <a:latin typeface="微軟正黑體" panose="020B0604030504040204" pitchFamily="34" charset="-120"/>
+                    <a:ea typeface="微軟正黑體" panose="020B0604030504040204" pitchFamily="34" charset="-120"/>
+                  </a:rPr>
+                  <a:t>1</a:t>
+                </a:r>
+                <a:r>
+                  <a:rPr lang="zh-TW" altLang="en-US" sz="2000" dirty="0">
+                    <a:latin typeface="微軟正黑體" panose="020B0604030504040204" pitchFamily="34" charset="-120"/>
+                    <a:ea typeface="微軟正黑體" panose="020B0604030504040204" pitchFamily="34" charset="-120"/>
+                  </a:rPr>
+                  <a:t>）具有較低估計值，或（</a:t>
+                </a:r>
+                <a:r>
+                  <a:rPr lang="en-US" altLang="zh-TW" sz="2000" dirty="0">
+                    <a:latin typeface="微軟正黑體" panose="020B0604030504040204" pitchFamily="34" charset="-120"/>
+                    <a:ea typeface="微軟正黑體" panose="020B0604030504040204" pitchFamily="34" charset="-120"/>
+                  </a:rPr>
+                  <a:t>2</a:t>
+                </a:r>
+                <a:r>
+                  <a:rPr lang="zh-TW" altLang="en-US" sz="2000" dirty="0">
+                    <a:latin typeface="微軟正黑體" panose="020B0604030504040204" pitchFamily="34" charset="-120"/>
+                    <a:ea typeface="微軟正黑體" panose="020B0604030504040204" pitchFamily="34" charset="-120"/>
+                  </a:rPr>
+                  <a:t>）已經頻繁被選過的動作的機率將會降低」</a:t>
+                </a:r>
+                <a:endParaRPr lang="en-US" altLang="zh-TW" sz="2000" dirty="0">
+                  <a:latin typeface="微軟正黑體" panose="020B0604030504040204" pitchFamily="34" charset="-120"/>
+                  <a:ea typeface="微軟正黑體" panose="020B0604030504040204" pitchFamily="34" charset="-120"/>
+                </a:endParaRPr>
+              </a:p>
+            </p:txBody>
+          </p:sp>
+        </mc:Choice>
+        <mc:Fallback>
+          <p:sp>
+            <p:nvSpPr>
+              <p:cNvPr id="3" name="內容版面配置區 2">
+                <a:extLst>
+                  <a:ext uri="{FF2B5EF4-FFF2-40B4-BE49-F238E27FC236}">
+                    <a16:creationId xmlns:a16="http://schemas.microsoft.com/office/drawing/2014/main" id="{974E1A0F-B7E4-4DF8-B559-6D4D1908F332}"/>
+                  </a:ext>
+                </a:extLst>
+              </p:cNvPr>
+              <p:cNvSpPr>
+                <a:spLocks noGrp="1" noRot="1" noChangeAspect="1" noMove="1" noResize="1" noEditPoints="1" noAdjustHandles="1" noChangeArrowheads="1" noChangeShapeType="1" noTextEdit="1"/>
+              </p:cNvSpPr>
+              <p:nvPr>
+                <p:ph idx="1"/>
+              </p:nvPr>
+            </p:nvSpPr>
+            <p:spPr>
+              <a:xfrm>
+                <a:off x="1636762" y="1825625"/>
+                <a:ext cx="10299514" cy="4863206"/>
+              </a:xfrm>
+              <a:blipFill>
+                <a:blip r:embed="rId3"/>
+                <a:stretch>
+                  <a:fillRect l="-472"/>
+                </a:stretch>
+              </a:blipFill>
+              <a:ln w="28575">
+                <a:solidFill>
+                  <a:schemeClr val="tx1"/>
+                </a:solidFill>
+              </a:ln>
+            </p:spPr>
+            <p:txBody>
+              <a:bodyPr/>
+              <a:lstStyle/>
+              <a:p>
+                <a:r>
+                  <a:rPr lang="zh-TW" altLang="en-US">
+                    <a:noFill/>
+                  </a:rPr>
+                  <a:t> </a:t>
+                </a:r>
+              </a:p>
+            </p:txBody>
+          </p:sp>
+        </mc:Fallback>
+      </mc:AlternateContent>
+      <p:sp>
+        <p:nvSpPr>
+          <p:cNvPr id="226" name="內容版面配置區 2">
+            <a:extLst>
+              <a:ext uri="{FF2B5EF4-FFF2-40B4-BE49-F238E27FC236}">
+                <a16:creationId xmlns:a16="http://schemas.microsoft.com/office/drawing/2014/main" id="{CB3BF928-2960-4272-9244-D4A967045A95}"/>
+              </a:ext>
+            </a:extLst>
+          </p:cNvPr>
+          <p:cNvSpPr txBox="1">
+            <a:spLocks/>
+          </p:cNvSpPr>
+          <p:nvPr/>
+        </p:nvSpPr>
+        <p:spPr>
+          <a:xfrm>
+            <a:off x="110307" y="1825625"/>
+            <a:ext cx="1371652" cy="4863214"/>
+          </a:xfrm>
+          <a:prstGeom prst="rect">
+            <a:avLst/>
+          </a:prstGeom>
+          <a:ln w="28575">
+            <a:solidFill>
+              <a:schemeClr val="tx1"/>
+            </a:solidFill>
+          </a:ln>
+        </p:spPr>
+        <p:txBody>
+          <a:bodyPr vert="horz" lIns="91440" tIns="45720" rIns="91440" bIns="45720" rtlCol="0">
+            <a:normAutofit/>
+          </a:bodyPr>
+          <a:lstStyle>
+            <a:lvl1pPr marL="228600" indent="-228600" algn="l" defTabSz="914400" rtl="0" eaLnBrk="1" latinLnBrk="0" hangingPunct="1">
+              <a:lnSpc>
+                <a:spcPct val="90000"/>
+              </a:lnSpc>
+              <a:spcBef>
+                <a:spcPts val="1000"/>
+              </a:spcBef>
+              <a:buFont typeface="Arial" panose="020B0604020202020204" pitchFamily="34" charset="0"/>
+              <a:buChar char="•"/>
+              <a:defRPr sz="2800" kern="1200">
+                <a:solidFill>
+                  <a:schemeClr val="tx1"/>
+                </a:solidFill>
+                <a:latin typeface="+mn-lt"/>
+                <a:ea typeface="+mn-ea"/>
+                <a:cs typeface="+mn-cs"/>
+              </a:defRPr>
+            </a:lvl1pPr>
+            <a:lvl2pPr marL="685800" indent="-228600" algn="l" defTabSz="914400" rtl="0" eaLnBrk="1" latinLnBrk="0" hangingPunct="1">
+              <a:lnSpc>
+                <a:spcPct val="90000"/>
+              </a:lnSpc>
+              <a:spcBef>
+                <a:spcPts val="500"/>
+              </a:spcBef>
+              <a:buFont typeface="Arial" panose="020B0604020202020204" pitchFamily="34" charset="0"/>
+              <a:buChar char="•"/>
+              <a:defRPr sz="2400" kern="1200">
+                <a:solidFill>
+                  <a:schemeClr val="tx1"/>
+                </a:solidFill>
+                <a:latin typeface="+mn-lt"/>
+                <a:ea typeface="+mn-ea"/>
+                <a:cs typeface="+mn-cs"/>
+              </a:defRPr>
+            </a:lvl2pPr>
+            <a:lvl3pPr marL="1143000" indent="-228600" algn="l" defTabSz="914400" rtl="0" eaLnBrk="1" latinLnBrk="0" hangingPunct="1">
+              <a:lnSpc>
+                <a:spcPct val="90000"/>
+              </a:lnSpc>
+              <a:spcBef>
+                <a:spcPts val="500"/>
+              </a:spcBef>
+              <a:buFont typeface="Arial" panose="020B0604020202020204" pitchFamily="34" charset="0"/>
+              <a:buChar char="•"/>
+              <a:defRPr sz="2000" kern="1200">
+                <a:solidFill>
+                  <a:schemeClr val="tx1"/>
+                </a:solidFill>
+                <a:latin typeface="+mn-lt"/>
+                <a:ea typeface="+mn-ea"/>
+                <a:cs typeface="+mn-cs"/>
+              </a:defRPr>
+            </a:lvl3pPr>
+            <a:lvl4pPr marL="1600200" indent="-228600" algn="l" defTabSz="914400" rtl="0" eaLnBrk="1" latinLnBrk="0" hangingPunct="1">
+              <a:lnSpc>
+                <a:spcPct val="90000"/>
+              </a:lnSpc>
+              <a:spcBef>
+                <a:spcPts val="500"/>
+              </a:spcBef>
+              <a:buFont typeface="Arial" panose="020B0604020202020204" pitchFamily="34" charset="0"/>
+              <a:buChar char="•"/>
+              <a:defRPr sz="1800" kern="1200">
+                <a:solidFill>
+                  <a:schemeClr val="tx1"/>
+                </a:solidFill>
+                <a:latin typeface="+mn-lt"/>
+                <a:ea typeface="+mn-ea"/>
+                <a:cs typeface="+mn-cs"/>
+              </a:defRPr>
+            </a:lvl4pPr>
+            <a:lvl5pPr marL="2057400" indent="-228600" algn="l" defTabSz="914400" rtl="0" eaLnBrk="1" latinLnBrk="0" hangingPunct="1">
+              <a:lnSpc>
+                <a:spcPct val="90000"/>
+              </a:lnSpc>
+              <a:spcBef>
+                <a:spcPts val="500"/>
+              </a:spcBef>
+              <a:buFont typeface="Arial" panose="020B0604020202020204" pitchFamily="34" charset="0"/>
+              <a:buChar char="•"/>
+              <a:defRPr sz="1800" kern="1200">
+                <a:solidFill>
+                  <a:schemeClr val="tx1"/>
+                </a:solidFill>
+                <a:latin typeface="+mn-lt"/>
+                <a:ea typeface="+mn-ea"/>
+                <a:cs typeface="+mn-cs"/>
+              </a:defRPr>
+            </a:lvl5pPr>
+            <a:lvl6pPr marL="2514600" indent="-228600" algn="l" defTabSz="914400" rtl="0" eaLnBrk="1" latinLnBrk="0" hangingPunct="1">
+              <a:lnSpc>
+                <a:spcPct val="90000"/>
+              </a:lnSpc>
+              <a:spcBef>
+                <a:spcPts val="500"/>
+              </a:spcBef>
+              <a:buFont typeface="Arial" panose="020B0604020202020204" pitchFamily="34" charset="0"/>
+              <a:buChar char="•"/>
+              <a:defRPr sz="1800" kern="1200">
+                <a:solidFill>
+                  <a:schemeClr val="tx1"/>
+                </a:solidFill>
+                <a:latin typeface="+mn-lt"/>
+                <a:ea typeface="+mn-ea"/>
+                <a:cs typeface="+mn-cs"/>
+              </a:defRPr>
+            </a:lvl6pPr>
+            <a:lvl7pPr marL="2971800" indent="-228600" algn="l" defTabSz="914400" rtl="0" eaLnBrk="1" latinLnBrk="0" hangingPunct="1">
+              <a:lnSpc>
+                <a:spcPct val="90000"/>
+              </a:lnSpc>
+              <a:spcBef>
+                <a:spcPts val="500"/>
+              </a:spcBef>
+              <a:buFont typeface="Arial" panose="020B0604020202020204" pitchFamily="34" charset="0"/>
+              <a:buChar char="•"/>
+              <a:defRPr sz="1800" kern="1200">
+                <a:solidFill>
+                  <a:schemeClr val="tx1"/>
+                </a:solidFill>
+                <a:latin typeface="+mn-lt"/>
+                <a:ea typeface="+mn-ea"/>
+                <a:cs typeface="+mn-cs"/>
+              </a:defRPr>
+            </a:lvl7pPr>
+            <a:lvl8pPr marL="3429000" indent="-228600" algn="l" defTabSz="914400" rtl="0" eaLnBrk="1" latinLnBrk="0" hangingPunct="1">
+              <a:lnSpc>
+                <a:spcPct val="90000"/>
+              </a:lnSpc>
+              <a:spcBef>
+                <a:spcPts val="500"/>
+              </a:spcBef>
+              <a:buFont typeface="Arial" panose="020B0604020202020204" pitchFamily="34" charset="0"/>
+              <a:buChar char="•"/>
+              <a:defRPr sz="1800" kern="1200">
+                <a:solidFill>
+                  <a:schemeClr val="tx1"/>
+                </a:solidFill>
+                <a:latin typeface="+mn-lt"/>
+                <a:ea typeface="+mn-ea"/>
+                <a:cs typeface="+mn-cs"/>
+              </a:defRPr>
+            </a:lvl8pPr>
+            <a:lvl9pPr marL="3886200" indent="-228600" algn="l" defTabSz="914400" rtl="0" eaLnBrk="1" latinLnBrk="0" hangingPunct="1">
+              <a:lnSpc>
+                <a:spcPct val="90000"/>
+              </a:lnSpc>
+              <a:spcBef>
+                <a:spcPts val="500"/>
+              </a:spcBef>
+              <a:buFont typeface="Arial" panose="020B0604020202020204" pitchFamily="34" charset="0"/>
+              <a:buChar char="•"/>
+              <a:defRPr sz="1800" kern="1200">
+                <a:solidFill>
+                  <a:schemeClr val="tx1"/>
+                </a:solidFill>
+                <a:latin typeface="+mn-lt"/>
+                <a:ea typeface="+mn-ea"/>
+                <a:cs typeface="+mn-cs"/>
+              </a:defRPr>
+            </a:lvl9pPr>
+          </a:lstStyle>
+          <a:p>
+            <a:pPr marL="0" indent="0">
+              <a:buNone/>
+            </a:pPr>
+            <a:endParaRPr lang="zh-TW" altLang="en-US" sz="1800" dirty="0">
+              <a:solidFill>
+                <a:schemeClr val="accent3"/>
+              </a:solidFill>
+            </a:endParaRPr>
+          </a:p>
+        </p:txBody>
+      </p:sp>
+      <p:pic>
+        <p:nvPicPr>
+          <p:cNvPr id="232" name="圖片 231">
+            <a:extLst>
+              <a:ext uri="{FF2B5EF4-FFF2-40B4-BE49-F238E27FC236}">
+                <a16:creationId xmlns:a16="http://schemas.microsoft.com/office/drawing/2014/main" id="{2099F36C-DB65-5F7A-D982-8C43C85F33EB}"/>
+              </a:ext>
+            </a:extLst>
+          </p:cNvPr>
+          <p:cNvPicPr>
+            <a:picLocks noChangeAspect="1"/>
+          </p:cNvPicPr>
+          <p:nvPr/>
+        </p:nvPicPr>
+        <p:blipFill rotWithShape="1">
+          <a:blip r:embed="rId4">
+            <a:extLst>
+              <a:ext uri="{28A0092B-C50C-407E-A947-70E740481C1C}">
+                <a14:useLocalDpi xmlns:a14="http://schemas.microsoft.com/office/drawing/2010/main" val="0"/>
+              </a:ext>
+            </a:extLst>
+          </a:blip>
+          <a:srcRect l="5838" t="5838" r="13099" b="13099"/>
+          <a:stretch/>
+        </p:blipFill>
+        <p:spPr>
+          <a:xfrm>
+            <a:off x="143180" y="338007"/>
+            <a:ext cx="1338779" cy="1338779"/>
+          </a:xfrm>
+          <a:prstGeom prst="rect">
+            <a:avLst/>
+          </a:prstGeom>
           <a:effectLst>
             <a:softEdge rad="63500"/>
           </a:effectLst>
-          <a:extLst>
-            <a:ext uri="{909E8E84-426E-40DD-AFC4-6F175D3DCCD1}">
-              <a14:hiddenFill xmlns:a14="http://schemas.microsoft.com/office/drawing/2010/main">
-                <a:solidFill>
-                  <a:srgbClr val="FFFFFF"/>
-                </a:solidFill>
-              </a14:hiddenFill>
-            </a:ext>
-          </a:extLst>
         </p:spPr>
       </p:pic>
     </p:spTree>
     <p:extLst>
       <p:ext uri="{BB962C8B-B14F-4D97-AF65-F5344CB8AC3E}">
-        <p14:creationId xmlns:p14="http://schemas.microsoft.com/office/powerpoint/2010/main" val="3896359296"/>
+        <p14:creationId xmlns:p14="http://schemas.microsoft.com/office/powerpoint/2010/main" val="1118047134"/>
       </p:ext>
     </p:extLst>
   </p:cSld>

--- a/Share/【AI . FREE Team】【讀書會】2022_07_16 Reinforcement Learning.pptx
+++ b/Share/【AI . FREE Team】【讀書會】2022_07_16 Reinforcement Learning.pptx
@@ -5,7 +5,7 @@
     <p:sldMasterId id="2147483648" r:id="rId1"/>
   </p:sldMasterIdLst>
   <p:notesMasterIdLst>
-    <p:notesMasterId r:id="rId12"/>
+    <p:notesMasterId r:id="rId16"/>
   </p:notesMasterIdLst>
   <p:sldIdLst>
     <p:sldId id="260" r:id="rId2"/>
@@ -17,7 +17,11 @@
     <p:sldId id="295" r:id="rId8"/>
     <p:sldId id="296" r:id="rId9"/>
     <p:sldId id="297" r:id="rId10"/>
-    <p:sldId id="291" r:id="rId11"/>
+    <p:sldId id="270" r:id="rId11"/>
+    <p:sldId id="298" r:id="rId12"/>
+    <p:sldId id="299" r:id="rId13"/>
+    <p:sldId id="268" r:id="rId14"/>
+    <p:sldId id="291" r:id="rId15"/>
   </p:sldIdLst>
   <p:sldSz cx="12192000" cy="6858000"/>
   <p:notesSz cx="6858000" cy="9144000"/>
@@ -206,7 +210,7 @@
           <a:p>
             <a:fld id="{F805EFE1-B1B8-4F44-97F9-37144A5E80D2}" type="datetimeFigureOut">
               <a:rPr lang="zh-TW" altLang="en-US" smtClean="0"/>
-              <a:t>2022/6/19</a:t>
+              <a:t>2022/6/20</a:t>
             </a:fld>
             <a:endParaRPr lang="zh-TW" altLang="en-US"/>
           </a:p>
@@ -622,7 +626,7 @@
           <a:p>
             <a:fld id="{D3A5F196-08D5-4FB6-9C9E-5681ACAB0253}" type="slidenum">
               <a:rPr lang="zh-TW" altLang="en-US" smtClean="0"/>
-              <a:t>10</a:t>
+              <a:t>14</a:t>
             </a:fld>
             <a:endParaRPr lang="zh-TW" altLang="en-US"/>
           </a:p>
@@ -788,7 +792,7 @@
           <a:p>
             <a:fld id="{6EBC6C6C-30F8-4CE6-8913-54791322A3A7}" type="datetimeFigureOut">
               <a:rPr lang="zh-TW" altLang="en-US" smtClean="0"/>
-              <a:t>2022/6/19</a:t>
+              <a:t>2022/6/20</a:t>
             </a:fld>
             <a:endParaRPr lang="zh-TW" altLang="en-US"/>
           </a:p>
@@ -986,7 +990,7 @@
           <a:p>
             <a:fld id="{6EBC6C6C-30F8-4CE6-8913-54791322A3A7}" type="datetimeFigureOut">
               <a:rPr lang="zh-TW" altLang="en-US" smtClean="0"/>
-              <a:t>2022/6/19</a:t>
+              <a:t>2022/6/20</a:t>
             </a:fld>
             <a:endParaRPr lang="zh-TW" altLang="en-US"/>
           </a:p>
@@ -1194,7 +1198,7 @@
           <a:p>
             <a:fld id="{6EBC6C6C-30F8-4CE6-8913-54791322A3A7}" type="datetimeFigureOut">
               <a:rPr lang="zh-TW" altLang="en-US" smtClean="0"/>
-              <a:t>2022/6/19</a:t>
+              <a:t>2022/6/20</a:t>
             </a:fld>
             <a:endParaRPr lang="zh-TW" altLang="en-US"/>
           </a:p>
@@ -1392,7 +1396,7 @@
           <a:p>
             <a:fld id="{6EBC6C6C-30F8-4CE6-8913-54791322A3A7}" type="datetimeFigureOut">
               <a:rPr lang="zh-TW" altLang="en-US" smtClean="0"/>
-              <a:t>2022/6/19</a:t>
+              <a:t>2022/6/20</a:t>
             </a:fld>
             <a:endParaRPr lang="zh-TW" altLang="en-US"/>
           </a:p>
@@ -1667,7 +1671,7 @@
           <a:p>
             <a:fld id="{6EBC6C6C-30F8-4CE6-8913-54791322A3A7}" type="datetimeFigureOut">
               <a:rPr lang="zh-TW" altLang="en-US" smtClean="0"/>
-              <a:t>2022/6/19</a:t>
+              <a:t>2022/6/20</a:t>
             </a:fld>
             <a:endParaRPr lang="zh-TW" altLang="en-US"/>
           </a:p>
@@ -1932,7 +1936,7 @@
           <a:p>
             <a:fld id="{6EBC6C6C-30F8-4CE6-8913-54791322A3A7}" type="datetimeFigureOut">
               <a:rPr lang="zh-TW" altLang="en-US" smtClean="0"/>
-              <a:t>2022/6/19</a:t>
+              <a:t>2022/6/20</a:t>
             </a:fld>
             <a:endParaRPr lang="zh-TW" altLang="en-US"/>
           </a:p>
@@ -2344,7 +2348,7 @@
           <a:p>
             <a:fld id="{6EBC6C6C-30F8-4CE6-8913-54791322A3A7}" type="datetimeFigureOut">
               <a:rPr lang="zh-TW" altLang="en-US" smtClean="0"/>
-              <a:t>2022/6/19</a:t>
+              <a:t>2022/6/20</a:t>
             </a:fld>
             <a:endParaRPr lang="zh-TW" altLang="en-US"/>
           </a:p>
@@ -2485,7 +2489,7 @@
           <a:p>
             <a:fld id="{6EBC6C6C-30F8-4CE6-8913-54791322A3A7}" type="datetimeFigureOut">
               <a:rPr lang="zh-TW" altLang="en-US" smtClean="0"/>
-              <a:t>2022/6/19</a:t>
+              <a:t>2022/6/20</a:t>
             </a:fld>
             <a:endParaRPr lang="zh-TW" altLang="en-US"/>
           </a:p>
@@ -2598,7 +2602,7 @@
           <a:p>
             <a:fld id="{6EBC6C6C-30F8-4CE6-8913-54791322A3A7}" type="datetimeFigureOut">
               <a:rPr lang="zh-TW" altLang="en-US" smtClean="0"/>
-              <a:t>2022/6/19</a:t>
+              <a:t>2022/6/20</a:t>
             </a:fld>
             <a:endParaRPr lang="zh-TW" altLang="en-US"/>
           </a:p>
@@ -2909,7 +2913,7 @@
           <a:p>
             <a:fld id="{6EBC6C6C-30F8-4CE6-8913-54791322A3A7}" type="datetimeFigureOut">
               <a:rPr lang="zh-TW" altLang="en-US" smtClean="0"/>
-              <a:t>2022/6/19</a:t>
+              <a:t>2022/6/20</a:t>
             </a:fld>
             <a:endParaRPr lang="zh-TW" altLang="en-US"/>
           </a:p>
@@ -3197,7 +3201,7 @@
           <a:p>
             <a:fld id="{6EBC6C6C-30F8-4CE6-8913-54791322A3A7}" type="datetimeFigureOut">
               <a:rPr lang="zh-TW" altLang="en-US" smtClean="0"/>
-              <a:t>2022/6/19</a:t>
+              <a:t>2022/6/20</a:t>
             </a:fld>
             <a:endParaRPr lang="zh-TW" altLang="en-US"/>
           </a:p>
@@ -3438,7 +3442,7 @@
           <a:p>
             <a:fld id="{6EBC6C6C-30F8-4CE6-8913-54791322A3A7}" type="datetimeFigureOut">
               <a:rPr lang="zh-TW" altLang="en-US" smtClean="0"/>
-              <a:t>2022/6/19</a:t>
+              <a:t>2022/6/20</a:t>
             </a:fld>
             <a:endParaRPr lang="zh-TW" altLang="en-US"/>
           </a:p>
@@ -4312,6 +4316,3776 @@
       </p:grpSpPr>
       <p:pic>
         <p:nvPicPr>
+          <p:cNvPr id="231" name="圖片 230" descr="一張含有 廚具, 刷子 的圖片&#10;&#10;自動產生的描述">
+            <a:extLst>
+              <a:ext uri="{FF2B5EF4-FFF2-40B4-BE49-F238E27FC236}">
+                <a16:creationId xmlns:a16="http://schemas.microsoft.com/office/drawing/2014/main" id="{03CC1853-0729-381A-1FEB-B8ECD6C44174}"/>
+              </a:ext>
+            </a:extLst>
+          </p:cNvPr>
+          <p:cNvPicPr>
+            <a:picLocks noChangeAspect="1"/>
+          </p:cNvPicPr>
+          <p:nvPr/>
+        </p:nvPicPr>
+        <p:blipFill>
+          <a:blip r:embed="rId2">
+            <a:alphaModFix amt="10000"/>
+            <a:extLst>
+              <a:ext uri="{28A0092B-C50C-407E-A947-70E740481C1C}">
+                <a14:useLocalDpi xmlns:a14="http://schemas.microsoft.com/office/drawing/2010/main" val="0"/>
+              </a:ext>
+            </a:extLst>
+          </a:blip>
+          <a:stretch>
+            <a:fillRect/>
+          </a:stretch>
+        </p:blipFill>
+        <p:spPr>
+          <a:xfrm>
+            <a:off x="374017" y="271518"/>
+            <a:ext cx="11443966" cy="6314963"/>
+          </a:xfrm>
+          <a:prstGeom prst="rect">
+            <a:avLst/>
+          </a:prstGeom>
+        </p:spPr>
+      </p:pic>
+      <p:sp>
+        <p:nvSpPr>
+          <p:cNvPr id="2" name="標題 1">
+            <a:extLst>
+              <a:ext uri="{FF2B5EF4-FFF2-40B4-BE49-F238E27FC236}">
+                <a16:creationId xmlns:a16="http://schemas.microsoft.com/office/drawing/2014/main" id="{0E390A05-6707-49AE-B272-8F1AC9AA2DD6}"/>
+              </a:ext>
+            </a:extLst>
+          </p:cNvPr>
+          <p:cNvSpPr>
+            <a:spLocks noGrp="1"/>
+          </p:cNvSpPr>
+          <p:nvPr>
+            <p:ph type="title"/>
+          </p:nvPr>
+        </p:nvSpPr>
+        <p:spPr>
+          <a:xfrm>
+            <a:off x="1636761" y="365125"/>
+            <a:ext cx="10299515" cy="1325563"/>
+          </a:xfrm>
+          <a:ln w="28575">
+            <a:solidFill>
+              <a:schemeClr val="tx1"/>
+            </a:solidFill>
+          </a:ln>
+        </p:spPr>
+        <p:txBody>
+          <a:bodyPr/>
+          <a:lstStyle/>
+          <a:p>
+            <a:pPr algn="ctr"/>
+            <a:r>
+              <a:rPr lang="en-US" altLang="zh-TW" dirty="0">
+                <a:latin typeface="微軟正黑體" panose="020B0604030504040204" pitchFamily="34" charset="-120"/>
+                <a:ea typeface="微軟正黑體" panose="020B0604030504040204" pitchFamily="34" charset="-120"/>
+              </a:rPr>
+              <a:t>2.8 </a:t>
+            </a:r>
+            <a:r>
+              <a:rPr lang="zh-TW" altLang="en-US" dirty="0">
+                <a:latin typeface="微軟正黑體" panose="020B0604030504040204" pitchFamily="34" charset="-120"/>
+                <a:ea typeface="微軟正黑體" panose="020B0604030504040204" pitchFamily="34" charset="-120"/>
+              </a:rPr>
+              <a:t>梯度拉霸機演算法</a:t>
+            </a:r>
+          </a:p>
+        </p:txBody>
+      </p:sp>
+      <mc:AlternateContent xmlns:mc="http://schemas.openxmlformats.org/markup-compatibility/2006">
+        <mc:Choice xmlns:a14="http://schemas.microsoft.com/office/drawing/2010/main" Requires="a14">
+          <p:sp>
+            <p:nvSpPr>
+              <p:cNvPr id="3" name="內容版面配置區 2">
+                <a:extLst>
+                  <a:ext uri="{FF2B5EF4-FFF2-40B4-BE49-F238E27FC236}">
+                    <a16:creationId xmlns:a16="http://schemas.microsoft.com/office/drawing/2014/main" id="{974E1A0F-B7E4-4DF8-B559-6D4D1908F332}"/>
+                  </a:ext>
+                </a:extLst>
+              </p:cNvPr>
+              <p:cNvSpPr>
+                <a:spLocks noGrp="1"/>
+              </p:cNvSpPr>
+              <p:nvPr>
+                <p:ph idx="1"/>
+              </p:nvPr>
+            </p:nvSpPr>
+            <p:spPr>
+              <a:xfrm>
+                <a:off x="1636762" y="1825625"/>
+                <a:ext cx="10299514" cy="4863206"/>
+              </a:xfrm>
+              <a:ln w="28575">
+                <a:solidFill>
+                  <a:schemeClr val="tx1"/>
+                </a:solidFill>
+              </a:ln>
+            </p:spPr>
+            <p:txBody>
+              <a:bodyPr/>
+              <a:lstStyle/>
+              <a:p>
+                <a:pPr marL="0" indent="0" algn="ctr">
+                  <a:lnSpc>
+                    <a:spcPct val="200000"/>
+                  </a:lnSpc>
+                  <a:buNone/>
+                </a:pPr>
+                <a14:m>
+                  <m:oMath xmlns:m="http://schemas.openxmlformats.org/officeDocument/2006/math">
+                    <m:func>
+                      <m:funcPr>
+                        <m:ctrlPr>
+                          <a:rPr lang="en-US" altLang="zh-TW" b="0" i="1" smtClean="0">
+                            <a:latin typeface="Cambria Math" panose="02040503050406030204" pitchFamily="18" charset="0"/>
+                            <a:ea typeface="微軟正黑體" panose="020B0604030504040204" pitchFamily="34" charset="-120"/>
+                          </a:rPr>
+                        </m:ctrlPr>
+                      </m:funcPr>
+                      <m:fName>
+                        <m:r>
+                          <m:rPr>
+                            <m:sty m:val="p"/>
+                          </m:rPr>
+                          <a:rPr lang="en-US" altLang="zh-TW" b="0" i="0" smtClean="0">
+                            <a:latin typeface="Cambria Math" panose="02040503050406030204" pitchFamily="18" charset="0"/>
+                            <a:ea typeface="微軟正黑體" panose="020B0604030504040204" pitchFamily="34" charset="-120"/>
+                          </a:rPr>
+                          <m:t>Pr</m:t>
+                        </m:r>
+                      </m:fName>
+                      <m:e>
+                        <m:d>
+                          <m:dPr>
+                            <m:begChr m:val="{"/>
+                            <m:endChr m:val="}"/>
+                            <m:ctrlPr>
+                              <a:rPr lang="en-US" altLang="zh-TW" b="0" i="1" smtClean="0">
+                                <a:latin typeface="Cambria Math" panose="02040503050406030204" pitchFamily="18" charset="0"/>
+                                <a:ea typeface="微軟正黑體" panose="020B0604030504040204" pitchFamily="34" charset="-120"/>
+                              </a:rPr>
+                            </m:ctrlPr>
+                          </m:dPr>
+                          <m:e>
+                            <m:sSub>
+                              <m:sSubPr>
+                                <m:ctrlPr>
+                                  <a:rPr lang="en-US" altLang="zh-TW" b="0" i="1" smtClean="0">
+                                    <a:latin typeface="Cambria Math" panose="02040503050406030204" pitchFamily="18" charset="0"/>
+                                    <a:ea typeface="微軟正黑體" panose="020B0604030504040204" pitchFamily="34" charset="-120"/>
+                                  </a:rPr>
+                                </m:ctrlPr>
+                              </m:sSubPr>
+                              <m:e>
+                                <m:r>
+                                  <a:rPr lang="en-US" altLang="zh-TW" b="0" i="1" smtClean="0">
+                                    <a:latin typeface="Cambria Math" panose="02040503050406030204" pitchFamily="18" charset="0"/>
+                                    <a:ea typeface="微軟正黑體" panose="020B0604030504040204" pitchFamily="34" charset="-120"/>
+                                  </a:rPr>
+                                  <m:t>𝐴</m:t>
+                                </m:r>
+                              </m:e>
+                              <m:sub>
+                                <m:r>
+                                  <a:rPr lang="en-US" altLang="zh-TW" b="0" i="1" smtClean="0">
+                                    <a:latin typeface="Cambria Math" panose="02040503050406030204" pitchFamily="18" charset="0"/>
+                                    <a:ea typeface="微軟正黑體" panose="020B0604030504040204" pitchFamily="34" charset="-120"/>
+                                  </a:rPr>
+                                  <m:t>𝑡</m:t>
+                                </m:r>
+                              </m:sub>
+                            </m:sSub>
+                            <m:r>
+                              <a:rPr lang="en-US" altLang="zh-TW" b="0" i="1" smtClean="0">
+                                <a:latin typeface="Cambria Math" panose="02040503050406030204" pitchFamily="18" charset="0"/>
+                                <a:ea typeface="微軟正黑體" panose="020B0604030504040204" pitchFamily="34" charset="-120"/>
+                              </a:rPr>
+                              <m:t>=</m:t>
+                            </m:r>
+                            <m:r>
+                              <a:rPr lang="en-US" altLang="zh-TW" b="0" i="1" smtClean="0">
+                                <a:latin typeface="Cambria Math" panose="02040503050406030204" pitchFamily="18" charset="0"/>
+                                <a:ea typeface="微軟正黑體" panose="020B0604030504040204" pitchFamily="34" charset="-120"/>
+                              </a:rPr>
+                              <m:t>𝑎</m:t>
+                            </m:r>
+                          </m:e>
+                        </m:d>
+                      </m:e>
+                    </m:func>
+                    <m:r>
+                      <a:rPr lang="en-US" altLang="zh-TW" b="0" i="1" smtClean="0">
+                        <a:latin typeface="Cambria Math" panose="02040503050406030204" pitchFamily="18" charset="0"/>
+                        <a:ea typeface="微軟正黑體" panose="020B0604030504040204" pitchFamily="34" charset="-120"/>
+                      </a:rPr>
+                      <m:t>≝</m:t>
+                    </m:r>
+                    <m:f>
+                      <m:fPr>
+                        <m:ctrlPr>
+                          <a:rPr lang="en-US" altLang="zh-TW" b="0" i="1" smtClean="0">
+                            <a:latin typeface="Cambria Math" panose="02040503050406030204" pitchFamily="18" charset="0"/>
+                            <a:ea typeface="微軟正黑體" panose="020B0604030504040204" pitchFamily="34" charset="-120"/>
+                          </a:rPr>
+                        </m:ctrlPr>
+                      </m:fPr>
+                      <m:num>
+                        <m:sSup>
+                          <m:sSupPr>
+                            <m:ctrlPr>
+                              <a:rPr lang="en-US" altLang="zh-TW" b="0" i="1" smtClean="0">
+                                <a:latin typeface="Cambria Math" panose="02040503050406030204" pitchFamily="18" charset="0"/>
+                                <a:ea typeface="微軟正黑體" panose="020B0604030504040204" pitchFamily="34" charset="-120"/>
+                              </a:rPr>
+                            </m:ctrlPr>
+                          </m:sSupPr>
+                          <m:e>
+                            <m:r>
+                              <a:rPr lang="en-US" altLang="zh-TW" b="0" i="1" smtClean="0">
+                                <a:latin typeface="Cambria Math" panose="02040503050406030204" pitchFamily="18" charset="0"/>
+                                <a:ea typeface="微軟正黑體" panose="020B0604030504040204" pitchFamily="34" charset="-120"/>
+                              </a:rPr>
+                              <m:t>𝑒</m:t>
+                            </m:r>
+                          </m:e>
+                          <m:sup>
+                            <m:sSub>
+                              <m:sSubPr>
+                                <m:ctrlPr>
+                                  <a:rPr lang="en-US" altLang="zh-TW" i="1" smtClean="0">
+                                    <a:latin typeface="Cambria Math" panose="02040503050406030204" pitchFamily="18" charset="0"/>
+                                  </a:rPr>
+                                </m:ctrlPr>
+                              </m:sSubPr>
+                              <m:e>
+                                <m:r>
+                                  <a:rPr lang="en-US" altLang="zh-TW" b="0" i="1" smtClean="0">
+                                    <a:latin typeface="Cambria Math" panose="02040503050406030204" pitchFamily="18" charset="0"/>
+                                  </a:rPr>
+                                  <m:t>𝐻</m:t>
+                                </m:r>
+                              </m:e>
+                              <m:sub>
+                                <m:r>
+                                  <a:rPr lang="en-US" altLang="zh-TW" b="0" i="1" smtClean="0">
+                                    <a:latin typeface="Cambria Math" panose="02040503050406030204" pitchFamily="18" charset="0"/>
+                                  </a:rPr>
+                                  <m:t>𝑡</m:t>
+                                </m:r>
+                              </m:sub>
+                            </m:sSub>
+                            <m:d>
+                              <m:dPr>
+                                <m:ctrlPr>
+                                  <a:rPr lang="en-US" altLang="zh-TW" b="0" i="1" smtClean="0">
+                                    <a:latin typeface="Cambria Math" panose="02040503050406030204" pitchFamily="18" charset="0"/>
+                                  </a:rPr>
+                                </m:ctrlPr>
+                              </m:dPr>
+                              <m:e>
+                                <m:r>
+                                  <a:rPr lang="en-US" altLang="zh-TW" b="0" i="1" smtClean="0">
+                                    <a:latin typeface="Cambria Math" panose="02040503050406030204" pitchFamily="18" charset="0"/>
+                                  </a:rPr>
+                                  <m:t>𝑎</m:t>
+                                </m:r>
+                              </m:e>
+                            </m:d>
+                          </m:sup>
+                        </m:sSup>
+                      </m:num>
+                      <m:den>
+                        <m:nary>
+                          <m:naryPr>
+                            <m:chr m:val="∑"/>
+                            <m:ctrlPr>
+                              <a:rPr lang="en-US" altLang="zh-TW" b="0" i="1" smtClean="0">
+                                <a:latin typeface="Cambria Math" panose="02040503050406030204" pitchFamily="18" charset="0"/>
+                                <a:ea typeface="微軟正黑體" panose="020B0604030504040204" pitchFamily="34" charset="-120"/>
+                              </a:rPr>
+                            </m:ctrlPr>
+                          </m:naryPr>
+                          <m:sub>
+                            <m:r>
+                              <m:rPr>
+                                <m:brk m:alnAt="23"/>
+                              </m:rPr>
+                              <a:rPr lang="en-US" altLang="zh-TW" b="0" i="1" smtClean="0">
+                                <a:latin typeface="Cambria Math" panose="02040503050406030204" pitchFamily="18" charset="0"/>
+                                <a:ea typeface="微軟正黑體" panose="020B0604030504040204" pitchFamily="34" charset="-120"/>
+                              </a:rPr>
+                              <m:t>𝑏</m:t>
+                            </m:r>
+                            <m:r>
+                              <a:rPr lang="en-US" altLang="zh-TW" b="0" i="1" smtClean="0">
+                                <a:latin typeface="Cambria Math" panose="02040503050406030204" pitchFamily="18" charset="0"/>
+                                <a:ea typeface="微軟正黑體" panose="020B0604030504040204" pitchFamily="34" charset="-120"/>
+                              </a:rPr>
+                              <m:t>=1</m:t>
+                            </m:r>
+                          </m:sub>
+                          <m:sup>
+                            <m:r>
+                              <a:rPr lang="en-US" altLang="zh-TW" b="0" i="1" smtClean="0">
+                                <a:latin typeface="Cambria Math" panose="02040503050406030204" pitchFamily="18" charset="0"/>
+                                <a:ea typeface="微軟正黑體" panose="020B0604030504040204" pitchFamily="34" charset="-120"/>
+                              </a:rPr>
+                              <m:t>𝑘</m:t>
+                            </m:r>
+                          </m:sup>
+                          <m:e>
+                            <m:sSup>
+                              <m:sSupPr>
+                                <m:ctrlPr>
+                                  <a:rPr lang="en-US" altLang="zh-TW" b="0" i="1" smtClean="0">
+                                    <a:latin typeface="Cambria Math" panose="02040503050406030204" pitchFamily="18" charset="0"/>
+                                    <a:ea typeface="微軟正黑體" panose="020B0604030504040204" pitchFamily="34" charset="-120"/>
+                                  </a:rPr>
+                                </m:ctrlPr>
+                              </m:sSupPr>
+                              <m:e>
+                                <m:r>
+                                  <a:rPr lang="en-US" altLang="zh-TW" b="0" i="1" smtClean="0">
+                                    <a:latin typeface="Cambria Math" panose="02040503050406030204" pitchFamily="18" charset="0"/>
+                                    <a:ea typeface="微軟正黑體" panose="020B0604030504040204" pitchFamily="34" charset="-120"/>
+                                  </a:rPr>
+                                  <m:t>𝑒</m:t>
+                                </m:r>
+                              </m:e>
+                              <m:sup>
+                                <m:sSub>
+                                  <m:sSubPr>
+                                    <m:ctrlPr>
+                                      <a:rPr lang="en-US" altLang="zh-TW" b="0" i="1" smtClean="0">
+                                        <a:latin typeface="Cambria Math" panose="02040503050406030204" pitchFamily="18" charset="0"/>
+                                        <a:ea typeface="微軟正黑體" panose="020B0604030504040204" pitchFamily="34" charset="-120"/>
+                                      </a:rPr>
+                                    </m:ctrlPr>
+                                  </m:sSubPr>
+                                  <m:e>
+                                    <m:r>
+                                      <a:rPr lang="en-US" altLang="zh-TW" b="0" i="1" smtClean="0">
+                                        <a:latin typeface="Cambria Math" panose="02040503050406030204" pitchFamily="18" charset="0"/>
+                                        <a:ea typeface="微軟正黑體" panose="020B0604030504040204" pitchFamily="34" charset="-120"/>
+                                      </a:rPr>
+                                      <m:t>𝐻</m:t>
+                                    </m:r>
+                                  </m:e>
+                                  <m:sub>
+                                    <m:r>
+                                      <a:rPr lang="en-US" altLang="zh-TW" b="0" i="1" smtClean="0">
+                                        <a:latin typeface="Cambria Math" panose="02040503050406030204" pitchFamily="18" charset="0"/>
+                                        <a:ea typeface="微軟正黑體" panose="020B0604030504040204" pitchFamily="34" charset="-120"/>
+                                      </a:rPr>
+                                      <m:t>𝑡</m:t>
+                                    </m:r>
+                                  </m:sub>
+                                </m:sSub>
+                                <m:d>
+                                  <m:dPr>
+                                    <m:ctrlPr>
+                                      <a:rPr lang="en-US" altLang="zh-TW" b="0" i="1" smtClean="0">
+                                        <a:latin typeface="Cambria Math" panose="02040503050406030204" pitchFamily="18" charset="0"/>
+                                        <a:ea typeface="微軟正黑體" panose="020B0604030504040204" pitchFamily="34" charset="-120"/>
+                                      </a:rPr>
+                                    </m:ctrlPr>
+                                  </m:dPr>
+                                  <m:e>
+                                    <m:r>
+                                      <a:rPr lang="en-US" altLang="zh-TW" b="0" i="1" smtClean="0">
+                                        <a:latin typeface="Cambria Math" panose="02040503050406030204" pitchFamily="18" charset="0"/>
+                                        <a:ea typeface="微軟正黑體" panose="020B0604030504040204" pitchFamily="34" charset="-120"/>
+                                      </a:rPr>
+                                      <m:t>𝑏</m:t>
+                                    </m:r>
+                                  </m:e>
+                                </m:d>
+                              </m:sup>
+                            </m:sSup>
+                          </m:e>
+                        </m:nary>
+                      </m:den>
+                    </m:f>
+                    <m:r>
+                      <a:rPr lang="en-US" altLang="zh-TW" b="0" i="1" smtClean="0">
+                        <a:latin typeface="Cambria Math" panose="02040503050406030204" pitchFamily="18" charset="0"/>
+                        <a:ea typeface="微軟正黑體" panose="020B0604030504040204" pitchFamily="34" charset="-120"/>
+                      </a:rPr>
+                      <m:t>=</m:t>
+                    </m:r>
+                    <m:sSub>
+                      <m:sSubPr>
+                        <m:ctrlPr>
+                          <a:rPr lang="en-US" altLang="zh-TW" b="0" i="1" smtClean="0">
+                            <a:latin typeface="Cambria Math" panose="02040503050406030204" pitchFamily="18" charset="0"/>
+                            <a:ea typeface="微軟正黑體" panose="020B0604030504040204" pitchFamily="34" charset="-120"/>
+                          </a:rPr>
+                        </m:ctrlPr>
+                      </m:sSubPr>
+                      <m:e>
+                        <m:r>
+                          <a:rPr lang="zh-TW" altLang="en-US" b="0" i="1" smtClean="0">
+                            <a:latin typeface="Cambria Math" panose="02040503050406030204" pitchFamily="18" charset="0"/>
+                            <a:ea typeface="微軟正黑體" panose="020B0604030504040204" pitchFamily="34" charset="-120"/>
+                          </a:rPr>
+                          <m:t>𝜋</m:t>
+                        </m:r>
+                      </m:e>
+                      <m:sub>
+                        <m:r>
+                          <a:rPr lang="en-US" altLang="zh-TW" b="0" i="1" smtClean="0">
+                            <a:latin typeface="Cambria Math" panose="02040503050406030204" pitchFamily="18" charset="0"/>
+                            <a:ea typeface="微軟正黑體" panose="020B0604030504040204" pitchFamily="34" charset="-120"/>
+                          </a:rPr>
+                          <m:t>𝑡</m:t>
+                        </m:r>
+                      </m:sub>
+                    </m:sSub>
+                    <m:r>
+                      <a:rPr lang="en-US" altLang="zh-TW" b="0" i="1" smtClean="0">
+                        <a:latin typeface="Cambria Math" panose="02040503050406030204" pitchFamily="18" charset="0"/>
+                        <a:ea typeface="微軟正黑體" panose="020B0604030504040204" pitchFamily="34" charset="-120"/>
+                      </a:rPr>
+                      <m:t>(</m:t>
+                    </m:r>
+                    <m:r>
+                      <a:rPr lang="en-US" altLang="zh-TW" b="0" i="1" smtClean="0">
+                        <a:latin typeface="Cambria Math" panose="02040503050406030204" pitchFamily="18" charset="0"/>
+                        <a:ea typeface="微軟正黑體" panose="020B0604030504040204" pitchFamily="34" charset="-120"/>
+                      </a:rPr>
+                      <m:t>𝑎</m:t>
+                    </m:r>
+                    <m:r>
+                      <a:rPr lang="en-US" altLang="zh-TW" b="0" i="1" smtClean="0">
+                        <a:latin typeface="Cambria Math" panose="02040503050406030204" pitchFamily="18" charset="0"/>
+                        <a:ea typeface="微軟正黑體" panose="020B0604030504040204" pitchFamily="34" charset="-120"/>
+                      </a:rPr>
+                      <m:t>)</m:t>
+                    </m:r>
+                  </m:oMath>
+                </a14:m>
+                <a:r>
+                  <a:rPr lang="en-US" altLang="zh-TW" dirty="0">
+                    <a:latin typeface="微軟正黑體" panose="020B0604030504040204" pitchFamily="34" charset="-120"/>
+                    <a:ea typeface="微軟正黑體" panose="020B0604030504040204" pitchFamily="34" charset="-120"/>
+                  </a:rPr>
+                  <a:t> </a:t>
+                </a:r>
+                <a:r>
+                  <a:rPr lang="en-US" altLang="zh-TW" dirty="0">
+                    <a:latin typeface="微軟正黑體" panose="020B0604030504040204" pitchFamily="34" charset="-120"/>
+                    <a:ea typeface="微軟正黑體" panose="020B0604030504040204" pitchFamily="34" charset="-120"/>
+                    <a:sym typeface="Wingdings" panose="05000000000000000000" pitchFamily="2" charset="2"/>
+                  </a:rPr>
+                  <a:t></a:t>
+                </a:r>
+                <a:r>
+                  <a:rPr lang="zh-TW" altLang="en-US" dirty="0">
+                    <a:latin typeface="微軟正黑體" panose="020B0604030504040204" pitchFamily="34" charset="-120"/>
+                    <a:ea typeface="微軟正黑體" panose="020B0604030504040204" pitchFamily="34" charset="-120"/>
+                    <a:sym typeface="Wingdings" panose="05000000000000000000" pitchFamily="2" charset="2"/>
+                  </a:rPr>
+                  <a:t> </a:t>
+                </a:r>
+                <a:r>
+                  <a:rPr lang="en-US" altLang="zh-TW" dirty="0">
+                    <a:latin typeface="微軟正黑體" panose="020B0604030504040204" pitchFamily="34" charset="-120"/>
+                    <a:ea typeface="微軟正黑體" panose="020B0604030504040204" pitchFamily="34" charset="-120"/>
+                    <a:sym typeface="Wingdings" panose="05000000000000000000" pitchFamily="2" charset="2"/>
+                  </a:rPr>
+                  <a:t>soft-max distribution</a:t>
+                </a:r>
+              </a:p>
+              <a:p>
+                <a:pPr marL="0" indent="0" algn="ctr">
+                  <a:lnSpc>
+                    <a:spcPct val="200000"/>
+                  </a:lnSpc>
+                  <a:buNone/>
+                </a:pPr>
+                <a:r>
+                  <a:rPr lang="zh-TW" altLang="en-US" dirty="0">
+                    <a:latin typeface="微軟正黑體" panose="020B0604030504040204" pitchFamily="34" charset="-120"/>
+                    <a:ea typeface="微軟正黑體" panose="020B0604030504040204" pitchFamily="34" charset="-120"/>
+                    <a:sym typeface="Wingdings" panose="05000000000000000000" pitchFamily="2" charset="2"/>
+                  </a:rPr>
+                  <a:t>基於隨機梯度的概念進行動作價值的更新</a:t>
+                </a:r>
+                <a:endParaRPr lang="en-US" altLang="zh-TW" dirty="0">
+                  <a:latin typeface="微軟正黑體" panose="020B0604030504040204" pitchFamily="34" charset="-120"/>
+                  <a:ea typeface="微軟正黑體" panose="020B0604030504040204" pitchFamily="34" charset="-120"/>
+                  <a:sym typeface="Wingdings" panose="05000000000000000000" pitchFamily="2" charset="2"/>
+                </a:endParaRPr>
+              </a:p>
+              <a:p>
+                <a:pPr marL="0" indent="0" algn="ctr">
+                  <a:lnSpc>
+                    <a:spcPct val="200000"/>
+                  </a:lnSpc>
+                  <a:buNone/>
+                </a:pPr>
+                <a14:m>
+                  <m:oMath xmlns:m="http://schemas.openxmlformats.org/officeDocument/2006/math">
+                    <m:sSub>
+                      <m:sSubPr>
+                        <m:ctrlPr>
+                          <a:rPr lang="en-US" altLang="zh-TW" i="1" smtClean="0">
+                            <a:latin typeface="Cambria Math" panose="02040503050406030204" pitchFamily="18" charset="0"/>
+                            <a:ea typeface="微軟正黑體" panose="020B0604030504040204" pitchFamily="34" charset="-120"/>
+                            <a:sym typeface="Wingdings" panose="05000000000000000000" pitchFamily="2" charset="2"/>
+                          </a:rPr>
+                        </m:ctrlPr>
+                      </m:sSubPr>
+                      <m:e>
+                        <m:r>
+                          <a:rPr lang="en-US" altLang="zh-TW" b="0" i="1" smtClean="0">
+                            <a:latin typeface="Cambria Math" panose="02040503050406030204" pitchFamily="18" charset="0"/>
+                            <a:ea typeface="微軟正黑體" panose="020B0604030504040204" pitchFamily="34" charset="-120"/>
+                            <a:sym typeface="Wingdings" panose="05000000000000000000" pitchFamily="2" charset="2"/>
+                          </a:rPr>
+                          <m:t>𝐻</m:t>
+                        </m:r>
+                      </m:e>
+                      <m:sub>
+                        <m:r>
+                          <a:rPr lang="en-US" altLang="zh-TW" b="0" i="1" smtClean="0">
+                            <a:latin typeface="Cambria Math" panose="02040503050406030204" pitchFamily="18" charset="0"/>
+                            <a:ea typeface="微軟正黑體" panose="020B0604030504040204" pitchFamily="34" charset="-120"/>
+                            <a:sym typeface="Wingdings" panose="05000000000000000000" pitchFamily="2" charset="2"/>
+                          </a:rPr>
+                          <m:t>𝑡</m:t>
+                        </m:r>
+                        <m:r>
+                          <a:rPr lang="en-US" altLang="zh-TW" b="0" i="1" smtClean="0">
+                            <a:latin typeface="Cambria Math" panose="02040503050406030204" pitchFamily="18" charset="0"/>
+                            <a:ea typeface="微軟正黑體" panose="020B0604030504040204" pitchFamily="34" charset="-120"/>
+                            <a:sym typeface="Wingdings" panose="05000000000000000000" pitchFamily="2" charset="2"/>
+                          </a:rPr>
+                          <m:t>+1</m:t>
+                        </m:r>
+                      </m:sub>
+                    </m:sSub>
+                    <m:d>
+                      <m:dPr>
+                        <m:ctrlPr>
+                          <a:rPr lang="en-US" altLang="zh-TW" b="0" i="1" smtClean="0">
+                            <a:latin typeface="Cambria Math" panose="02040503050406030204" pitchFamily="18" charset="0"/>
+                            <a:ea typeface="微軟正黑體" panose="020B0604030504040204" pitchFamily="34" charset="-120"/>
+                            <a:sym typeface="Wingdings" panose="05000000000000000000" pitchFamily="2" charset="2"/>
+                          </a:rPr>
+                        </m:ctrlPr>
+                      </m:dPr>
+                      <m:e>
+                        <m:sSub>
+                          <m:sSubPr>
+                            <m:ctrlPr>
+                              <a:rPr lang="en-US" altLang="zh-TW" b="0" i="1" smtClean="0">
+                                <a:latin typeface="Cambria Math" panose="02040503050406030204" pitchFamily="18" charset="0"/>
+                                <a:ea typeface="微軟正黑體" panose="020B0604030504040204" pitchFamily="34" charset="-120"/>
+                                <a:sym typeface="Wingdings" panose="05000000000000000000" pitchFamily="2" charset="2"/>
+                              </a:rPr>
+                            </m:ctrlPr>
+                          </m:sSubPr>
+                          <m:e>
+                            <m:r>
+                              <a:rPr lang="en-US" altLang="zh-TW" b="0" i="1" smtClean="0">
+                                <a:latin typeface="Cambria Math" panose="02040503050406030204" pitchFamily="18" charset="0"/>
+                                <a:ea typeface="微軟正黑體" panose="020B0604030504040204" pitchFamily="34" charset="-120"/>
+                                <a:sym typeface="Wingdings" panose="05000000000000000000" pitchFamily="2" charset="2"/>
+                              </a:rPr>
+                              <m:t>𝐴</m:t>
+                            </m:r>
+                          </m:e>
+                          <m:sub>
+                            <m:r>
+                              <a:rPr lang="en-US" altLang="zh-TW" b="0" i="1" smtClean="0">
+                                <a:latin typeface="Cambria Math" panose="02040503050406030204" pitchFamily="18" charset="0"/>
+                                <a:ea typeface="微軟正黑體" panose="020B0604030504040204" pitchFamily="34" charset="-120"/>
+                                <a:sym typeface="Wingdings" panose="05000000000000000000" pitchFamily="2" charset="2"/>
+                              </a:rPr>
+                              <m:t>𝑡</m:t>
+                            </m:r>
+                          </m:sub>
+                        </m:sSub>
+                      </m:e>
+                    </m:d>
+                    <m:r>
+                      <a:rPr lang="en-US" altLang="zh-TW" b="0" i="1" smtClean="0">
+                        <a:latin typeface="Cambria Math" panose="02040503050406030204" pitchFamily="18" charset="0"/>
+                        <a:ea typeface="微軟正黑體" panose="020B0604030504040204" pitchFamily="34" charset="-120"/>
+                        <a:sym typeface="Wingdings" panose="05000000000000000000" pitchFamily="2" charset="2"/>
+                      </a:rPr>
+                      <m:t>=</m:t>
+                    </m:r>
+                    <m:sSub>
+                      <m:sSubPr>
+                        <m:ctrlPr>
+                          <a:rPr lang="en-US" altLang="zh-TW" b="0" i="1" smtClean="0">
+                            <a:latin typeface="Cambria Math" panose="02040503050406030204" pitchFamily="18" charset="0"/>
+                            <a:ea typeface="微軟正黑體" panose="020B0604030504040204" pitchFamily="34" charset="-120"/>
+                            <a:sym typeface="Wingdings" panose="05000000000000000000" pitchFamily="2" charset="2"/>
+                          </a:rPr>
+                        </m:ctrlPr>
+                      </m:sSubPr>
+                      <m:e>
+                        <m:r>
+                          <a:rPr lang="en-US" altLang="zh-TW" b="0" i="1" smtClean="0">
+                            <a:latin typeface="Cambria Math" panose="02040503050406030204" pitchFamily="18" charset="0"/>
+                            <a:ea typeface="微軟正黑體" panose="020B0604030504040204" pitchFamily="34" charset="-120"/>
+                            <a:sym typeface="Wingdings" panose="05000000000000000000" pitchFamily="2" charset="2"/>
+                          </a:rPr>
+                          <m:t>𝐻</m:t>
+                        </m:r>
+                      </m:e>
+                      <m:sub>
+                        <m:r>
+                          <a:rPr lang="en-US" altLang="zh-TW" b="0" i="1" smtClean="0">
+                            <a:latin typeface="Cambria Math" panose="02040503050406030204" pitchFamily="18" charset="0"/>
+                            <a:ea typeface="微軟正黑體" panose="020B0604030504040204" pitchFamily="34" charset="-120"/>
+                            <a:sym typeface="Wingdings" panose="05000000000000000000" pitchFamily="2" charset="2"/>
+                          </a:rPr>
+                          <m:t>𝑡</m:t>
+                        </m:r>
+                      </m:sub>
+                    </m:sSub>
+                    <m:d>
+                      <m:dPr>
+                        <m:ctrlPr>
+                          <a:rPr lang="en-US" altLang="zh-TW" b="0" i="1" smtClean="0">
+                            <a:latin typeface="Cambria Math" panose="02040503050406030204" pitchFamily="18" charset="0"/>
+                            <a:ea typeface="微軟正黑體" panose="020B0604030504040204" pitchFamily="34" charset="-120"/>
+                            <a:sym typeface="Wingdings" panose="05000000000000000000" pitchFamily="2" charset="2"/>
+                          </a:rPr>
+                        </m:ctrlPr>
+                      </m:dPr>
+                      <m:e>
+                        <m:sSub>
+                          <m:sSubPr>
+                            <m:ctrlPr>
+                              <a:rPr lang="en-US" altLang="zh-TW" b="0" i="1" smtClean="0">
+                                <a:latin typeface="Cambria Math" panose="02040503050406030204" pitchFamily="18" charset="0"/>
+                                <a:ea typeface="微軟正黑體" panose="020B0604030504040204" pitchFamily="34" charset="-120"/>
+                                <a:sym typeface="Wingdings" panose="05000000000000000000" pitchFamily="2" charset="2"/>
+                              </a:rPr>
+                            </m:ctrlPr>
+                          </m:sSubPr>
+                          <m:e>
+                            <m:r>
+                              <a:rPr lang="en-US" altLang="zh-TW" b="0" i="1" smtClean="0">
+                                <a:latin typeface="Cambria Math" panose="02040503050406030204" pitchFamily="18" charset="0"/>
+                                <a:ea typeface="微軟正黑體" panose="020B0604030504040204" pitchFamily="34" charset="-120"/>
+                                <a:sym typeface="Wingdings" panose="05000000000000000000" pitchFamily="2" charset="2"/>
+                              </a:rPr>
+                              <m:t>𝐴</m:t>
+                            </m:r>
+                          </m:e>
+                          <m:sub>
+                            <m:r>
+                              <a:rPr lang="en-US" altLang="zh-TW" b="0" i="1" smtClean="0">
+                                <a:latin typeface="Cambria Math" panose="02040503050406030204" pitchFamily="18" charset="0"/>
+                                <a:ea typeface="微軟正黑體" panose="020B0604030504040204" pitchFamily="34" charset="-120"/>
+                                <a:sym typeface="Wingdings" panose="05000000000000000000" pitchFamily="2" charset="2"/>
+                              </a:rPr>
+                              <m:t>𝑡</m:t>
+                            </m:r>
+                          </m:sub>
+                        </m:sSub>
+                      </m:e>
+                    </m:d>
+                    <m:r>
+                      <a:rPr lang="en-US" altLang="zh-TW" b="0" i="1" smtClean="0">
+                        <a:latin typeface="Cambria Math" panose="02040503050406030204" pitchFamily="18" charset="0"/>
+                        <a:ea typeface="微軟正黑體" panose="020B0604030504040204" pitchFamily="34" charset="-120"/>
+                        <a:sym typeface="Wingdings" panose="05000000000000000000" pitchFamily="2" charset="2"/>
+                      </a:rPr>
+                      <m:t>+</m:t>
+                    </m:r>
+                    <m:r>
+                      <a:rPr lang="en-US" altLang="zh-TW" b="0" i="1" smtClean="0">
+                        <a:latin typeface="Cambria Math" panose="02040503050406030204" pitchFamily="18" charset="0"/>
+                        <a:ea typeface="Cambria Math" panose="02040503050406030204" pitchFamily="18" charset="0"/>
+                        <a:sym typeface="Wingdings" panose="05000000000000000000" pitchFamily="2" charset="2"/>
+                      </a:rPr>
+                      <m:t>∝</m:t>
+                    </m:r>
+                    <m:d>
+                      <m:dPr>
+                        <m:ctrlPr>
+                          <a:rPr lang="en-US" altLang="zh-TW" b="0" i="1" smtClean="0">
+                            <a:latin typeface="Cambria Math" panose="02040503050406030204" pitchFamily="18" charset="0"/>
+                            <a:ea typeface="Cambria Math" panose="02040503050406030204" pitchFamily="18" charset="0"/>
+                            <a:sym typeface="Wingdings" panose="05000000000000000000" pitchFamily="2" charset="2"/>
+                          </a:rPr>
+                        </m:ctrlPr>
+                      </m:dPr>
+                      <m:e>
+                        <m:sSub>
+                          <m:sSubPr>
+                            <m:ctrlPr>
+                              <a:rPr lang="en-US" altLang="zh-TW" b="0" i="1" smtClean="0">
+                                <a:latin typeface="Cambria Math" panose="02040503050406030204" pitchFamily="18" charset="0"/>
+                                <a:ea typeface="Cambria Math" panose="02040503050406030204" pitchFamily="18" charset="0"/>
+                                <a:sym typeface="Wingdings" panose="05000000000000000000" pitchFamily="2" charset="2"/>
+                              </a:rPr>
+                            </m:ctrlPr>
+                          </m:sSubPr>
+                          <m:e>
+                            <m:r>
+                              <a:rPr lang="en-US" altLang="zh-TW" b="0" i="1" smtClean="0">
+                                <a:latin typeface="Cambria Math" panose="02040503050406030204" pitchFamily="18" charset="0"/>
+                                <a:ea typeface="Cambria Math" panose="02040503050406030204" pitchFamily="18" charset="0"/>
+                                <a:sym typeface="Wingdings" panose="05000000000000000000" pitchFamily="2" charset="2"/>
+                              </a:rPr>
+                              <m:t>𝑅</m:t>
+                            </m:r>
+                          </m:e>
+                          <m:sub>
+                            <m:r>
+                              <a:rPr lang="en-US" altLang="zh-TW" b="0" i="1" smtClean="0">
+                                <a:latin typeface="Cambria Math" panose="02040503050406030204" pitchFamily="18" charset="0"/>
+                                <a:ea typeface="Cambria Math" panose="02040503050406030204" pitchFamily="18" charset="0"/>
+                                <a:sym typeface="Wingdings" panose="05000000000000000000" pitchFamily="2" charset="2"/>
+                              </a:rPr>
+                              <m:t>𝑡</m:t>
+                            </m:r>
+                          </m:sub>
+                        </m:sSub>
+                        <m:r>
+                          <a:rPr lang="en-US" altLang="zh-TW" b="0" i="1" smtClean="0">
+                            <a:latin typeface="Cambria Math" panose="02040503050406030204" pitchFamily="18" charset="0"/>
+                            <a:ea typeface="Cambria Math" panose="02040503050406030204" pitchFamily="18" charset="0"/>
+                            <a:sym typeface="Wingdings" panose="05000000000000000000" pitchFamily="2" charset="2"/>
+                          </a:rPr>
+                          <m:t>−</m:t>
+                        </m:r>
+                        <m:sSub>
+                          <m:sSubPr>
+                            <m:ctrlPr>
+                              <a:rPr lang="en-US" altLang="zh-TW" b="0" i="1" smtClean="0">
+                                <a:latin typeface="Cambria Math" panose="02040503050406030204" pitchFamily="18" charset="0"/>
+                                <a:ea typeface="Cambria Math" panose="02040503050406030204" pitchFamily="18" charset="0"/>
+                                <a:sym typeface="Wingdings" panose="05000000000000000000" pitchFamily="2" charset="2"/>
+                              </a:rPr>
+                            </m:ctrlPr>
+                          </m:sSubPr>
+                          <m:e>
+                            <m:acc>
+                              <m:accPr>
+                                <m:chr m:val="̅"/>
+                                <m:ctrlPr>
+                                  <a:rPr lang="en-US" altLang="zh-TW" b="0" i="1" smtClean="0">
+                                    <a:solidFill>
+                                      <a:srgbClr val="836967"/>
+                                    </a:solidFill>
+                                    <a:latin typeface="Cambria Math" panose="02040503050406030204" pitchFamily="18" charset="0"/>
+                                    <a:ea typeface="Cambria Math" panose="02040503050406030204" pitchFamily="18" charset="0"/>
+                                    <a:sym typeface="Wingdings" panose="05000000000000000000" pitchFamily="2" charset="2"/>
+                                  </a:rPr>
+                                </m:ctrlPr>
+                              </m:accPr>
+                              <m:e>
+                                <m:r>
+                                  <a:rPr lang="en-US" altLang="zh-TW" b="0" i="1" smtClean="0">
+                                    <a:latin typeface="Cambria Math" panose="02040503050406030204" pitchFamily="18" charset="0"/>
+                                    <a:ea typeface="Cambria Math" panose="02040503050406030204" pitchFamily="18" charset="0"/>
+                                    <a:sym typeface="Wingdings" panose="05000000000000000000" pitchFamily="2" charset="2"/>
+                                  </a:rPr>
+                                  <m:t>𝑅</m:t>
+                                </m:r>
+                              </m:e>
+                            </m:acc>
+                          </m:e>
+                          <m:sub>
+                            <m:r>
+                              <a:rPr lang="en-US" altLang="zh-TW" b="0" i="1" smtClean="0">
+                                <a:latin typeface="Cambria Math" panose="02040503050406030204" pitchFamily="18" charset="0"/>
+                                <a:ea typeface="Cambria Math" panose="02040503050406030204" pitchFamily="18" charset="0"/>
+                                <a:sym typeface="Wingdings" panose="05000000000000000000" pitchFamily="2" charset="2"/>
+                              </a:rPr>
+                              <m:t>𝑡</m:t>
+                            </m:r>
+                          </m:sub>
+                        </m:sSub>
+                      </m:e>
+                    </m:d>
+                    <m:d>
+                      <m:dPr>
+                        <m:ctrlPr>
+                          <a:rPr lang="en-US" altLang="zh-TW" b="0" i="1" smtClean="0">
+                            <a:latin typeface="Cambria Math" panose="02040503050406030204" pitchFamily="18" charset="0"/>
+                            <a:ea typeface="Cambria Math" panose="02040503050406030204" pitchFamily="18" charset="0"/>
+                            <a:sym typeface="Wingdings" panose="05000000000000000000" pitchFamily="2" charset="2"/>
+                          </a:rPr>
+                        </m:ctrlPr>
+                      </m:dPr>
+                      <m:e>
+                        <m:r>
+                          <a:rPr lang="en-US" altLang="zh-TW" b="0" i="1" smtClean="0">
+                            <a:latin typeface="Cambria Math" panose="02040503050406030204" pitchFamily="18" charset="0"/>
+                            <a:ea typeface="Cambria Math" panose="02040503050406030204" pitchFamily="18" charset="0"/>
+                            <a:sym typeface="Wingdings" panose="05000000000000000000" pitchFamily="2" charset="2"/>
+                          </a:rPr>
+                          <m:t>1−</m:t>
+                        </m:r>
+                        <m:sSub>
+                          <m:sSubPr>
+                            <m:ctrlPr>
+                              <a:rPr lang="en-US" altLang="zh-TW" b="0" i="1" smtClean="0">
+                                <a:latin typeface="Cambria Math" panose="02040503050406030204" pitchFamily="18" charset="0"/>
+                                <a:ea typeface="Cambria Math" panose="02040503050406030204" pitchFamily="18" charset="0"/>
+                                <a:sym typeface="Wingdings" panose="05000000000000000000" pitchFamily="2" charset="2"/>
+                              </a:rPr>
+                            </m:ctrlPr>
+                          </m:sSubPr>
+                          <m:e>
+                            <m:r>
+                              <a:rPr lang="zh-TW" altLang="en-US" b="0" i="1" smtClean="0">
+                                <a:latin typeface="Cambria Math" panose="02040503050406030204" pitchFamily="18" charset="0"/>
+                                <a:ea typeface="Cambria Math" panose="02040503050406030204" pitchFamily="18" charset="0"/>
+                                <a:sym typeface="Wingdings" panose="05000000000000000000" pitchFamily="2" charset="2"/>
+                              </a:rPr>
+                              <m:t>𝜋</m:t>
+                            </m:r>
+                          </m:e>
+                          <m:sub>
+                            <m:r>
+                              <a:rPr lang="en-US" altLang="zh-TW" b="0" i="1" smtClean="0">
+                                <a:latin typeface="Cambria Math" panose="02040503050406030204" pitchFamily="18" charset="0"/>
+                                <a:ea typeface="Cambria Math" panose="02040503050406030204" pitchFamily="18" charset="0"/>
+                                <a:sym typeface="Wingdings" panose="05000000000000000000" pitchFamily="2" charset="2"/>
+                              </a:rPr>
+                              <m:t>𝑡</m:t>
+                            </m:r>
+                          </m:sub>
+                        </m:sSub>
+                        <m:d>
+                          <m:dPr>
+                            <m:ctrlPr>
+                              <a:rPr lang="en-US" altLang="zh-TW" b="0" i="1" smtClean="0">
+                                <a:latin typeface="Cambria Math" panose="02040503050406030204" pitchFamily="18" charset="0"/>
+                                <a:ea typeface="Cambria Math" panose="02040503050406030204" pitchFamily="18" charset="0"/>
+                                <a:sym typeface="Wingdings" panose="05000000000000000000" pitchFamily="2" charset="2"/>
+                              </a:rPr>
+                            </m:ctrlPr>
+                          </m:dPr>
+                          <m:e>
+                            <m:sSub>
+                              <m:sSubPr>
+                                <m:ctrlPr>
+                                  <a:rPr lang="en-US" altLang="zh-TW" b="0" i="1" smtClean="0">
+                                    <a:latin typeface="Cambria Math" panose="02040503050406030204" pitchFamily="18" charset="0"/>
+                                    <a:ea typeface="Cambria Math" panose="02040503050406030204" pitchFamily="18" charset="0"/>
+                                    <a:sym typeface="Wingdings" panose="05000000000000000000" pitchFamily="2" charset="2"/>
+                                  </a:rPr>
+                                </m:ctrlPr>
+                              </m:sSubPr>
+                              <m:e>
+                                <m:r>
+                                  <a:rPr lang="en-US" altLang="zh-TW" b="0" i="1" smtClean="0">
+                                    <a:latin typeface="Cambria Math" panose="02040503050406030204" pitchFamily="18" charset="0"/>
+                                    <a:ea typeface="Cambria Math" panose="02040503050406030204" pitchFamily="18" charset="0"/>
+                                    <a:sym typeface="Wingdings" panose="05000000000000000000" pitchFamily="2" charset="2"/>
+                                  </a:rPr>
+                                  <m:t>𝐴</m:t>
+                                </m:r>
+                              </m:e>
+                              <m:sub>
+                                <m:r>
+                                  <a:rPr lang="en-US" altLang="zh-TW" b="0" i="1" smtClean="0">
+                                    <a:latin typeface="Cambria Math" panose="02040503050406030204" pitchFamily="18" charset="0"/>
+                                    <a:ea typeface="Cambria Math" panose="02040503050406030204" pitchFamily="18" charset="0"/>
+                                    <a:sym typeface="Wingdings" panose="05000000000000000000" pitchFamily="2" charset="2"/>
+                                  </a:rPr>
+                                  <m:t>𝑡</m:t>
+                                </m:r>
+                              </m:sub>
+                            </m:sSub>
+                          </m:e>
+                        </m:d>
+                      </m:e>
+                    </m:d>
+                  </m:oMath>
+                </a14:m>
+                <a:r>
+                  <a:rPr lang="en-US" altLang="zh-TW" dirty="0">
+                    <a:latin typeface="微軟正黑體" panose="020B0604030504040204" pitchFamily="34" charset="-120"/>
+                    <a:ea typeface="微軟正黑體" panose="020B0604030504040204" pitchFamily="34" charset="-120"/>
+                    <a:sym typeface="Wingdings" panose="05000000000000000000" pitchFamily="2" charset="2"/>
+                  </a:rPr>
+                  <a:t>, </a:t>
+                </a:r>
+                <a:r>
+                  <a:rPr lang="zh-TW" altLang="en-US" dirty="0">
+                    <a:latin typeface="微軟正黑體" panose="020B0604030504040204" pitchFamily="34" charset="-120"/>
+                    <a:ea typeface="微軟正黑體" panose="020B0604030504040204" pitchFamily="34" charset="-120"/>
+                    <a:sym typeface="Wingdings" panose="05000000000000000000" pitchFamily="2" charset="2"/>
+                  </a:rPr>
+                  <a:t>和</a:t>
+                </a:r>
+                <a:endParaRPr lang="en-US" altLang="zh-TW" dirty="0">
+                  <a:latin typeface="微軟正黑體" panose="020B0604030504040204" pitchFamily="34" charset="-120"/>
+                  <a:ea typeface="微軟正黑體" panose="020B0604030504040204" pitchFamily="34" charset="-120"/>
+                  <a:sym typeface="Wingdings" panose="05000000000000000000" pitchFamily="2" charset="2"/>
+                </a:endParaRPr>
+              </a:p>
+              <a:p>
+                <a:pPr marL="0" indent="0" algn="ctr">
+                  <a:lnSpc>
+                    <a:spcPct val="200000"/>
+                  </a:lnSpc>
+                  <a:buNone/>
+                </a:pPr>
+                <a14:m>
+                  <m:oMath xmlns:m="http://schemas.openxmlformats.org/officeDocument/2006/math">
+                    <m:sSub>
+                      <m:sSubPr>
+                        <m:ctrlPr>
+                          <a:rPr lang="en-US" altLang="zh-TW" i="1">
+                            <a:latin typeface="Cambria Math" panose="02040503050406030204" pitchFamily="18" charset="0"/>
+                            <a:ea typeface="微軟正黑體" panose="020B0604030504040204" pitchFamily="34" charset="-120"/>
+                            <a:sym typeface="Wingdings" panose="05000000000000000000" pitchFamily="2" charset="2"/>
+                          </a:rPr>
+                        </m:ctrlPr>
+                      </m:sSubPr>
+                      <m:e>
+                        <m:r>
+                          <a:rPr lang="en-US" altLang="zh-TW" i="1">
+                            <a:latin typeface="Cambria Math" panose="02040503050406030204" pitchFamily="18" charset="0"/>
+                            <a:ea typeface="微軟正黑體" panose="020B0604030504040204" pitchFamily="34" charset="-120"/>
+                            <a:sym typeface="Wingdings" panose="05000000000000000000" pitchFamily="2" charset="2"/>
+                          </a:rPr>
+                          <m:t>𝐻</m:t>
+                        </m:r>
+                      </m:e>
+                      <m:sub>
+                        <m:r>
+                          <a:rPr lang="en-US" altLang="zh-TW" i="1">
+                            <a:latin typeface="Cambria Math" panose="02040503050406030204" pitchFamily="18" charset="0"/>
+                            <a:ea typeface="微軟正黑體" panose="020B0604030504040204" pitchFamily="34" charset="-120"/>
+                            <a:sym typeface="Wingdings" panose="05000000000000000000" pitchFamily="2" charset="2"/>
+                          </a:rPr>
+                          <m:t>𝑡</m:t>
+                        </m:r>
+                        <m:r>
+                          <a:rPr lang="en-US" altLang="zh-TW" i="1">
+                            <a:latin typeface="Cambria Math" panose="02040503050406030204" pitchFamily="18" charset="0"/>
+                            <a:ea typeface="微軟正黑體" panose="020B0604030504040204" pitchFamily="34" charset="-120"/>
+                            <a:sym typeface="Wingdings" panose="05000000000000000000" pitchFamily="2" charset="2"/>
+                          </a:rPr>
+                          <m:t>+1</m:t>
+                        </m:r>
+                      </m:sub>
+                    </m:sSub>
+                    <m:d>
+                      <m:dPr>
+                        <m:ctrlPr>
+                          <a:rPr lang="en-US" altLang="zh-TW" i="1">
+                            <a:latin typeface="Cambria Math" panose="02040503050406030204" pitchFamily="18" charset="0"/>
+                            <a:ea typeface="微軟正黑體" panose="020B0604030504040204" pitchFamily="34" charset="-120"/>
+                            <a:sym typeface="Wingdings" panose="05000000000000000000" pitchFamily="2" charset="2"/>
+                          </a:rPr>
+                        </m:ctrlPr>
+                      </m:dPr>
+                      <m:e>
+                        <m:r>
+                          <a:rPr lang="en-US" altLang="zh-TW" b="0" i="1" smtClean="0">
+                            <a:latin typeface="Cambria Math" panose="02040503050406030204" pitchFamily="18" charset="0"/>
+                            <a:ea typeface="微軟正黑體" panose="020B0604030504040204" pitchFamily="34" charset="-120"/>
+                            <a:sym typeface="Wingdings" panose="05000000000000000000" pitchFamily="2" charset="2"/>
+                          </a:rPr>
+                          <m:t>𝑎</m:t>
+                        </m:r>
+                      </m:e>
+                    </m:d>
+                    <m:r>
+                      <a:rPr lang="en-US" altLang="zh-TW" i="1">
+                        <a:latin typeface="Cambria Math" panose="02040503050406030204" pitchFamily="18" charset="0"/>
+                        <a:ea typeface="微軟正黑體" panose="020B0604030504040204" pitchFamily="34" charset="-120"/>
+                        <a:sym typeface="Wingdings" panose="05000000000000000000" pitchFamily="2" charset="2"/>
+                      </a:rPr>
+                      <m:t>=</m:t>
+                    </m:r>
+                    <m:sSub>
+                      <m:sSubPr>
+                        <m:ctrlPr>
+                          <a:rPr lang="en-US" altLang="zh-TW" i="1">
+                            <a:latin typeface="Cambria Math" panose="02040503050406030204" pitchFamily="18" charset="0"/>
+                            <a:ea typeface="微軟正黑體" panose="020B0604030504040204" pitchFamily="34" charset="-120"/>
+                            <a:sym typeface="Wingdings" panose="05000000000000000000" pitchFamily="2" charset="2"/>
+                          </a:rPr>
+                        </m:ctrlPr>
+                      </m:sSubPr>
+                      <m:e>
+                        <m:r>
+                          <a:rPr lang="en-US" altLang="zh-TW" i="1">
+                            <a:latin typeface="Cambria Math" panose="02040503050406030204" pitchFamily="18" charset="0"/>
+                            <a:ea typeface="微軟正黑體" panose="020B0604030504040204" pitchFamily="34" charset="-120"/>
+                            <a:sym typeface="Wingdings" panose="05000000000000000000" pitchFamily="2" charset="2"/>
+                          </a:rPr>
+                          <m:t>𝐻</m:t>
+                        </m:r>
+                      </m:e>
+                      <m:sub>
+                        <m:r>
+                          <a:rPr lang="en-US" altLang="zh-TW" i="1">
+                            <a:latin typeface="Cambria Math" panose="02040503050406030204" pitchFamily="18" charset="0"/>
+                            <a:ea typeface="微軟正黑體" panose="020B0604030504040204" pitchFamily="34" charset="-120"/>
+                            <a:sym typeface="Wingdings" panose="05000000000000000000" pitchFamily="2" charset="2"/>
+                          </a:rPr>
+                          <m:t>𝑡</m:t>
+                        </m:r>
+                      </m:sub>
+                    </m:sSub>
+                    <m:d>
+                      <m:dPr>
+                        <m:ctrlPr>
+                          <a:rPr lang="en-US" altLang="zh-TW" i="1">
+                            <a:latin typeface="Cambria Math" panose="02040503050406030204" pitchFamily="18" charset="0"/>
+                            <a:ea typeface="微軟正黑體" panose="020B0604030504040204" pitchFamily="34" charset="-120"/>
+                            <a:sym typeface="Wingdings" panose="05000000000000000000" pitchFamily="2" charset="2"/>
+                          </a:rPr>
+                        </m:ctrlPr>
+                      </m:dPr>
+                      <m:e>
+                        <m:r>
+                          <a:rPr lang="en-US" altLang="zh-TW" b="0" i="1" smtClean="0">
+                            <a:latin typeface="Cambria Math" panose="02040503050406030204" pitchFamily="18" charset="0"/>
+                            <a:ea typeface="微軟正黑體" panose="020B0604030504040204" pitchFamily="34" charset="-120"/>
+                            <a:sym typeface="Wingdings" panose="05000000000000000000" pitchFamily="2" charset="2"/>
+                          </a:rPr>
+                          <m:t>𝑎</m:t>
+                        </m:r>
+                      </m:e>
+                    </m:d>
+                    <m:r>
+                      <a:rPr lang="en-US" altLang="zh-TW" i="1">
+                        <a:latin typeface="Cambria Math" panose="02040503050406030204" pitchFamily="18" charset="0"/>
+                        <a:ea typeface="微軟正黑體" panose="020B0604030504040204" pitchFamily="34" charset="-120"/>
+                        <a:sym typeface="Wingdings" panose="05000000000000000000" pitchFamily="2" charset="2"/>
+                      </a:rPr>
+                      <m:t>+</m:t>
+                    </m:r>
+                    <m:r>
+                      <a:rPr lang="en-US" altLang="zh-TW" i="1">
+                        <a:latin typeface="Cambria Math" panose="02040503050406030204" pitchFamily="18" charset="0"/>
+                        <a:ea typeface="Cambria Math" panose="02040503050406030204" pitchFamily="18" charset="0"/>
+                        <a:sym typeface="Wingdings" panose="05000000000000000000" pitchFamily="2" charset="2"/>
+                      </a:rPr>
+                      <m:t>∝</m:t>
+                    </m:r>
+                    <m:d>
+                      <m:dPr>
+                        <m:ctrlPr>
+                          <a:rPr lang="en-US" altLang="zh-TW" i="1">
+                            <a:latin typeface="Cambria Math" panose="02040503050406030204" pitchFamily="18" charset="0"/>
+                            <a:ea typeface="Cambria Math" panose="02040503050406030204" pitchFamily="18" charset="0"/>
+                            <a:sym typeface="Wingdings" panose="05000000000000000000" pitchFamily="2" charset="2"/>
+                          </a:rPr>
+                        </m:ctrlPr>
+                      </m:dPr>
+                      <m:e>
+                        <m:sSub>
+                          <m:sSubPr>
+                            <m:ctrlPr>
+                              <a:rPr lang="en-US" altLang="zh-TW" i="1">
+                                <a:latin typeface="Cambria Math" panose="02040503050406030204" pitchFamily="18" charset="0"/>
+                                <a:ea typeface="Cambria Math" panose="02040503050406030204" pitchFamily="18" charset="0"/>
+                                <a:sym typeface="Wingdings" panose="05000000000000000000" pitchFamily="2" charset="2"/>
+                              </a:rPr>
+                            </m:ctrlPr>
+                          </m:sSubPr>
+                          <m:e>
+                            <m:r>
+                              <a:rPr lang="en-US" altLang="zh-TW" i="1">
+                                <a:latin typeface="Cambria Math" panose="02040503050406030204" pitchFamily="18" charset="0"/>
+                                <a:ea typeface="Cambria Math" panose="02040503050406030204" pitchFamily="18" charset="0"/>
+                                <a:sym typeface="Wingdings" panose="05000000000000000000" pitchFamily="2" charset="2"/>
+                              </a:rPr>
+                              <m:t>𝑅</m:t>
+                            </m:r>
+                          </m:e>
+                          <m:sub>
+                            <m:r>
+                              <a:rPr lang="en-US" altLang="zh-TW" i="1">
+                                <a:latin typeface="Cambria Math" panose="02040503050406030204" pitchFamily="18" charset="0"/>
+                                <a:ea typeface="Cambria Math" panose="02040503050406030204" pitchFamily="18" charset="0"/>
+                                <a:sym typeface="Wingdings" panose="05000000000000000000" pitchFamily="2" charset="2"/>
+                              </a:rPr>
+                              <m:t>𝑡</m:t>
+                            </m:r>
+                          </m:sub>
+                        </m:sSub>
+                        <m:r>
+                          <a:rPr lang="en-US" altLang="zh-TW" i="1">
+                            <a:latin typeface="Cambria Math" panose="02040503050406030204" pitchFamily="18" charset="0"/>
+                            <a:ea typeface="Cambria Math" panose="02040503050406030204" pitchFamily="18" charset="0"/>
+                            <a:sym typeface="Wingdings" panose="05000000000000000000" pitchFamily="2" charset="2"/>
+                          </a:rPr>
+                          <m:t>−</m:t>
+                        </m:r>
+                        <m:sSub>
+                          <m:sSubPr>
+                            <m:ctrlPr>
+                              <a:rPr lang="en-US" altLang="zh-TW" i="1">
+                                <a:latin typeface="Cambria Math" panose="02040503050406030204" pitchFamily="18" charset="0"/>
+                                <a:ea typeface="Cambria Math" panose="02040503050406030204" pitchFamily="18" charset="0"/>
+                                <a:sym typeface="Wingdings" panose="05000000000000000000" pitchFamily="2" charset="2"/>
+                              </a:rPr>
+                            </m:ctrlPr>
+                          </m:sSubPr>
+                          <m:e>
+                            <m:acc>
+                              <m:accPr>
+                                <m:chr m:val="̅"/>
+                                <m:ctrlPr>
+                                  <a:rPr lang="en-US" altLang="zh-TW" i="1">
+                                    <a:solidFill>
+                                      <a:srgbClr val="836967"/>
+                                    </a:solidFill>
+                                    <a:latin typeface="Cambria Math" panose="02040503050406030204" pitchFamily="18" charset="0"/>
+                                    <a:ea typeface="Cambria Math" panose="02040503050406030204" pitchFamily="18" charset="0"/>
+                                    <a:sym typeface="Wingdings" panose="05000000000000000000" pitchFamily="2" charset="2"/>
+                                  </a:rPr>
+                                </m:ctrlPr>
+                              </m:accPr>
+                              <m:e>
+                                <m:r>
+                                  <a:rPr lang="en-US" altLang="zh-TW" i="1">
+                                    <a:latin typeface="Cambria Math" panose="02040503050406030204" pitchFamily="18" charset="0"/>
+                                    <a:ea typeface="Cambria Math" panose="02040503050406030204" pitchFamily="18" charset="0"/>
+                                    <a:sym typeface="Wingdings" panose="05000000000000000000" pitchFamily="2" charset="2"/>
+                                  </a:rPr>
+                                  <m:t>𝑅</m:t>
+                                </m:r>
+                              </m:e>
+                            </m:acc>
+                          </m:e>
+                          <m:sub>
+                            <m:r>
+                              <a:rPr lang="en-US" altLang="zh-TW" i="1">
+                                <a:latin typeface="Cambria Math" panose="02040503050406030204" pitchFamily="18" charset="0"/>
+                                <a:ea typeface="Cambria Math" panose="02040503050406030204" pitchFamily="18" charset="0"/>
+                                <a:sym typeface="Wingdings" panose="05000000000000000000" pitchFamily="2" charset="2"/>
+                              </a:rPr>
+                              <m:t>𝑡</m:t>
+                            </m:r>
+                          </m:sub>
+                        </m:sSub>
+                      </m:e>
+                    </m:d>
+                    <m:sSub>
+                      <m:sSubPr>
+                        <m:ctrlPr>
+                          <a:rPr lang="en-US" altLang="zh-TW" i="1">
+                            <a:latin typeface="Cambria Math" panose="02040503050406030204" pitchFamily="18" charset="0"/>
+                            <a:ea typeface="Cambria Math" panose="02040503050406030204" pitchFamily="18" charset="0"/>
+                            <a:sym typeface="Wingdings" panose="05000000000000000000" pitchFamily="2" charset="2"/>
+                          </a:rPr>
+                        </m:ctrlPr>
+                      </m:sSubPr>
+                      <m:e>
+                        <m:r>
+                          <a:rPr lang="zh-TW" altLang="en-US" i="1">
+                            <a:latin typeface="Cambria Math" panose="02040503050406030204" pitchFamily="18" charset="0"/>
+                            <a:ea typeface="Cambria Math" panose="02040503050406030204" pitchFamily="18" charset="0"/>
+                            <a:sym typeface="Wingdings" panose="05000000000000000000" pitchFamily="2" charset="2"/>
+                          </a:rPr>
+                          <m:t>𝜋</m:t>
+                        </m:r>
+                      </m:e>
+                      <m:sub>
+                        <m:r>
+                          <a:rPr lang="en-US" altLang="zh-TW" i="1">
+                            <a:latin typeface="Cambria Math" panose="02040503050406030204" pitchFamily="18" charset="0"/>
+                            <a:ea typeface="Cambria Math" panose="02040503050406030204" pitchFamily="18" charset="0"/>
+                            <a:sym typeface="Wingdings" panose="05000000000000000000" pitchFamily="2" charset="2"/>
+                          </a:rPr>
+                          <m:t>𝑡</m:t>
+                        </m:r>
+                      </m:sub>
+                    </m:sSub>
+                    <m:d>
+                      <m:dPr>
+                        <m:ctrlPr>
+                          <a:rPr lang="en-US" altLang="zh-TW" i="1">
+                            <a:latin typeface="Cambria Math" panose="02040503050406030204" pitchFamily="18" charset="0"/>
+                            <a:ea typeface="Cambria Math" panose="02040503050406030204" pitchFamily="18" charset="0"/>
+                            <a:sym typeface="Wingdings" panose="05000000000000000000" pitchFamily="2" charset="2"/>
+                          </a:rPr>
+                        </m:ctrlPr>
+                      </m:dPr>
+                      <m:e>
+                        <m:r>
+                          <a:rPr lang="en-US" altLang="zh-TW" i="1">
+                            <a:latin typeface="Cambria Math" panose="02040503050406030204" pitchFamily="18" charset="0"/>
+                            <a:ea typeface="Cambria Math" panose="02040503050406030204" pitchFamily="18" charset="0"/>
+                            <a:sym typeface="Wingdings" panose="05000000000000000000" pitchFamily="2" charset="2"/>
+                          </a:rPr>
+                          <m:t>𝑎</m:t>
+                        </m:r>
+                      </m:e>
+                    </m:d>
+                  </m:oMath>
+                </a14:m>
+                <a:r>
+                  <a:rPr lang="zh-TW" altLang="en-US" dirty="0">
+                    <a:latin typeface="微軟正黑體" panose="020B0604030504040204" pitchFamily="34" charset="-120"/>
+                    <a:ea typeface="微軟正黑體" panose="020B0604030504040204" pitchFamily="34" charset="-120"/>
+                    <a:sym typeface="Wingdings" panose="05000000000000000000" pitchFamily="2" charset="2"/>
+                  </a:rPr>
+                  <a:t>對於所有 </a:t>
+                </a:r>
+                <a14:m>
+                  <m:oMath xmlns:m="http://schemas.openxmlformats.org/officeDocument/2006/math">
+                    <m:r>
+                      <a:rPr lang="en-US" altLang="zh-TW" b="0" i="1" smtClean="0">
+                        <a:latin typeface="Cambria Math" panose="02040503050406030204" pitchFamily="18" charset="0"/>
+                        <a:ea typeface="微軟正黑體" panose="020B0604030504040204" pitchFamily="34" charset="-120"/>
+                        <a:sym typeface="Wingdings" panose="05000000000000000000" pitchFamily="2" charset="2"/>
+                      </a:rPr>
+                      <m:t>𝑎</m:t>
+                    </m:r>
+                    <m:r>
+                      <a:rPr lang="en-US" altLang="zh-TW" b="0" i="1" smtClean="0">
+                        <a:latin typeface="Cambria Math" panose="02040503050406030204" pitchFamily="18" charset="0"/>
+                        <a:ea typeface="Cambria Math" panose="02040503050406030204" pitchFamily="18" charset="0"/>
+                        <a:sym typeface="Wingdings" panose="05000000000000000000" pitchFamily="2" charset="2"/>
+                      </a:rPr>
+                      <m:t>≠</m:t>
+                    </m:r>
+                    <m:sSub>
+                      <m:sSubPr>
+                        <m:ctrlPr>
+                          <a:rPr lang="en-US" altLang="zh-TW" b="0" i="1" smtClean="0">
+                            <a:latin typeface="Cambria Math" panose="02040503050406030204" pitchFamily="18" charset="0"/>
+                            <a:ea typeface="Cambria Math" panose="02040503050406030204" pitchFamily="18" charset="0"/>
+                            <a:sym typeface="Wingdings" panose="05000000000000000000" pitchFamily="2" charset="2"/>
+                          </a:rPr>
+                        </m:ctrlPr>
+                      </m:sSubPr>
+                      <m:e>
+                        <m:r>
+                          <a:rPr lang="en-US" altLang="zh-TW" b="0" i="1" smtClean="0">
+                            <a:latin typeface="Cambria Math" panose="02040503050406030204" pitchFamily="18" charset="0"/>
+                            <a:ea typeface="Cambria Math" panose="02040503050406030204" pitchFamily="18" charset="0"/>
+                            <a:sym typeface="Wingdings" panose="05000000000000000000" pitchFamily="2" charset="2"/>
+                          </a:rPr>
+                          <m:t>𝐴</m:t>
+                        </m:r>
+                      </m:e>
+                      <m:sub>
+                        <m:r>
+                          <a:rPr lang="en-US" altLang="zh-TW" b="0" i="1" smtClean="0">
+                            <a:latin typeface="Cambria Math" panose="02040503050406030204" pitchFamily="18" charset="0"/>
+                            <a:ea typeface="Cambria Math" panose="02040503050406030204" pitchFamily="18" charset="0"/>
+                            <a:sym typeface="Wingdings" panose="05000000000000000000" pitchFamily="2" charset="2"/>
+                          </a:rPr>
+                          <m:t>𝑡</m:t>
+                        </m:r>
+                      </m:sub>
+                    </m:sSub>
+                  </m:oMath>
+                </a14:m>
+                <a:endParaRPr lang="en-US" altLang="zh-TW" dirty="0">
+                  <a:latin typeface="微軟正黑體" panose="020B0604030504040204" pitchFamily="34" charset="-120"/>
+                  <a:ea typeface="微軟正黑體" panose="020B0604030504040204" pitchFamily="34" charset="-120"/>
+                  <a:sym typeface="Wingdings" panose="05000000000000000000" pitchFamily="2" charset="2"/>
+                </a:endParaRPr>
+              </a:p>
+              <a:p>
+                <a:pPr marL="0" indent="0" algn="ctr">
+                  <a:lnSpc>
+                    <a:spcPct val="200000"/>
+                  </a:lnSpc>
+                  <a:buNone/>
+                </a:pPr>
+                <a:endParaRPr lang="en-US" altLang="zh-TW" dirty="0">
+                  <a:latin typeface="微軟正黑體" panose="020B0604030504040204" pitchFamily="34" charset="-120"/>
+                  <a:ea typeface="微軟正黑體" panose="020B0604030504040204" pitchFamily="34" charset="-120"/>
+                </a:endParaRPr>
+              </a:p>
+            </p:txBody>
+          </p:sp>
+        </mc:Choice>
+        <mc:Fallback>
+          <p:sp>
+            <p:nvSpPr>
+              <p:cNvPr id="3" name="內容版面配置區 2">
+                <a:extLst>
+                  <a:ext uri="{FF2B5EF4-FFF2-40B4-BE49-F238E27FC236}">
+                    <a16:creationId xmlns:a16="http://schemas.microsoft.com/office/drawing/2014/main" id="{974E1A0F-B7E4-4DF8-B559-6D4D1908F332}"/>
+                  </a:ext>
+                </a:extLst>
+              </p:cNvPr>
+              <p:cNvSpPr>
+                <a:spLocks noGrp="1" noRot="1" noChangeAspect="1" noMove="1" noResize="1" noEditPoints="1" noAdjustHandles="1" noChangeArrowheads="1" noChangeShapeType="1" noTextEdit="1"/>
+              </p:cNvSpPr>
+              <p:nvPr>
+                <p:ph idx="1"/>
+              </p:nvPr>
+            </p:nvSpPr>
+            <p:spPr>
+              <a:xfrm>
+                <a:off x="1636762" y="1825625"/>
+                <a:ext cx="10299514" cy="4863206"/>
+              </a:xfrm>
+              <a:blipFill>
+                <a:blip r:embed="rId3"/>
+                <a:stretch>
+                  <a:fillRect/>
+                </a:stretch>
+              </a:blipFill>
+              <a:ln w="28575">
+                <a:solidFill>
+                  <a:schemeClr val="tx1"/>
+                </a:solidFill>
+              </a:ln>
+            </p:spPr>
+            <p:txBody>
+              <a:bodyPr/>
+              <a:lstStyle/>
+              <a:p>
+                <a:r>
+                  <a:rPr lang="zh-TW" altLang="en-US">
+                    <a:noFill/>
+                  </a:rPr>
+                  <a:t> </a:t>
+                </a:r>
+              </a:p>
+            </p:txBody>
+          </p:sp>
+        </mc:Fallback>
+      </mc:AlternateContent>
+      <p:sp>
+        <p:nvSpPr>
+          <p:cNvPr id="226" name="內容版面配置區 2">
+            <a:extLst>
+              <a:ext uri="{FF2B5EF4-FFF2-40B4-BE49-F238E27FC236}">
+                <a16:creationId xmlns:a16="http://schemas.microsoft.com/office/drawing/2014/main" id="{CB3BF928-2960-4272-9244-D4A967045A95}"/>
+              </a:ext>
+            </a:extLst>
+          </p:cNvPr>
+          <p:cNvSpPr txBox="1">
+            <a:spLocks/>
+          </p:cNvSpPr>
+          <p:nvPr/>
+        </p:nvSpPr>
+        <p:spPr>
+          <a:xfrm>
+            <a:off x="110307" y="1825625"/>
+            <a:ext cx="1371652" cy="4863214"/>
+          </a:xfrm>
+          <a:prstGeom prst="rect">
+            <a:avLst/>
+          </a:prstGeom>
+          <a:ln w="28575">
+            <a:solidFill>
+              <a:schemeClr val="tx1"/>
+            </a:solidFill>
+          </a:ln>
+        </p:spPr>
+        <p:txBody>
+          <a:bodyPr vert="horz" lIns="91440" tIns="45720" rIns="91440" bIns="45720" rtlCol="0">
+            <a:normAutofit fontScale="70000" lnSpcReduction="20000"/>
+          </a:bodyPr>
+          <a:lstStyle>
+            <a:lvl1pPr marL="228600" indent="-228600" algn="l" defTabSz="914400" rtl="0" eaLnBrk="1" latinLnBrk="0" hangingPunct="1">
+              <a:lnSpc>
+                <a:spcPct val="90000"/>
+              </a:lnSpc>
+              <a:spcBef>
+                <a:spcPts val="1000"/>
+              </a:spcBef>
+              <a:buFont typeface="Arial" panose="020B0604020202020204" pitchFamily="34" charset="0"/>
+              <a:buChar char="•"/>
+              <a:defRPr sz="2800" kern="1200">
+                <a:solidFill>
+                  <a:schemeClr val="tx1"/>
+                </a:solidFill>
+                <a:latin typeface="+mn-lt"/>
+                <a:ea typeface="+mn-ea"/>
+                <a:cs typeface="+mn-cs"/>
+              </a:defRPr>
+            </a:lvl1pPr>
+            <a:lvl2pPr marL="685800" indent="-228600" algn="l" defTabSz="914400" rtl="0" eaLnBrk="1" latinLnBrk="0" hangingPunct="1">
+              <a:lnSpc>
+                <a:spcPct val="90000"/>
+              </a:lnSpc>
+              <a:spcBef>
+                <a:spcPts val="500"/>
+              </a:spcBef>
+              <a:buFont typeface="Arial" panose="020B0604020202020204" pitchFamily="34" charset="0"/>
+              <a:buChar char="•"/>
+              <a:defRPr sz="2400" kern="1200">
+                <a:solidFill>
+                  <a:schemeClr val="tx1"/>
+                </a:solidFill>
+                <a:latin typeface="+mn-lt"/>
+                <a:ea typeface="+mn-ea"/>
+                <a:cs typeface="+mn-cs"/>
+              </a:defRPr>
+            </a:lvl2pPr>
+            <a:lvl3pPr marL="1143000" indent="-228600" algn="l" defTabSz="914400" rtl="0" eaLnBrk="1" latinLnBrk="0" hangingPunct="1">
+              <a:lnSpc>
+                <a:spcPct val="90000"/>
+              </a:lnSpc>
+              <a:spcBef>
+                <a:spcPts val="500"/>
+              </a:spcBef>
+              <a:buFont typeface="Arial" panose="020B0604020202020204" pitchFamily="34" charset="0"/>
+              <a:buChar char="•"/>
+              <a:defRPr sz="2000" kern="1200">
+                <a:solidFill>
+                  <a:schemeClr val="tx1"/>
+                </a:solidFill>
+                <a:latin typeface="+mn-lt"/>
+                <a:ea typeface="+mn-ea"/>
+                <a:cs typeface="+mn-cs"/>
+              </a:defRPr>
+            </a:lvl3pPr>
+            <a:lvl4pPr marL="1600200" indent="-228600" algn="l" defTabSz="914400" rtl="0" eaLnBrk="1" latinLnBrk="0" hangingPunct="1">
+              <a:lnSpc>
+                <a:spcPct val="90000"/>
+              </a:lnSpc>
+              <a:spcBef>
+                <a:spcPts val="500"/>
+              </a:spcBef>
+              <a:buFont typeface="Arial" panose="020B0604020202020204" pitchFamily="34" charset="0"/>
+              <a:buChar char="•"/>
+              <a:defRPr sz="1800" kern="1200">
+                <a:solidFill>
+                  <a:schemeClr val="tx1"/>
+                </a:solidFill>
+                <a:latin typeface="+mn-lt"/>
+                <a:ea typeface="+mn-ea"/>
+                <a:cs typeface="+mn-cs"/>
+              </a:defRPr>
+            </a:lvl4pPr>
+            <a:lvl5pPr marL="2057400" indent="-228600" algn="l" defTabSz="914400" rtl="0" eaLnBrk="1" latinLnBrk="0" hangingPunct="1">
+              <a:lnSpc>
+                <a:spcPct val="90000"/>
+              </a:lnSpc>
+              <a:spcBef>
+                <a:spcPts val="500"/>
+              </a:spcBef>
+              <a:buFont typeface="Arial" panose="020B0604020202020204" pitchFamily="34" charset="0"/>
+              <a:buChar char="•"/>
+              <a:defRPr sz="1800" kern="1200">
+                <a:solidFill>
+                  <a:schemeClr val="tx1"/>
+                </a:solidFill>
+                <a:latin typeface="+mn-lt"/>
+                <a:ea typeface="+mn-ea"/>
+                <a:cs typeface="+mn-cs"/>
+              </a:defRPr>
+            </a:lvl5pPr>
+            <a:lvl6pPr marL="2514600" indent="-228600" algn="l" defTabSz="914400" rtl="0" eaLnBrk="1" latinLnBrk="0" hangingPunct="1">
+              <a:lnSpc>
+                <a:spcPct val="90000"/>
+              </a:lnSpc>
+              <a:spcBef>
+                <a:spcPts val="500"/>
+              </a:spcBef>
+              <a:buFont typeface="Arial" panose="020B0604020202020204" pitchFamily="34" charset="0"/>
+              <a:buChar char="•"/>
+              <a:defRPr sz="1800" kern="1200">
+                <a:solidFill>
+                  <a:schemeClr val="tx1"/>
+                </a:solidFill>
+                <a:latin typeface="+mn-lt"/>
+                <a:ea typeface="+mn-ea"/>
+                <a:cs typeface="+mn-cs"/>
+              </a:defRPr>
+            </a:lvl6pPr>
+            <a:lvl7pPr marL="2971800" indent="-228600" algn="l" defTabSz="914400" rtl="0" eaLnBrk="1" latinLnBrk="0" hangingPunct="1">
+              <a:lnSpc>
+                <a:spcPct val="90000"/>
+              </a:lnSpc>
+              <a:spcBef>
+                <a:spcPts val="500"/>
+              </a:spcBef>
+              <a:buFont typeface="Arial" panose="020B0604020202020204" pitchFamily="34" charset="0"/>
+              <a:buChar char="•"/>
+              <a:defRPr sz="1800" kern="1200">
+                <a:solidFill>
+                  <a:schemeClr val="tx1"/>
+                </a:solidFill>
+                <a:latin typeface="+mn-lt"/>
+                <a:ea typeface="+mn-ea"/>
+                <a:cs typeface="+mn-cs"/>
+              </a:defRPr>
+            </a:lvl7pPr>
+            <a:lvl8pPr marL="3429000" indent="-228600" algn="l" defTabSz="914400" rtl="0" eaLnBrk="1" latinLnBrk="0" hangingPunct="1">
+              <a:lnSpc>
+                <a:spcPct val="90000"/>
+              </a:lnSpc>
+              <a:spcBef>
+                <a:spcPts val="500"/>
+              </a:spcBef>
+              <a:buFont typeface="Arial" panose="020B0604020202020204" pitchFamily="34" charset="0"/>
+              <a:buChar char="•"/>
+              <a:defRPr sz="1800" kern="1200">
+                <a:solidFill>
+                  <a:schemeClr val="tx1"/>
+                </a:solidFill>
+                <a:latin typeface="+mn-lt"/>
+                <a:ea typeface="+mn-ea"/>
+                <a:cs typeface="+mn-cs"/>
+              </a:defRPr>
+            </a:lvl8pPr>
+            <a:lvl9pPr marL="3886200" indent="-228600" algn="l" defTabSz="914400" rtl="0" eaLnBrk="1" latinLnBrk="0" hangingPunct="1">
+              <a:lnSpc>
+                <a:spcPct val="90000"/>
+              </a:lnSpc>
+              <a:spcBef>
+                <a:spcPts val="500"/>
+              </a:spcBef>
+              <a:buFont typeface="Arial" panose="020B0604020202020204" pitchFamily="34" charset="0"/>
+              <a:buChar char="•"/>
+              <a:defRPr sz="1800" kern="1200">
+                <a:solidFill>
+                  <a:schemeClr val="tx1"/>
+                </a:solidFill>
+                <a:latin typeface="+mn-lt"/>
+                <a:ea typeface="+mn-ea"/>
+                <a:cs typeface="+mn-cs"/>
+              </a:defRPr>
+            </a:lvl9pPr>
+          </a:lstStyle>
+          <a:p>
+            <a:pPr marL="0" indent="0">
+              <a:lnSpc>
+                <a:spcPct val="300000"/>
+              </a:lnSpc>
+              <a:buNone/>
+            </a:pPr>
+            <a:r>
+              <a:rPr lang="zh-TW" altLang="en-US" sz="1800" dirty="0">
+                <a:solidFill>
+                  <a:schemeClr val="accent3"/>
+                </a:solidFill>
+                <a:latin typeface="微軟正黑體" panose="020B0604030504040204" pitchFamily="34" charset="-120"/>
+                <a:ea typeface="微軟正黑體" panose="020B0604030504040204" pitchFamily="34" charset="-120"/>
+              </a:rPr>
+              <a:t>參考來源</a:t>
+            </a:r>
+            <a:endParaRPr lang="en-US" altLang="zh-TW" sz="1800" dirty="0">
+              <a:solidFill>
+                <a:schemeClr val="accent3"/>
+              </a:solidFill>
+              <a:latin typeface="微軟正黑體" panose="020B0604030504040204" pitchFamily="34" charset="-120"/>
+              <a:ea typeface="微軟正黑體" panose="020B0604030504040204" pitchFamily="34" charset="-120"/>
+            </a:endParaRPr>
+          </a:p>
+          <a:p>
+            <a:pPr marL="0" indent="0">
+              <a:lnSpc>
+                <a:spcPct val="300000"/>
+              </a:lnSpc>
+              <a:buNone/>
+            </a:pPr>
+            <a:r>
+              <a:rPr lang="zh-TW" altLang="en-US" sz="1800" dirty="0">
+                <a:solidFill>
+                  <a:schemeClr val="accent3"/>
+                </a:solidFill>
+                <a:latin typeface="微軟正黑體" panose="020B0604030504040204" pitchFamily="34" charset="-120"/>
+                <a:ea typeface="微軟正黑體" panose="020B0604030504040204" pitchFamily="34" charset="-120"/>
+              </a:rPr>
+              <a:t>大綱</a:t>
+            </a:r>
+            <a:endParaRPr lang="en-US" altLang="zh-TW" sz="1800" dirty="0">
+              <a:solidFill>
+                <a:schemeClr val="accent3"/>
+              </a:solidFill>
+              <a:latin typeface="微軟正黑體" panose="020B0604030504040204" pitchFamily="34" charset="-120"/>
+              <a:ea typeface="微軟正黑體" panose="020B0604030504040204" pitchFamily="34" charset="-120"/>
+            </a:endParaRPr>
+          </a:p>
+          <a:p>
+            <a:pPr marL="0" indent="0">
+              <a:lnSpc>
+                <a:spcPct val="300000"/>
+              </a:lnSpc>
+              <a:buNone/>
+            </a:pPr>
+            <a:r>
+              <a:rPr lang="zh-TW" altLang="en-US" sz="1800" b="1" dirty="0">
+                <a:effectLst>
+                  <a:outerShdw blurRad="38100" dist="38100" dir="2700000" algn="tl">
+                    <a:srgbClr val="000000">
+                      <a:alpha val="43137"/>
+                    </a:srgbClr>
+                  </a:outerShdw>
+                </a:effectLst>
+                <a:latin typeface="微軟正黑體" panose="020B0604030504040204" pitchFamily="34" charset="-120"/>
+                <a:ea typeface="微軟正黑體" panose="020B0604030504040204" pitchFamily="34" charset="-120"/>
+              </a:rPr>
+              <a:t>導論</a:t>
+            </a:r>
+            <a:endParaRPr lang="en-US" altLang="zh-TW" sz="1800" b="1" dirty="0">
+              <a:effectLst>
+                <a:outerShdw blurRad="38100" dist="38100" dir="2700000" algn="tl">
+                  <a:srgbClr val="000000">
+                    <a:alpha val="43137"/>
+                  </a:srgbClr>
+                </a:outerShdw>
+              </a:effectLst>
+              <a:latin typeface="微軟正黑體" panose="020B0604030504040204" pitchFamily="34" charset="-120"/>
+              <a:ea typeface="微軟正黑體" panose="020B0604030504040204" pitchFamily="34" charset="-120"/>
+            </a:endParaRPr>
+          </a:p>
+          <a:p>
+            <a:pPr marL="0" indent="0">
+              <a:lnSpc>
+                <a:spcPct val="300000"/>
+              </a:lnSpc>
+              <a:buNone/>
+            </a:pPr>
+            <a:r>
+              <a:rPr lang="zh-TW" altLang="en-US" sz="1800" dirty="0">
+                <a:solidFill>
+                  <a:schemeClr val="accent3"/>
+                </a:solidFill>
+                <a:latin typeface="微軟正黑體" panose="020B0604030504040204" pitchFamily="34" charset="-120"/>
+                <a:ea typeface="微軟正黑體" panose="020B0604030504040204" pitchFamily="34" charset="-120"/>
+              </a:rPr>
+              <a:t>多搖臂式拉霸機</a:t>
+            </a:r>
+            <a:endParaRPr lang="en-US" altLang="zh-TW" sz="1800" dirty="0">
+              <a:solidFill>
+                <a:schemeClr val="accent3"/>
+              </a:solidFill>
+              <a:latin typeface="微軟正黑體" panose="020B0604030504040204" pitchFamily="34" charset="-120"/>
+              <a:ea typeface="微軟正黑體" panose="020B0604030504040204" pitchFamily="34" charset="-120"/>
+            </a:endParaRPr>
+          </a:p>
+          <a:p>
+            <a:pPr marL="0" indent="0">
+              <a:lnSpc>
+                <a:spcPct val="300000"/>
+              </a:lnSpc>
+              <a:buNone/>
+            </a:pPr>
+            <a:r>
+              <a:rPr lang="en-US" altLang="zh-TW" sz="1800" dirty="0">
+                <a:solidFill>
+                  <a:schemeClr val="accent3"/>
+                </a:solidFill>
+                <a:latin typeface="微軟正黑體" panose="020B0604030504040204" pitchFamily="34" charset="-120"/>
+                <a:ea typeface="微軟正黑體" panose="020B0604030504040204" pitchFamily="34" charset="-120"/>
+              </a:rPr>
+              <a:t>RL</a:t>
+            </a:r>
+            <a:r>
+              <a:rPr lang="zh-TW" altLang="en-US" sz="1800" dirty="0">
+                <a:solidFill>
+                  <a:schemeClr val="accent3"/>
+                </a:solidFill>
+                <a:latin typeface="微軟正黑體" panose="020B0604030504040204" pitchFamily="34" charset="-120"/>
+                <a:ea typeface="微軟正黑體" panose="020B0604030504040204" pitchFamily="34" charset="-120"/>
+              </a:rPr>
+              <a:t> </a:t>
+            </a:r>
+            <a:r>
+              <a:rPr lang="en-US" altLang="zh-TW" sz="1800" dirty="0">
+                <a:solidFill>
+                  <a:schemeClr val="accent3"/>
+                </a:solidFill>
+                <a:latin typeface="微軟正黑體" panose="020B0604030504040204" pitchFamily="34" charset="-120"/>
+                <a:ea typeface="微軟正黑體" panose="020B0604030504040204" pitchFamily="34" charset="-120"/>
+              </a:rPr>
+              <a:t>Overview</a:t>
+            </a:r>
+          </a:p>
+          <a:p>
+            <a:pPr marL="0" indent="0">
+              <a:lnSpc>
+                <a:spcPct val="300000"/>
+              </a:lnSpc>
+              <a:buNone/>
+            </a:pPr>
+            <a:r>
+              <a:rPr lang="en-US" altLang="zh-TW" sz="1800" dirty="0">
+                <a:solidFill>
+                  <a:schemeClr val="accent3"/>
+                </a:solidFill>
+                <a:latin typeface="微軟正黑體" panose="020B0604030504040204" pitchFamily="34" charset="-120"/>
+                <a:ea typeface="微軟正黑體" panose="020B0604030504040204" pitchFamily="34" charset="-120"/>
+              </a:rPr>
+              <a:t>Actor-Critic</a:t>
+            </a:r>
+          </a:p>
+          <a:p>
+            <a:pPr marL="0" indent="0">
+              <a:buNone/>
+            </a:pPr>
+            <a:endParaRPr lang="zh-TW" altLang="en-US" sz="1800" dirty="0">
+              <a:solidFill>
+                <a:schemeClr val="accent3"/>
+              </a:solidFill>
+            </a:endParaRPr>
+          </a:p>
+        </p:txBody>
+      </p:sp>
+      <p:pic>
+        <p:nvPicPr>
+          <p:cNvPr id="232" name="圖片 231">
+            <a:extLst>
+              <a:ext uri="{FF2B5EF4-FFF2-40B4-BE49-F238E27FC236}">
+                <a16:creationId xmlns:a16="http://schemas.microsoft.com/office/drawing/2014/main" id="{2099F36C-DB65-5F7A-D982-8C43C85F33EB}"/>
+              </a:ext>
+            </a:extLst>
+          </p:cNvPr>
+          <p:cNvPicPr>
+            <a:picLocks noChangeAspect="1"/>
+          </p:cNvPicPr>
+          <p:nvPr/>
+        </p:nvPicPr>
+        <p:blipFill rotWithShape="1">
+          <a:blip r:embed="rId4">
+            <a:extLst>
+              <a:ext uri="{28A0092B-C50C-407E-A947-70E740481C1C}">
+                <a14:useLocalDpi xmlns:a14="http://schemas.microsoft.com/office/drawing/2010/main" val="0"/>
+              </a:ext>
+            </a:extLst>
+          </a:blip>
+          <a:srcRect l="5838" t="5838" r="13099" b="13099"/>
+          <a:stretch/>
+        </p:blipFill>
+        <p:spPr>
+          <a:xfrm>
+            <a:off x="143180" y="338007"/>
+            <a:ext cx="1338779" cy="1338779"/>
+          </a:xfrm>
+          <a:prstGeom prst="rect">
+            <a:avLst/>
+          </a:prstGeom>
+          <a:effectLst>
+            <a:softEdge rad="63500"/>
+          </a:effectLst>
+        </p:spPr>
+      </p:pic>
+      <p:grpSp>
+        <p:nvGrpSpPr>
+          <p:cNvPr id="4" name="群組 3">
+            <a:extLst>
+              <a:ext uri="{FF2B5EF4-FFF2-40B4-BE49-F238E27FC236}">
+                <a16:creationId xmlns:a16="http://schemas.microsoft.com/office/drawing/2014/main" id="{75D8E47A-768E-F199-36B8-4648633C5ADF}"/>
+              </a:ext>
+            </a:extLst>
+          </p:cNvPr>
+          <p:cNvGrpSpPr/>
+          <p:nvPr/>
+        </p:nvGrpSpPr>
+        <p:grpSpPr>
+          <a:xfrm>
+            <a:off x="8060837" y="3530909"/>
+            <a:ext cx="3565513" cy="3157922"/>
+            <a:chOff x="1745669" y="3530909"/>
+            <a:chExt cx="3565513" cy="3157922"/>
+          </a:xfrm>
+        </p:grpSpPr>
+        <p:pic>
+          <p:nvPicPr>
+            <p:cNvPr id="8" name="Picture 2">
+              <a:extLst>
+                <a:ext uri="{FF2B5EF4-FFF2-40B4-BE49-F238E27FC236}">
+                  <a16:creationId xmlns:a16="http://schemas.microsoft.com/office/drawing/2014/main" id="{E19CE0DE-0487-32A2-E341-65FB9A55457B}"/>
+                </a:ext>
+              </a:extLst>
+            </p:cNvPr>
+            <p:cNvPicPr>
+              <a:picLocks noChangeAspect="1" noChangeArrowheads="1"/>
+            </p:cNvPicPr>
+            <p:nvPr/>
+          </p:nvPicPr>
+          <p:blipFill>
+            <a:blip r:embed="rId5">
+              <a:extLst>
+                <a:ext uri="{28A0092B-C50C-407E-A947-70E740481C1C}">
+                  <a14:useLocalDpi xmlns:a14="http://schemas.microsoft.com/office/drawing/2010/main" val="0"/>
+                </a:ext>
+              </a:extLst>
+            </a:blip>
+            <a:srcRect/>
+            <a:stretch>
+              <a:fillRect/>
+            </a:stretch>
+          </p:blipFill>
+          <p:spPr bwMode="auto">
+            <a:xfrm>
+              <a:off x="2668782" y="4046431"/>
+              <a:ext cx="2642400" cy="2642400"/>
+            </a:xfrm>
+            <a:prstGeom prst="rect">
+              <a:avLst/>
+            </a:prstGeom>
+            <a:noFill/>
+            <a:extLst>
+              <a:ext uri="{909E8E84-426E-40DD-AFC4-6F175D3DCCD1}">
+                <a14:hiddenFill xmlns:a14="http://schemas.microsoft.com/office/drawing/2010/main">
+                  <a:solidFill>
+                    <a:srgbClr val="FFFFFF"/>
+                  </a:solidFill>
+                </a14:hiddenFill>
+              </a:ext>
+            </a:extLst>
+          </p:spPr>
+        </p:pic>
+        <p:sp>
+          <p:nvSpPr>
+            <p:cNvPr id="9" name="想法泡泡: 雲朵 8">
+              <a:extLst>
+                <a:ext uri="{FF2B5EF4-FFF2-40B4-BE49-F238E27FC236}">
+                  <a16:creationId xmlns:a16="http://schemas.microsoft.com/office/drawing/2014/main" id="{77118CEB-3E9C-CD5E-130F-C17545F9BA5A}"/>
+                </a:ext>
+              </a:extLst>
+            </p:cNvPr>
+            <p:cNvSpPr/>
+            <p:nvPr/>
+          </p:nvSpPr>
+          <p:spPr>
+            <a:xfrm>
+              <a:off x="1745669" y="3530909"/>
+              <a:ext cx="1846226" cy="1325562"/>
+            </a:xfrm>
+            <a:prstGeom prst="cloudCallout">
+              <a:avLst>
+                <a:gd name="adj1" fmla="val 71281"/>
+                <a:gd name="adj2" fmla="val 37936"/>
+              </a:avLst>
+            </a:prstGeom>
+            <a:noFill/>
+            <a:ln>
+              <a:solidFill>
+                <a:schemeClr val="accent3"/>
+              </a:solidFill>
+            </a:ln>
+          </p:spPr>
+          <p:style>
+            <a:lnRef idx="2">
+              <a:schemeClr val="accent1">
+                <a:shade val="50000"/>
+              </a:schemeClr>
+            </a:lnRef>
+            <a:fillRef idx="1">
+              <a:schemeClr val="accent1"/>
+            </a:fillRef>
+            <a:effectRef idx="0">
+              <a:schemeClr val="accent1"/>
+            </a:effectRef>
+            <a:fontRef idx="minor">
+              <a:schemeClr val="lt1"/>
+            </a:fontRef>
+          </p:style>
+          <p:txBody>
+            <a:bodyPr rtlCol="0" anchor="ctr"/>
+            <a:lstStyle/>
+            <a:p>
+              <a:pPr algn="ctr"/>
+              <a:endParaRPr lang="en-US" altLang="zh-TW" sz="1600" dirty="0">
+                <a:solidFill>
+                  <a:schemeClr val="tx1"/>
+                </a:solidFill>
+                <a:latin typeface="微軟正黑體" panose="020B0604030504040204" pitchFamily="34" charset="-120"/>
+                <a:ea typeface="微軟正黑體" panose="020B0604030504040204" pitchFamily="34" charset="-120"/>
+              </a:endParaRPr>
+            </a:p>
+          </p:txBody>
+        </p:sp>
+      </p:grpSp>
+    </p:spTree>
+    <p:extLst>
+      <p:ext uri="{BB962C8B-B14F-4D97-AF65-F5344CB8AC3E}">
+        <p14:creationId xmlns:p14="http://schemas.microsoft.com/office/powerpoint/2010/main" val="504171332"/>
+      </p:ext>
+    </p:extLst>
+  </p:cSld>
+  <p:clrMapOvr>
+    <a:masterClrMapping/>
+  </p:clrMapOvr>
+  <p:timing>
+    <p:tnLst>
+      <p:par>
+        <p:cTn id="1" dur="indefinite" restart="never" nodeType="tmRoot">
+          <p:childTnLst>
+            <p:seq concurrent="1" nextAc="seek">
+              <p:cTn id="2" dur="indefinite" nodeType="mainSeq">
+                <p:childTnLst>
+                  <p:par>
+                    <p:cTn id="3" fill="hold">
+                      <p:stCondLst>
+                        <p:cond delay="indefinite"/>
+                      </p:stCondLst>
+                      <p:childTnLst>
+                        <p:par>
+                          <p:cTn id="4" fill="hold">
+                            <p:stCondLst>
+                              <p:cond delay="0"/>
+                            </p:stCondLst>
+                            <p:childTnLst>
+                              <p:par>
+                                <p:cTn id="5" presetID="37" presetClass="path" presetSubtype="0" accel="50000" decel="50000" fill="hold" nodeType="clickEffect">
+                                  <p:stCondLst>
+                                    <p:cond delay="0"/>
+                                  </p:stCondLst>
+                                  <p:childTnLst>
+                                    <p:animMotion origin="layout" path="M -3.125E-6 2.59259E-6 L 0.13412 -0.3257 C 0.16198 -0.39908 0.20391 -0.43843 0.24792 -0.43843 C 0.29805 -0.43843 0.33815 -0.39908 0.36602 -0.3257 L 0.50026 2.59259E-6 " pathEditMode="relative" rAng="0" ptsTypes="AAAAA">
+                                      <p:cBhvr>
+                                        <p:cTn id="6" dur="500" fill="hold"/>
+                                        <p:tgtEl>
+                                          <p:spTgt spid="4"/>
+                                        </p:tgtEl>
+                                        <p:attrNameLst>
+                                          <p:attrName>ppt_x</p:attrName>
+                                          <p:attrName>ppt_y</p:attrName>
+                                        </p:attrNameLst>
+                                      </p:cBhvr>
+                                      <p:rCtr x="25013" y="-21921"/>
+                                    </p:animMotion>
+                                  </p:childTnLst>
+                                </p:cTn>
+                              </p:par>
+                            </p:childTnLst>
+                          </p:cTn>
+                        </p:par>
+                      </p:childTnLst>
+                    </p:cTn>
+                  </p:par>
+                </p:childTnLst>
+              </p:cTn>
+              <p:prevCondLst>
+                <p:cond evt="onPrev" delay="0">
+                  <p:tgtEl>
+                    <p:sldTgt/>
+                  </p:tgtEl>
+                </p:cond>
+              </p:prevCondLst>
+              <p:nextCondLst>
+                <p:cond evt="onNext" delay="0">
+                  <p:tgtEl>
+                    <p:sldTgt/>
+                  </p:tgtEl>
+                </p:cond>
+              </p:nextCondLst>
+            </p:seq>
+          </p:childTnLst>
+        </p:cTn>
+      </p:par>
+    </p:tnLst>
+  </p:timing>
+</p:sld>
+</file>
+
+<file path=ppt/slides/slide11.xml><?xml version="1.0" encoding="utf-8"?>
+<p:sld xmlns:a="http://schemas.openxmlformats.org/drawingml/2006/main" xmlns:r="http://schemas.openxmlformats.org/officeDocument/2006/relationships" xmlns:p="http://schemas.openxmlformats.org/presentationml/2006/main">
+  <p:cSld>
+    <p:spTree>
+      <p:nvGrpSpPr>
+        <p:cNvPr id="1" name=""/>
+        <p:cNvGrpSpPr/>
+        <p:nvPr/>
+      </p:nvGrpSpPr>
+      <p:grpSpPr>
+        <a:xfrm>
+          <a:off x="0" y="0"/>
+          <a:ext cx="0" cy="0"/>
+          <a:chOff x="0" y="0"/>
+          <a:chExt cx="0" cy="0"/>
+        </a:xfrm>
+      </p:grpSpPr>
+      <p:pic>
+        <p:nvPicPr>
+          <p:cNvPr id="231" name="圖片 230" descr="一張含有 廚具, 刷子 的圖片&#10;&#10;自動產生的描述">
+            <a:extLst>
+              <a:ext uri="{FF2B5EF4-FFF2-40B4-BE49-F238E27FC236}">
+                <a16:creationId xmlns:a16="http://schemas.microsoft.com/office/drawing/2014/main" id="{03CC1853-0729-381A-1FEB-B8ECD6C44174}"/>
+              </a:ext>
+            </a:extLst>
+          </p:cNvPr>
+          <p:cNvPicPr>
+            <a:picLocks noChangeAspect="1"/>
+          </p:cNvPicPr>
+          <p:nvPr/>
+        </p:nvPicPr>
+        <p:blipFill>
+          <a:blip r:embed="rId2">
+            <a:alphaModFix amt="10000"/>
+            <a:extLst>
+              <a:ext uri="{28A0092B-C50C-407E-A947-70E740481C1C}">
+                <a14:useLocalDpi xmlns:a14="http://schemas.microsoft.com/office/drawing/2010/main" val="0"/>
+              </a:ext>
+            </a:extLst>
+          </a:blip>
+          <a:stretch>
+            <a:fillRect/>
+          </a:stretch>
+        </p:blipFill>
+        <p:spPr>
+          <a:xfrm>
+            <a:off x="374017" y="271518"/>
+            <a:ext cx="11443966" cy="6314963"/>
+          </a:xfrm>
+          <a:prstGeom prst="rect">
+            <a:avLst/>
+          </a:prstGeom>
+        </p:spPr>
+      </p:pic>
+      <p:sp>
+        <p:nvSpPr>
+          <p:cNvPr id="2" name="標題 1">
+            <a:extLst>
+              <a:ext uri="{FF2B5EF4-FFF2-40B4-BE49-F238E27FC236}">
+                <a16:creationId xmlns:a16="http://schemas.microsoft.com/office/drawing/2014/main" id="{0E390A05-6707-49AE-B272-8F1AC9AA2DD6}"/>
+              </a:ext>
+            </a:extLst>
+          </p:cNvPr>
+          <p:cNvSpPr>
+            <a:spLocks noGrp="1"/>
+          </p:cNvSpPr>
+          <p:nvPr>
+            <p:ph type="title"/>
+          </p:nvPr>
+        </p:nvSpPr>
+        <p:spPr>
+          <a:xfrm>
+            <a:off x="1636761" y="365125"/>
+            <a:ext cx="10299515" cy="1325563"/>
+          </a:xfrm>
+          <a:ln w="28575">
+            <a:solidFill>
+              <a:schemeClr val="tx1"/>
+            </a:solidFill>
+          </a:ln>
+        </p:spPr>
+        <p:txBody>
+          <a:bodyPr/>
+          <a:lstStyle/>
+          <a:p>
+            <a:pPr algn="ctr"/>
+            <a:r>
+              <a:rPr lang="en-US" altLang="zh-TW" dirty="0">
+                <a:latin typeface="微軟正黑體" panose="020B0604030504040204" pitchFamily="34" charset="-120"/>
+                <a:ea typeface="微軟正黑體" panose="020B0604030504040204" pitchFamily="34" charset="-120"/>
+              </a:rPr>
+              <a:t>2.9 </a:t>
+            </a:r>
+            <a:r>
+              <a:rPr lang="zh-TW" altLang="en-US" dirty="0">
+                <a:latin typeface="微軟正黑體" panose="020B0604030504040204" pitchFamily="34" charset="-120"/>
+                <a:ea typeface="微軟正黑體" panose="020B0604030504040204" pitchFamily="34" charset="-120"/>
+              </a:rPr>
+              <a:t>關聯搜尋（情境式拉霸機）</a:t>
+            </a:r>
+          </a:p>
+        </p:txBody>
+      </p:sp>
+      <p:sp>
+        <p:nvSpPr>
+          <p:cNvPr id="3" name="內容版面配置區 2">
+            <a:extLst>
+              <a:ext uri="{FF2B5EF4-FFF2-40B4-BE49-F238E27FC236}">
+                <a16:creationId xmlns:a16="http://schemas.microsoft.com/office/drawing/2014/main" id="{974E1A0F-B7E4-4DF8-B559-6D4D1908F332}"/>
+              </a:ext>
+            </a:extLst>
+          </p:cNvPr>
+          <p:cNvSpPr>
+            <a:spLocks noGrp="1"/>
+          </p:cNvSpPr>
+          <p:nvPr>
+            <p:ph idx="1"/>
+          </p:nvPr>
+        </p:nvSpPr>
+        <p:spPr>
+          <a:xfrm>
+            <a:off x="1636762" y="1825625"/>
+            <a:ext cx="10299514" cy="4863206"/>
+          </a:xfrm>
+          <a:ln w="28575">
+            <a:solidFill>
+              <a:schemeClr val="tx1"/>
+            </a:solidFill>
+          </a:ln>
+        </p:spPr>
+        <p:txBody>
+          <a:bodyPr/>
+          <a:lstStyle/>
+          <a:p>
+            <a:pPr marL="0" indent="0">
+              <a:lnSpc>
+                <a:spcPct val="200000"/>
+              </a:lnSpc>
+              <a:buNone/>
+            </a:pPr>
+            <a:r>
+              <a:rPr lang="zh-TW" altLang="en-US" dirty="0">
+                <a:latin typeface="微軟正黑體" panose="020B0604030504040204" pitchFamily="34" charset="-120"/>
+                <a:ea typeface="微軟正黑體" panose="020B0604030504040204" pitchFamily="34" charset="-120"/>
+              </a:rPr>
+              <a:t>現在假設當你選擇拉霸機任務時，將獲得一些關於區分各個拉霸機的獨特線索（但不是其動作值）。比如拉霸機的動作值改變時期外表顯式的顏色也發生變化。</a:t>
+            </a:r>
+            <a:endParaRPr lang="en-US" altLang="zh-TW" dirty="0">
+              <a:latin typeface="微軟正黑體" panose="020B0604030504040204" pitchFamily="34" charset="-120"/>
+              <a:ea typeface="微軟正黑體" panose="020B0604030504040204" pitchFamily="34" charset="-120"/>
+            </a:endParaRPr>
+          </a:p>
+          <a:p>
+            <a:pPr marL="0" indent="0">
+              <a:lnSpc>
+                <a:spcPct val="200000"/>
+              </a:lnSpc>
+              <a:buNone/>
+            </a:pPr>
+            <a:r>
+              <a:rPr lang="zh-TW" altLang="en-US" dirty="0">
+                <a:latin typeface="微軟正黑體" panose="020B0604030504040204" pitchFamily="34" charset="-120"/>
+                <a:ea typeface="微軟正黑體" panose="020B0604030504040204" pitchFamily="34" charset="-120"/>
+              </a:rPr>
+              <a:t>策略可能會變成：如果是紅色，選第一根桿子；如果是綠色，選第二根桿子；</a:t>
+            </a:r>
+            <a:r>
+              <a:rPr lang="en-US" altLang="zh-TW" dirty="0">
+                <a:latin typeface="微軟正黑體" panose="020B0604030504040204" pitchFamily="34" charset="-120"/>
+                <a:ea typeface="微軟正黑體" panose="020B0604030504040204" pitchFamily="34" charset="-120"/>
+              </a:rPr>
+              <a:t>…</a:t>
+            </a:r>
+            <a:r>
+              <a:rPr lang="zh-TW" altLang="en-US" dirty="0">
+                <a:latin typeface="微軟正黑體" panose="020B0604030504040204" pitchFamily="34" charset="-120"/>
+                <a:ea typeface="微軟正黑體" panose="020B0604030504040204" pitchFamily="34" charset="-120"/>
+              </a:rPr>
+              <a:t>。如此獲得最高獎勵。</a:t>
+            </a:r>
+            <a:endParaRPr lang="en-US" altLang="zh-TW" dirty="0">
+              <a:latin typeface="微軟正黑體" panose="020B0604030504040204" pitchFamily="34" charset="-120"/>
+              <a:ea typeface="微軟正黑體" panose="020B0604030504040204" pitchFamily="34" charset="-120"/>
+            </a:endParaRPr>
+          </a:p>
+        </p:txBody>
+      </p:sp>
+      <p:sp>
+        <p:nvSpPr>
+          <p:cNvPr id="226" name="內容版面配置區 2">
+            <a:extLst>
+              <a:ext uri="{FF2B5EF4-FFF2-40B4-BE49-F238E27FC236}">
+                <a16:creationId xmlns:a16="http://schemas.microsoft.com/office/drawing/2014/main" id="{CB3BF928-2960-4272-9244-D4A967045A95}"/>
+              </a:ext>
+            </a:extLst>
+          </p:cNvPr>
+          <p:cNvSpPr txBox="1">
+            <a:spLocks/>
+          </p:cNvSpPr>
+          <p:nvPr/>
+        </p:nvSpPr>
+        <p:spPr>
+          <a:xfrm>
+            <a:off x="110307" y="1825625"/>
+            <a:ext cx="1371652" cy="4863214"/>
+          </a:xfrm>
+          <a:prstGeom prst="rect">
+            <a:avLst/>
+          </a:prstGeom>
+          <a:ln w="28575">
+            <a:solidFill>
+              <a:schemeClr val="tx1"/>
+            </a:solidFill>
+          </a:ln>
+        </p:spPr>
+        <p:txBody>
+          <a:bodyPr vert="horz" lIns="91440" tIns="45720" rIns="91440" bIns="45720" rtlCol="0">
+            <a:normAutofit fontScale="70000" lnSpcReduction="20000"/>
+          </a:bodyPr>
+          <a:lstStyle>
+            <a:lvl1pPr marL="228600" indent="-228600" algn="l" defTabSz="914400" rtl="0" eaLnBrk="1" latinLnBrk="0" hangingPunct="1">
+              <a:lnSpc>
+                <a:spcPct val="90000"/>
+              </a:lnSpc>
+              <a:spcBef>
+                <a:spcPts val="1000"/>
+              </a:spcBef>
+              <a:buFont typeface="Arial" panose="020B0604020202020204" pitchFamily="34" charset="0"/>
+              <a:buChar char="•"/>
+              <a:defRPr sz="2800" kern="1200">
+                <a:solidFill>
+                  <a:schemeClr val="tx1"/>
+                </a:solidFill>
+                <a:latin typeface="+mn-lt"/>
+                <a:ea typeface="+mn-ea"/>
+                <a:cs typeface="+mn-cs"/>
+              </a:defRPr>
+            </a:lvl1pPr>
+            <a:lvl2pPr marL="685800" indent="-228600" algn="l" defTabSz="914400" rtl="0" eaLnBrk="1" latinLnBrk="0" hangingPunct="1">
+              <a:lnSpc>
+                <a:spcPct val="90000"/>
+              </a:lnSpc>
+              <a:spcBef>
+                <a:spcPts val="500"/>
+              </a:spcBef>
+              <a:buFont typeface="Arial" panose="020B0604020202020204" pitchFamily="34" charset="0"/>
+              <a:buChar char="•"/>
+              <a:defRPr sz="2400" kern="1200">
+                <a:solidFill>
+                  <a:schemeClr val="tx1"/>
+                </a:solidFill>
+                <a:latin typeface="+mn-lt"/>
+                <a:ea typeface="+mn-ea"/>
+                <a:cs typeface="+mn-cs"/>
+              </a:defRPr>
+            </a:lvl2pPr>
+            <a:lvl3pPr marL="1143000" indent="-228600" algn="l" defTabSz="914400" rtl="0" eaLnBrk="1" latinLnBrk="0" hangingPunct="1">
+              <a:lnSpc>
+                <a:spcPct val="90000"/>
+              </a:lnSpc>
+              <a:spcBef>
+                <a:spcPts val="500"/>
+              </a:spcBef>
+              <a:buFont typeface="Arial" panose="020B0604020202020204" pitchFamily="34" charset="0"/>
+              <a:buChar char="•"/>
+              <a:defRPr sz="2000" kern="1200">
+                <a:solidFill>
+                  <a:schemeClr val="tx1"/>
+                </a:solidFill>
+                <a:latin typeface="+mn-lt"/>
+                <a:ea typeface="+mn-ea"/>
+                <a:cs typeface="+mn-cs"/>
+              </a:defRPr>
+            </a:lvl3pPr>
+            <a:lvl4pPr marL="1600200" indent="-228600" algn="l" defTabSz="914400" rtl="0" eaLnBrk="1" latinLnBrk="0" hangingPunct="1">
+              <a:lnSpc>
+                <a:spcPct val="90000"/>
+              </a:lnSpc>
+              <a:spcBef>
+                <a:spcPts val="500"/>
+              </a:spcBef>
+              <a:buFont typeface="Arial" panose="020B0604020202020204" pitchFamily="34" charset="0"/>
+              <a:buChar char="•"/>
+              <a:defRPr sz="1800" kern="1200">
+                <a:solidFill>
+                  <a:schemeClr val="tx1"/>
+                </a:solidFill>
+                <a:latin typeface="+mn-lt"/>
+                <a:ea typeface="+mn-ea"/>
+                <a:cs typeface="+mn-cs"/>
+              </a:defRPr>
+            </a:lvl4pPr>
+            <a:lvl5pPr marL="2057400" indent="-228600" algn="l" defTabSz="914400" rtl="0" eaLnBrk="1" latinLnBrk="0" hangingPunct="1">
+              <a:lnSpc>
+                <a:spcPct val="90000"/>
+              </a:lnSpc>
+              <a:spcBef>
+                <a:spcPts val="500"/>
+              </a:spcBef>
+              <a:buFont typeface="Arial" panose="020B0604020202020204" pitchFamily="34" charset="0"/>
+              <a:buChar char="•"/>
+              <a:defRPr sz="1800" kern="1200">
+                <a:solidFill>
+                  <a:schemeClr val="tx1"/>
+                </a:solidFill>
+                <a:latin typeface="+mn-lt"/>
+                <a:ea typeface="+mn-ea"/>
+                <a:cs typeface="+mn-cs"/>
+              </a:defRPr>
+            </a:lvl5pPr>
+            <a:lvl6pPr marL="2514600" indent="-228600" algn="l" defTabSz="914400" rtl="0" eaLnBrk="1" latinLnBrk="0" hangingPunct="1">
+              <a:lnSpc>
+                <a:spcPct val="90000"/>
+              </a:lnSpc>
+              <a:spcBef>
+                <a:spcPts val="500"/>
+              </a:spcBef>
+              <a:buFont typeface="Arial" panose="020B0604020202020204" pitchFamily="34" charset="0"/>
+              <a:buChar char="•"/>
+              <a:defRPr sz="1800" kern="1200">
+                <a:solidFill>
+                  <a:schemeClr val="tx1"/>
+                </a:solidFill>
+                <a:latin typeface="+mn-lt"/>
+                <a:ea typeface="+mn-ea"/>
+                <a:cs typeface="+mn-cs"/>
+              </a:defRPr>
+            </a:lvl6pPr>
+            <a:lvl7pPr marL="2971800" indent="-228600" algn="l" defTabSz="914400" rtl="0" eaLnBrk="1" latinLnBrk="0" hangingPunct="1">
+              <a:lnSpc>
+                <a:spcPct val="90000"/>
+              </a:lnSpc>
+              <a:spcBef>
+                <a:spcPts val="500"/>
+              </a:spcBef>
+              <a:buFont typeface="Arial" panose="020B0604020202020204" pitchFamily="34" charset="0"/>
+              <a:buChar char="•"/>
+              <a:defRPr sz="1800" kern="1200">
+                <a:solidFill>
+                  <a:schemeClr val="tx1"/>
+                </a:solidFill>
+                <a:latin typeface="+mn-lt"/>
+                <a:ea typeface="+mn-ea"/>
+                <a:cs typeface="+mn-cs"/>
+              </a:defRPr>
+            </a:lvl7pPr>
+            <a:lvl8pPr marL="3429000" indent="-228600" algn="l" defTabSz="914400" rtl="0" eaLnBrk="1" latinLnBrk="0" hangingPunct="1">
+              <a:lnSpc>
+                <a:spcPct val="90000"/>
+              </a:lnSpc>
+              <a:spcBef>
+                <a:spcPts val="500"/>
+              </a:spcBef>
+              <a:buFont typeface="Arial" panose="020B0604020202020204" pitchFamily="34" charset="0"/>
+              <a:buChar char="•"/>
+              <a:defRPr sz="1800" kern="1200">
+                <a:solidFill>
+                  <a:schemeClr val="tx1"/>
+                </a:solidFill>
+                <a:latin typeface="+mn-lt"/>
+                <a:ea typeface="+mn-ea"/>
+                <a:cs typeface="+mn-cs"/>
+              </a:defRPr>
+            </a:lvl8pPr>
+            <a:lvl9pPr marL="3886200" indent="-228600" algn="l" defTabSz="914400" rtl="0" eaLnBrk="1" latinLnBrk="0" hangingPunct="1">
+              <a:lnSpc>
+                <a:spcPct val="90000"/>
+              </a:lnSpc>
+              <a:spcBef>
+                <a:spcPts val="500"/>
+              </a:spcBef>
+              <a:buFont typeface="Arial" panose="020B0604020202020204" pitchFamily="34" charset="0"/>
+              <a:buChar char="•"/>
+              <a:defRPr sz="1800" kern="1200">
+                <a:solidFill>
+                  <a:schemeClr val="tx1"/>
+                </a:solidFill>
+                <a:latin typeface="+mn-lt"/>
+                <a:ea typeface="+mn-ea"/>
+                <a:cs typeface="+mn-cs"/>
+              </a:defRPr>
+            </a:lvl9pPr>
+          </a:lstStyle>
+          <a:p>
+            <a:pPr marL="0" indent="0">
+              <a:lnSpc>
+                <a:spcPct val="300000"/>
+              </a:lnSpc>
+              <a:buNone/>
+            </a:pPr>
+            <a:r>
+              <a:rPr lang="zh-TW" altLang="en-US" sz="1800" dirty="0">
+                <a:solidFill>
+                  <a:schemeClr val="accent3"/>
+                </a:solidFill>
+                <a:latin typeface="微軟正黑體" panose="020B0604030504040204" pitchFamily="34" charset="-120"/>
+                <a:ea typeface="微軟正黑體" panose="020B0604030504040204" pitchFamily="34" charset="-120"/>
+              </a:rPr>
+              <a:t>參考來源</a:t>
+            </a:r>
+            <a:endParaRPr lang="en-US" altLang="zh-TW" sz="1800" dirty="0">
+              <a:solidFill>
+                <a:schemeClr val="accent3"/>
+              </a:solidFill>
+              <a:latin typeface="微軟正黑體" panose="020B0604030504040204" pitchFamily="34" charset="-120"/>
+              <a:ea typeface="微軟正黑體" panose="020B0604030504040204" pitchFamily="34" charset="-120"/>
+            </a:endParaRPr>
+          </a:p>
+          <a:p>
+            <a:pPr marL="0" indent="0">
+              <a:lnSpc>
+                <a:spcPct val="300000"/>
+              </a:lnSpc>
+              <a:buNone/>
+            </a:pPr>
+            <a:r>
+              <a:rPr lang="zh-TW" altLang="en-US" sz="1800" dirty="0">
+                <a:solidFill>
+                  <a:schemeClr val="accent3"/>
+                </a:solidFill>
+                <a:latin typeface="微軟正黑體" panose="020B0604030504040204" pitchFamily="34" charset="-120"/>
+                <a:ea typeface="微軟正黑體" panose="020B0604030504040204" pitchFamily="34" charset="-120"/>
+              </a:rPr>
+              <a:t>大綱</a:t>
+            </a:r>
+            <a:endParaRPr lang="en-US" altLang="zh-TW" sz="1800" dirty="0">
+              <a:solidFill>
+                <a:schemeClr val="accent3"/>
+              </a:solidFill>
+              <a:latin typeface="微軟正黑體" panose="020B0604030504040204" pitchFamily="34" charset="-120"/>
+              <a:ea typeface="微軟正黑體" panose="020B0604030504040204" pitchFamily="34" charset="-120"/>
+            </a:endParaRPr>
+          </a:p>
+          <a:p>
+            <a:pPr marL="0" indent="0">
+              <a:lnSpc>
+                <a:spcPct val="300000"/>
+              </a:lnSpc>
+              <a:buNone/>
+            </a:pPr>
+            <a:r>
+              <a:rPr lang="zh-TW" altLang="en-US" sz="1800" b="1" dirty="0">
+                <a:effectLst>
+                  <a:outerShdw blurRad="38100" dist="38100" dir="2700000" algn="tl">
+                    <a:srgbClr val="000000">
+                      <a:alpha val="43137"/>
+                    </a:srgbClr>
+                  </a:outerShdw>
+                </a:effectLst>
+                <a:latin typeface="微軟正黑體" panose="020B0604030504040204" pitchFamily="34" charset="-120"/>
+                <a:ea typeface="微軟正黑體" panose="020B0604030504040204" pitchFamily="34" charset="-120"/>
+              </a:rPr>
+              <a:t>導論</a:t>
+            </a:r>
+            <a:endParaRPr lang="en-US" altLang="zh-TW" sz="1800" b="1" dirty="0">
+              <a:effectLst>
+                <a:outerShdw blurRad="38100" dist="38100" dir="2700000" algn="tl">
+                  <a:srgbClr val="000000">
+                    <a:alpha val="43137"/>
+                  </a:srgbClr>
+                </a:outerShdw>
+              </a:effectLst>
+              <a:latin typeface="微軟正黑體" panose="020B0604030504040204" pitchFamily="34" charset="-120"/>
+              <a:ea typeface="微軟正黑體" panose="020B0604030504040204" pitchFamily="34" charset="-120"/>
+            </a:endParaRPr>
+          </a:p>
+          <a:p>
+            <a:pPr marL="0" indent="0">
+              <a:lnSpc>
+                <a:spcPct val="300000"/>
+              </a:lnSpc>
+              <a:buNone/>
+            </a:pPr>
+            <a:r>
+              <a:rPr lang="zh-TW" altLang="en-US" sz="1800" dirty="0">
+                <a:solidFill>
+                  <a:schemeClr val="accent3"/>
+                </a:solidFill>
+                <a:latin typeface="微軟正黑體" panose="020B0604030504040204" pitchFamily="34" charset="-120"/>
+                <a:ea typeface="微軟正黑體" panose="020B0604030504040204" pitchFamily="34" charset="-120"/>
+              </a:rPr>
+              <a:t>多搖臂式拉霸機</a:t>
+            </a:r>
+            <a:endParaRPr lang="en-US" altLang="zh-TW" sz="1800" dirty="0">
+              <a:solidFill>
+                <a:schemeClr val="accent3"/>
+              </a:solidFill>
+              <a:latin typeface="微軟正黑體" panose="020B0604030504040204" pitchFamily="34" charset="-120"/>
+              <a:ea typeface="微軟正黑體" panose="020B0604030504040204" pitchFamily="34" charset="-120"/>
+            </a:endParaRPr>
+          </a:p>
+          <a:p>
+            <a:pPr marL="0" indent="0">
+              <a:lnSpc>
+                <a:spcPct val="300000"/>
+              </a:lnSpc>
+              <a:buNone/>
+            </a:pPr>
+            <a:r>
+              <a:rPr lang="en-US" altLang="zh-TW" sz="1800" dirty="0">
+                <a:solidFill>
+                  <a:schemeClr val="accent3"/>
+                </a:solidFill>
+                <a:latin typeface="微軟正黑體" panose="020B0604030504040204" pitchFamily="34" charset="-120"/>
+                <a:ea typeface="微軟正黑體" panose="020B0604030504040204" pitchFamily="34" charset="-120"/>
+              </a:rPr>
+              <a:t>RL</a:t>
+            </a:r>
+            <a:r>
+              <a:rPr lang="zh-TW" altLang="en-US" sz="1800" dirty="0">
+                <a:solidFill>
+                  <a:schemeClr val="accent3"/>
+                </a:solidFill>
+                <a:latin typeface="微軟正黑體" panose="020B0604030504040204" pitchFamily="34" charset="-120"/>
+                <a:ea typeface="微軟正黑體" panose="020B0604030504040204" pitchFamily="34" charset="-120"/>
+              </a:rPr>
+              <a:t> </a:t>
+            </a:r>
+            <a:r>
+              <a:rPr lang="en-US" altLang="zh-TW" sz="1800" dirty="0">
+                <a:solidFill>
+                  <a:schemeClr val="accent3"/>
+                </a:solidFill>
+                <a:latin typeface="微軟正黑體" panose="020B0604030504040204" pitchFamily="34" charset="-120"/>
+                <a:ea typeface="微軟正黑體" panose="020B0604030504040204" pitchFamily="34" charset="-120"/>
+              </a:rPr>
+              <a:t>Overview</a:t>
+            </a:r>
+          </a:p>
+          <a:p>
+            <a:pPr marL="0" indent="0">
+              <a:lnSpc>
+                <a:spcPct val="300000"/>
+              </a:lnSpc>
+              <a:buNone/>
+            </a:pPr>
+            <a:r>
+              <a:rPr lang="en-US" altLang="zh-TW" sz="1800" dirty="0">
+                <a:solidFill>
+                  <a:schemeClr val="accent3"/>
+                </a:solidFill>
+                <a:latin typeface="微軟正黑體" panose="020B0604030504040204" pitchFamily="34" charset="-120"/>
+                <a:ea typeface="微軟正黑體" panose="020B0604030504040204" pitchFamily="34" charset="-120"/>
+              </a:rPr>
+              <a:t>Actor-Critic</a:t>
+            </a:r>
+          </a:p>
+          <a:p>
+            <a:pPr marL="0" indent="0">
+              <a:buNone/>
+            </a:pPr>
+            <a:endParaRPr lang="zh-TW" altLang="en-US" sz="1800" dirty="0">
+              <a:solidFill>
+                <a:schemeClr val="accent3"/>
+              </a:solidFill>
+            </a:endParaRPr>
+          </a:p>
+        </p:txBody>
+      </p:sp>
+      <p:pic>
+        <p:nvPicPr>
+          <p:cNvPr id="232" name="圖片 231">
+            <a:extLst>
+              <a:ext uri="{FF2B5EF4-FFF2-40B4-BE49-F238E27FC236}">
+                <a16:creationId xmlns:a16="http://schemas.microsoft.com/office/drawing/2014/main" id="{2099F36C-DB65-5F7A-D982-8C43C85F33EB}"/>
+              </a:ext>
+            </a:extLst>
+          </p:cNvPr>
+          <p:cNvPicPr>
+            <a:picLocks noChangeAspect="1"/>
+          </p:cNvPicPr>
+          <p:nvPr/>
+        </p:nvPicPr>
+        <p:blipFill rotWithShape="1">
+          <a:blip r:embed="rId3">
+            <a:extLst>
+              <a:ext uri="{28A0092B-C50C-407E-A947-70E740481C1C}">
+                <a14:useLocalDpi xmlns:a14="http://schemas.microsoft.com/office/drawing/2010/main" val="0"/>
+              </a:ext>
+            </a:extLst>
+          </a:blip>
+          <a:srcRect l="5838" t="5838" r="13099" b="13099"/>
+          <a:stretch/>
+        </p:blipFill>
+        <p:spPr>
+          <a:xfrm>
+            <a:off x="143180" y="338007"/>
+            <a:ext cx="1338779" cy="1338779"/>
+          </a:xfrm>
+          <a:prstGeom prst="rect">
+            <a:avLst/>
+          </a:prstGeom>
+          <a:effectLst>
+            <a:softEdge rad="63500"/>
+          </a:effectLst>
+        </p:spPr>
+      </p:pic>
+    </p:spTree>
+    <p:extLst>
+      <p:ext uri="{BB962C8B-B14F-4D97-AF65-F5344CB8AC3E}">
+        <p14:creationId xmlns:p14="http://schemas.microsoft.com/office/powerpoint/2010/main" val="1678611170"/>
+      </p:ext>
+    </p:extLst>
+  </p:cSld>
+  <p:clrMapOvr>
+    <a:masterClrMapping/>
+  </p:clrMapOvr>
+</p:sld>
+</file>
+
+<file path=ppt/slides/slide12.xml><?xml version="1.0" encoding="utf-8"?>
+<p:sld xmlns:a="http://schemas.openxmlformats.org/drawingml/2006/main" xmlns:r="http://schemas.openxmlformats.org/officeDocument/2006/relationships" xmlns:p="http://schemas.openxmlformats.org/presentationml/2006/main">
+  <p:cSld>
+    <p:spTree>
+      <p:nvGrpSpPr>
+        <p:cNvPr id="1" name=""/>
+        <p:cNvGrpSpPr/>
+        <p:nvPr/>
+      </p:nvGrpSpPr>
+      <p:grpSpPr>
+        <a:xfrm>
+          <a:off x="0" y="0"/>
+          <a:ext cx="0" cy="0"/>
+          <a:chOff x="0" y="0"/>
+          <a:chExt cx="0" cy="0"/>
+        </a:xfrm>
+      </p:grpSpPr>
+      <p:pic>
+        <p:nvPicPr>
+          <p:cNvPr id="231" name="圖片 230" descr="一張含有 廚具, 刷子 的圖片&#10;&#10;自動產生的描述">
+            <a:extLst>
+              <a:ext uri="{FF2B5EF4-FFF2-40B4-BE49-F238E27FC236}">
+                <a16:creationId xmlns:a16="http://schemas.microsoft.com/office/drawing/2014/main" id="{03CC1853-0729-381A-1FEB-B8ECD6C44174}"/>
+              </a:ext>
+            </a:extLst>
+          </p:cNvPr>
+          <p:cNvPicPr>
+            <a:picLocks noChangeAspect="1"/>
+          </p:cNvPicPr>
+          <p:nvPr/>
+        </p:nvPicPr>
+        <p:blipFill>
+          <a:blip r:embed="rId2">
+            <a:alphaModFix amt="10000"/>
+            <a:extLst>
+              <a:ext uri="{28A0092B-C50C-407E-A947-70E740481C1C}">
+                <a14:useLocalDpi xmlns:a14="http://schemas.microsoft.com/office/drawing/2010/main" val="0"/>
+              </a:ext>
+            </a:extLst>
+          </a:blip>
+          <a:stretch>
+            <a:fillRect/>
+          </a:stretch>
+        </p:blipFill>
+        <p:spPr>
+          <a:xfrm>
+            <a:off x="374017" y="271518"/>
+            <a:ext cx="11443966" cy="6314963"/>
+          </a:xfrm>
+          <a:prstGeom prst="rect">
+            <a:avLst/>
+          </a:prstGeom>
+        </p:spPr>
+      </p:pic>
+      <p:sp>
+        <p:nvSpPr>
+          <p:cNvPr id="2" name="標題 1">
+            <a:extLst>
+              <a:ext uri="{FF2B5EF4-FFF2-40B4-BE49-F238E27FC236}">
+                <a16:creationId xmlns:a16="http://schemas.microsoft.com/office/drawing/2014/main" id="{0E390A05-6707-49AE-B272-8F1AC9AA2DD6}"/>
+              </a:ext>
+            </a:extLst>
+          </p:cNvPr>
+          <p:cNvSpPr>
+            <a:spLocks noGrp="1"/>
+          </p:cNvSpPr>
+          <p:nvPr>
+            <p:ph type="title"/>
+          </p:nvPr>
+        </p:nvSpPr>
+        <p:spPr>
+          <a:xfrm>
+            <a:off x="1636761" y="365125"/>
+            <a:ext cx="10299515" cy="1325563"/>
+          </a:xfrm>
+          <a:ln w="28575">
+            <a:solidFill>
+              <a:schemeClr val="tx1"/>
+            </a:solidFill>
+          </a:ln>
+        </p:spPr>
+        <p:txBody>
+          <a:bodyPr/>
+          <a:lstStyle/>
+          <a:p>
+            <a:pPr algn="ctr"/>
+            <a:r>
+              <a:rPr lang="en-US" altLang="zh-TW" dirty="0">
+                <a:latin typeface="微軟正黑體" panose="020B0604030504040204" pitchFamily="34" charset="-120"/>
+                <a:ea typeface="微軟正黑體" panose="020B0604030504040204" pitchFamily="34" charset="-120"/>
+              </a:rPr>
+              <a:t>2.10 </a:t>
+            </a:r>
+            <a:r>
+              <a:rPr lang="zh-TW" altLang="en-US" dirty="0">
+                <a:latin typeface="微軟正黑體" panose="020B0604030504040204" pitchFamily="34" charset="-120"/>
+                <a:ea typeface="微軟正黑體" panose="020B0604030504040204" pitchFamily="34" charset="-120"/>
+              </a:rPr>
+              <a:t>本章總結（參數研究）</a:t>
+            </a:r>
+          </a:p>
+        </p:txBody>
+      </p:sp>
+      <mc:AlternateContent xmlns:mc="http://schemas.openxmlformats.org/markup-compatibility/2006">
+        <mc:Choice xmlns:a14="http://schemas.microsoft.com/office/drawing/2010/main" Requires="a14">
+          <p:sp>
+            <p:nvSpPr>
+              <p:cNvPr id="3" name="內容版面配置區 2">
+                <a:extLst>
+                  <a:ext uri="{FF2B5EF4-FFF2-40B4-BE49-F238E27FC236}">
+                    <a16:creationId xmlns:a16="http://schemas.microsoft.com/office/drawing/2014/main" id="{974E1A0F-B7E4-4DF8-B559-6D4D1908F332}"/>
+                  </a:ext>
+                </a:extLst>
+              </p:cNvPr>
+              <p:cNvSpPr>
+                <a:spLocks noGrp="1"/>
+              </p:cNvSpPr>
+              <p:nvPr>
+                <p:ph idx="1"/>
+              </p:nvPr>
+            </p:nvSpPr>
+            <p:spPr>
+              <a:xfrm>
+                <a:off x="1636762" y="1825625"/>
+                <a:ext cx="10299514" cy="4863206"/>
+              </a:xfrm>
+              <a:ln w="28575">
+                <a:solidFill>
+                  <a:schemeClr val="tx1"/>
+                </a:solidFill>
+              </a:ln>
+            </p:spPr>
+            <p:txBody>
+              <a:bodyPr/>
+              <a:lstStyle/>
+              <a:p>
+                <a:pPr marL="0" indent="0">
+                  <a:lnSpc>
+                    <a:spcPct val="200000"/>
+                  </a:lnSpc>
+                  <a:buNone/>
+                </a:pPr>
+                <a:r>
+                  <a:rPr lang="zh-TW" altLang="en-US" dirty="0">
+                    <a:latin typeface="微軟正黑體" panose="020B0604030504040204" pitchFamily="34" charset="-120"/>
+                    <a:ea typeface="微軟正黑體" panose="020B0604030504040204" pitchFamily="34" charset="-120"/>
+                  </a:rPr>
+                  <a:t>貪婪方法（</a:t>
+                </a:r>
+                <a14:m>
+                  <m:oMath xmlns:m="http://schemas.openxmlformats.org/officeDocument/2006/math">
+                    <m:r>
+                      <a:rPr lang="zh-TW" altLang="en-US" i="1" smtClean="0">
+                        <a:latin typeface="Cambria Math" panose="02040503050406030204" pitchFamily="18" charset="0"/>
+                        <a:ea typeface="微軟正黑體" panose="020B0604030504040204" pitchFamily="34" charset="-120"/>
+                      </a:rPr>
+                      <m:t>𝜀</m:t>
+                    </m:r>
+                  </m:oMath>
+                </a14:m>
+                <a:r>
+                  <a:rPr lang="zh-TW" altLang="en-US" dirty="0">
+                    <a:latin typeface="微軟正黑體" panose="020B0604030504040204" pitchFamily="34" charset="-120"/>
+                    <a:ea typeface="微軟正黑體" panose="020B0604030504040204" pitchFamily="34" charset="-120"/>
+                  </a:rPr>
+                  <a:t>）、梯度拉霸機（</a:t>
+                </a:r>
+                <a14:m>
+                  <m:oMath xmlns:m="http://schemas.openxmlformats.org/officeDocument/2006/math">
+                    <m:r>
+                      <a:rPr lang="zh-TW" altLang="en-US" i="1" smtClean="0">
+                        <a:latin typeface="Cambria Math" panose="02040503050406030204" pitchFamily="18" charset="0"/>
+                        <a:ea typeface="微軟正黑體" panose="020B0604030504040204" pitchFamily="34" charset="-120"/>
+                      </a:rPr>
+                      <m:t>∝</m:t>
+                    </m:r>
+                  </m:oMath>
+                </a14:m>
+                <a:r>
+                  <a:rPr lang="zh-TW" altLang="en-US" dirty="0">
+                    <a:latin typeface="微軟正黑體" panose="020B0604030504040204" pitchFamily="34" charset="-120"/>
+                    <a:ea typeface="微軟正黑體" panose="020B0604030504040204" pitchFamily="34" charset="-120"/>
+                  </a:rPr>
+                  <a:t>）、信賴上界（</a:t>
+                </a:r>
+                <a14:m>
+                  <m:oMath xmlns:m="http://schemas.openxmlformats.org/officeDocument/2006/math">
+                    <m:r>
+                      <a:rPr lang="en-US" altLang="zh-TW" b="0" i="1" dirty="0" smtClean="0">
+                        <a:latin typeface="Cambria Math" panose="02040503050406030204" pitchFamily="18" charset="0"/>
+                        <a:ea typeface="微軟正黑體" panose="020B0604030504040204" pitchFamily="34" charset="-120"/>
+                      </a:rPr>
+                      <m:t>𝑐</m:t>
+                    </m:r>
+                  </m:oMath>
+                </a14:m>
+                <a:r>
+                  <a:rPr lang="zh-TW" altLang="en-US" dirty="0">
+                    <a:latin typeface="微軟正黑體" panose="020B0604030504040204" pitchFamily="34" charset="-120"/>
+                    <a:ea typeface="微軟正黑體" panose="020B0604030504040204" pitchFamily="34" charset="-120"/>
+                  </a:rPr>
+                  <a:t>）、樂觀的初始值（</a:t>
+                </a:r>
+                <a14:m>
+                  <m:oMath xmlns:m="http://schemas.openxmlformats.org/officeDocument/2006/math">
+                    <m:sSub>
+                      <m:sSubPr>
+                        <m:ctrlPr>
+                          <a:rPr lang="en-US" altLang="zh-TW" i="1" smtClean="0">
+                            <a:latin typeface="Cambria Math" panose="02040503050406030204" pitchFamily="18" charset="0"/>
+                            <a:ea typeface="微軟正黑體" panose="020B0604030504040204" pitchFamily="34" charset="-120"/>
+                          </a:rPr>
+                        </m:ctrlPr>
+                      </m:sSubPr>
+                      <m:e>
+                        <m:r>
+                          <a:rPr lang="en-US" altLang="zh-TW" b="0" i="1" smtClean="0">
+                            <a:latin typeface="Cambria Math" panose="02040503050406030204" pitchFamily="18" charset="0"/>
+                            <a:ea typeface="微軟正黑體" panose="020B0604030504040204" pitchFamily="34" charset="-120"/>
+                          </a:rPr>
+                          <m:t>𝑄</m:t>
+                        </m:r>
+                      </m:e>
+                      <m:sub>
+                        <m:r>
+                          <a:rPr lang="en-US" altLang="zh-TW" b="0" i="1" smtClean="0">
+                            <a:latin typeface="Cambria Math" panose="02040503050406030204" pitchFamily="18" charset="0"/>
+                            <a:ea typeface="微軟正黑體" panose="020B0604030504040204" pitchFamily="34" charset="-120"/>
+                          </a:rPr>
+                          <m:t>0</m:t>
+                        </m:r>
+                      </m:sub>
+                    </m:sSub>
+                  </m:oMath>
+                </a14:m>
+                <a:r>
+                  <a:rPr lang="zh-TW" altLang="en-US" dirty="0">
+                    <a:latin typeface="微軟正黑體" panose="020B0604030504040204" pitchFamily="34" charset="-120"/>
+                    <a:ea typeface="微軟正黑體" panose="020B0604030504040204" pitchFamily="34" charset="-120"/>
+                  </a:rPr>
+                  <a:t>）</a:t>
+                </a:r>
+              </a:p>
+            </p:txBody>
+          </p:sp>
+        </mc:Choice>
+        <mc:Fallback>
+          <p:sp>
+            <p:nvSpPr>
+              <p:cNvPr id="3" name="內容版面配置區 2">
+                <a:extLst>
+                  <a:ext uri="{FF2B5EF4-FFF2-40B4-BE49-F238E27FC236}">
+                    <a16:creationId xmlns:a16="http://schemas.microsoft.com/office/drawing/2014/main" id="{974E1A0F-B7E4-4DF8-B559-6D4D1908F332}"/>
+                  </a:ext>
+                </a:extLst>
+              </p:cNvPr>
+              <p:cNvSpPr>
+                <a:spLocks noGrp="1" noRot="1" noChangeAspect="1" noMove="1" noResize="1" noEditPoints="1" noAdjustHandles="1" noChangeArrowheads="1" noChangeShapeType="1" noTextEdit="1"/>
+              </p:cNvSpPr>
+              <p:nvPr>
+                <p:ph idx="1"/>
+              </p:nvPr>
+            </p:nvSpPr>
+            <p:spPr>
+              <a:xfrm>
+                <a:off x="1636762" y="1825625"/>
+                <a:ext cx="10299514" cy="4863206"/>
+              </a:xfrm>
+              <a:blipFill>
+                <a:blip r:embed="rId3"/>
+                <a:stretch>
+                  <a:fillRect l="-1062"/>
+                </a:stretch>
+              </a:blipFill>
+              <a:ln w="28575">
+                <a:solidFill>
+                  <a:schemeClr val="tx1"/>
+                </a:solidFill>
+              </a:ln>
+            </p:spPr>
+            <p:txBody>
+              <a:bodyPr/>
+              <a:lstStyle/>
+              <a:p>
+                <a:r>
+                  <a:rPr lang="zh-TW" altLang="en-US">
+                    <a:noFill/>
+                  </a:rPr>
+                  <a:t> </a:t>
+                </a:r>
+              </a:p>
+            </p:txBody>
+          </p:sp>
+        </mc:Fallback>
+      </mc:AlternateContent>
+      <p:sp>
+        <p:nvSpPr>
+          <p:cNvPr id="226" name="內容版面配置區 2">
+            <a:extLst>
+              <a:ext uri="{FF2B5EF4-FFF2-40B4-BE49-F238E27FC236}">
+                <a16:creationId xmlns:a16="http://schemas.microsoft.com/office/drawing/2014/main" id="{CB3BF928-2960-4272-9244-D4A967045A95}"/>
+              </a:ext>
+            </a:extLst>
+          </p:cNvPr>
+          <p:cNvSpPr txBox="1">
+            <a:spLocks/>
+          </p:cNvSpPr>
+          <p:nvPr/>
+        </p:nvSpPr>
+        <p:spPr>
+          <a:xfrm>
+            <a:off x="110307" y="1825625"/>
+            <a:ext cx="1371652" cy="4863214"/>
+          </a:xfrm>
+          <a:prstGeom prst="rect">
+            <a:avLst/>
+          </a:prstGeom>
+          <a:ln w="28575">
+            <a:solidFill>
+              <a:schemeClr val="tx1"/>
+            </a:solidFill>
+          </a:ln>
+        </p:spPr>
+        <p:txBody>
+          <a:bodyPr vert="horz" lIns="91440" tIns="45720" rIns="91440" bIns="45720" rtlCol="0">
+            <a:normAutofit fontScale="70000" lnSpcReduction="20000"/>
+          </a:bodyPr>
+          <a:lstStyle>
+            <a:lvl1pPr marL="228600" indent="-228600" algn="l" defTabSz="914400" rtl="0" eaLnBrk="1" latinLnBrk="0" hangingPunct="1">
+              <a:lnSpc>
+                <a:spcPct val="90000"/>
+              </a:lnSpc>
+              <a:spcBef>
+                <a:spcPts val="1000"/>
+              </a:spcBef>
+              <a:buFont typeface="Arial" panose="020B0604020202020204" pitchFamily="34" charset="0"/>
+              <a:buChar char="•"/>
+              <a:defRPr sz="2800" kern="1200">
+                <a:solidFill>
+                  <a:schemeClr val="tx1"/>
+                </a:solidFill>
+                <a:latin typeface="+mn-lt"/>
+                <a:ea typeface="+mn-ea"/>
+                <a:cs typeface="+mn-cs"/>
+              </a:defRPr>
+            </a:lvl1pPr>
+            <a:lvl2pPr marL="685800" indent="-228600" algn="l" defTabSz="914400" rtl="0" eaLnBrk="1" latinLnBrk="0" hangingPunct="1">
+              <a:lnSpc>
+                <a:spcPct val="90000"/>
+              </a:lnSpc>
+              <a:spcBef>
+                <a:spcPts val="500"/>
+              </a:spcBef>
+              <a:buFont typeface="Arial" panose="020B0604020202020204" pitchFamily="34" charset="0"/>
+              <a:buChar char="•"/>
+              <a:defRPr sz="2400" kern="1200">
+                <a:solidFill>
+                  <a:schemeClr val="tx1"/>
+                </a:solidFill>
+                <a:latin typeface="+mn-lt"/>
+                <a:ea typeface="+mn-ea"/>
+                <a:cs typeface="+mn-cs"/>
+              </a:defRPr>
+            </a:lvl2pPr>
+            <a:lvl3pPr marL="1143000" indent="-228600" algn="l" defTabSz="914400" rtl="0" eaLnBrk="1" latinLnBrk="0" hangingPunct="1">
+              <a:lnSpc>
+                <a:spcPct val="90000"/>
+              </a:lnSpc>
+              <a:spcBef>
+                <a:spcPts val="500"/>
+              </a:spcBef>
+              <a:buFont typeface="Arial" panose="020B0604020202020204" pitchFamily="34" charset="0"/>
+              <a:buChar char="•"/>
+              <a:defRPr sz="2000" kern="1200">
+                <a:solidFill>
+                  <a:schemeClr val="tx1"/>
+                </a:solidFill>
+                <a:latin typeface="+mn-lt"/>
+                <a:ea typeface="+mn-ea"/>
+                <a:cs typeface="+mn-cs"/>
+              </a:defRPr>
+            </a:lvl3pPr>
+            <a:lvl4pPr marL="1600200" indent="-228600" algn="l" defTabSz="914400" rtl="0" eaLnBrk="1" latinLnBrk="0" hangingPunct="1">
+              <a:lnSpc>
+                <a:spcPct val="90000"/>
+              </a:lnSpc>
+              <a:spcBef>
+                <a:spcPts val="500"/>
+              </a:spcBef>
+              <a:buFont typeface="Arial" panose="020B0604020202020204" pitchFamily="34" charset="0"/>
+              <a:buChar char="•"/>
+              <a:defRPr sz="1800" kern="1200">
+                <a:solidFill>
+                  <a:schemeClr val="tx1"/>
+                </a:solidFill>
+                <a:latin typeface="+mn-lt"/>
+                <a:ea typeface="+mn-ea"/>
+                <a:cs typeface="+mn-cs"/>
+              </a:defRPr>
+            </a:lvl4pPr>
+            <a:lvl5pPr marL="2057400" indent="-228600" algn="l" defTabSz="914400" rtl="0" eaLnBrk="1" latinLnBrk="0" hangingPunct="1">
+              <a:lnSpc>
+                <a:spcPct val="90000"/>
+              </a:lnSpc>
+              <a:spcBef>
+                <a:spcPts val="500"/>
+              </a:spcBef>
+              <a:buFont typeface="Arial" panose="020B0604020202020204" pitchFamily="34" charset="0"/>
+              <a:buChar char="•"/>
+              <a:defRPr sz="1800" kern="1200">
+                <a:solidFill>
+                  <a:schemeClr val="tx1"/>
+                </a:solidFill>
+                <a:latin typeface="+mn-lt"/>
+                <a:ea typeface="+mn-ea"/>
+                <a:cs typeface="+mn-cs"/>
+              </a:defRPr>
+            </a:lvl5pPr>
+            <a:lvl6pPr marL="2514600" indent="-228600" algn="l" defTabSz="914400" rtl="0" eaLnBrk="1" latinLnBrk="0" hangingPunct="1">
+              <a:lnSpc>
+                <a:spcPct val="90000"/>
+              </a:lnSpc>
+              <a:spcBef>
+                <a:spcPts val="500"/>
+              </a:spcBef>
+              <a:buFont typeface="Arial" panose="020B0604020202020204" pitchFamily="34" charset="0"/>
+              <a:buChar char="•"/>
+              <a:defRPr sz="1800" kern="1200">
+                <a:solidFill>
+                  <a:schemeClr val="tx1"/>
+                </a:solidFill>
+                <a:latin typeface="+mn-lt"/>
+                <a:ea typeface="+mn-ea"/>
+                <a:cs typeface="+mn-cs"/>
+              </a:defRPr>
+            </a:lvl6pPr>
+            <a:lvl7pPr marL="2971800" indent="-228600" algn="l" defTabSz="914400" rtl="0" eaLnBrk="1" latinLnBrk="0" hangingPunct="1">
+              <a:lnSpc>
+                <a:spcPct val="90000"/>
+              </a:lnSpc>
+              <a:spcBef>
+                <a:spcPts val="500"/>
+              </a:spcBef>
+              <a:buFont typeface="Arial" panose="020B0604020202020204" pitchFamily="34" charset="0"/>
+              <a:buChar char="•"/>
+              <a:defRPr sz="1800" kern="1200">
+                <a:solidFill>
+                  <a:schemeClr val="tx1"/>
+                </a:solidFill>
+                <a:latin typeface="+mn-lt"/>
+                <a:ea typeface="+mn-ea"/>
+                <a:cs typeface="+mn-cs"/>
+              </a:defRPr>
+            </a:lvl7pPr>
+            <a:lvl8pPr marL="3429000" indent="-228600" algn="l" defTabSz="914400" rtl="0" eaLnBrk="1" latinLnBrk="0" hangingPunct="1">
+              <a:lnSpc>
+                <a:spcPct val="90000"/>
+              </a:lnSpc>
+              <a:spcBef>
+                <a:spcPts val="500"/>
+              </a:spcBef>
+              <a:buFont typeface="Arial" panose="020B0604020202020204" pitchFamily="34" charset="0"/>
+              <a:buChar char="•"/>
+              <a:defRPr sz="1800" kern="1200">
+                <a:solidFill>
+                  <a:schemeClr val="tx1"/>
+                </a:solidFill>
+                <a:latin typeface="+mn-lt"/>
+                <a:ea typeface="+mn-ea"/>
+                <a:cs typeface="+mn-cs"/>
+              </a:defRPr>
+            </a:lvl8pPr>
+            <a:lvl9pPr marL="3886200" indent="-228600" algn="l" defTabSz="914400" rtl="0" eaLnBrk="1" latinLnBrk="0" hangingPunct="1">
+              <a:lnSpc>
+                <a:spcPct val="90000"/>
+              </a:lnSpc>
+              <a:spcBef>
+                <a:spcPts val="500"/>
+              </a:spcBef>
+              <a:buFont typeface="Arial" panose="020B0604020202020204" pitchFamily="34" charset="0"/>
+              <a:buChar char="•"/>
+              <a:defRPr sz="1800" kern="1200">
+                <a:solidFill>
+                  <a:schemeClr val="tx1"/>
+                </a:solidFill>
+                <a:latin typeface="+mn-lt"/>
+                <a:ea typeface="+mn-ea"/>
+                <a:cs typeface="+mn-cs"/>
+              </a:defRPr>
+            </a:lvl9pPr>
+          </a:lstStyle>
+          <a:p>
+            <a:pPr marL="0" indent="0">
+              <a:lnSpc>
+                <a:spcPct val="300000"/>
+              </a:lnSpc>
+              <a:buNone/>
+            </a:pPr>
+            <a:r>
+              <a:rPr lang="zh-TW" altLang="en-US" sz="1800" dirty="0">
+                <a:solidFill>
+                  <a:schemeClr val="accent3"/>
+                </a:solidFill>
+                <a:latin typeface="微軟正黑體" panose="020B0604030504040204" pitchFamily="34" charset="-120"/>
+                <a:ea typeface="微軟正黑體" panose="020B0604030504040204" pitchFamily="34" charset="-120"/>
+              </a:rPr>
+              <a:t>參考來源</a:t>
+            </a:r>
+            <a:endParaRPr lang="en-US" altLang="zh-TW" sz="1800" dirty="0">
+              <a:solidFill>
+                <a:schemeClr val="accent3"/>
+              </a:solidFill>
+              <a:latin typeface="微軟正黑體" panose="020B0604030504040204" pitchFamily="34" charset="-120"/>
+              <a:ea typeface="微軟正黑體" panose="020B0604030504040204" pitchFamily="34" charset="-120"/>
+            </a:endParaRPr>
+          </a:p>
+          <a:p>
+            <a:pPr marL="0" indent="0">
+              <a:lnSpc>
+                <a:spcPct val="300000"/>
+              </a:lnSpc>
+              <a:buNone/>
+            </a:pPr>
+            <a:r>
+              <a:rPr lang="zh-TW" altLang="en-US" sz="1800" dirty="0">
+                <a:solidFill>
+                  <a:schemeClr val="accent3"/>
+                </a:solidFill>
+                <a:latin typeface="微軟正黑體" panose="020B0604030504040204" pitchFamily="34" charset="-120"/>
+                <a:ea typeface="微軟正黑體" panose="020B0604030504040204" pitchFamily="34" charset="-120"/>
+              </a:rPr>
+              <a:t>大綱</a:t>
+            </a:r>
+            <a:endParaRPr lang="en-US" altLang="zh-TW" sz="1800" dirty="0">
+              <a:solidFill>
+                <a:schemeClr val="accent3"/>
+              </a:solidFill>
+              <a:latin typeface="微軟正黑體" panose="020B0604030504040204" pitchFamily="34" charset="-120"/>
+              <a:ea typeface="微軟正黑體" panose="020B0604030504040204" pitchFamily="34" charset="-120"/>
+            </a:endParaRPr>
+          </a:p>
+          <a:p>
+            <a:pPr marL="0" indent="0">
+              <a:lnSpc>
+                <a:spcPct val="300000"/>
+              </a:lnSpc>
+              <a:buNone/>
+            </a:pPr>
+            <a:r>
+              <a:rPr lang="zh-TW" altLang="en-US" sz="1800" b="1" dirty="0">
+                <a:effectLst>
+                  <a:outerShdw blurRad="38100" dist="38100" dir="2700000" algn="tl">
+                    <a:srgbClr val="000000">
+                      <a:alpha val="43137"/>
+                    </a:srgbClr>
+                  </a:outerShdw>
+                </a:effectLst>
+                <a:latin typeface="微軟正黑體" panose="020B0604030504040204" pitchFamily="34" charset="-120"/>
+                <a:ea typeface="微軟正黑體" panose="020B0604030504040204" pitchFamily="34" charset="-120"/>
+              </a:rPr>
+              <a:t>導論</a:t>
+            </a:r>
+            <a:endParaRPr lang="en-US" altLang="zh-TW" sz="1800" b="1" dirty="0">
+              <a:effectLst>
+                <a:outerShdw blurRad="38100" dist="38100" dir="2700000" algn="tl">
+                  <a:srgbClr val="000000">
+                    <a:alpha val="43137"/>
+                  </a:srgbClr>
+                </a:outerShdw>
+              </a:effectLst>
+              <a:latin typeface="微軟正黑體" panose="020B0604030504040204" pitchFamily="34" charset="-120"/>
+              <a:ea typeface="微軟正黑體" panose="020B0604030504040204" pitchFamily="34" charset="-120"/>
+            </a:endParaRPr>
+          </a:p>
+          <a:p>
+            <a:pPr marL="0" indent="0">
+              <a:lnSpc>
+                <a:spcPct val="300000"/>
+              </a:lnSpc>
+              <a:buNone/>
+            </a:pPr>
+            <a:r>
+              <a:rPr lang="zh-TW" altLang="en-US" sz="1800" dirty="0">
+                <a:solidFill>
+                  <a:schemeClr val="accent3"/>
+                </a:solidFill>
+                <a:latin typeface="微軟正黑體" panose="020B0604030504040204" pitchFamily="34" charset="-120"/>
+                <a:ea typeface="微軟正黑體" panose="020B0604030504040204" pitchFamily="34" charset="-120"/>
+              </a:rPr>
+              <a:t>多搖臂式拉霸機</a:t>
+            </a:r>
+            <a:endParaRPr lang="en-US" altLang="zh-TW" sz="1800" dirty="0">
+              <a:solidFill>
+                <a:schemeClr val="accent3"/>
+              </a:solidFill>
+              <a:latin typeface="微軟正黑體" panose="020B0604030504040204" pitchFamily="34" charset="-120"/>
+              <a:ea typeface="微軟正黑體" panose="020B0604030504040204" pitchFamily="34" charset="-120"/>
+            </a:endParaRPr>
+          </a:p>
+          <a:p>
+            <a:pPr marL="0" indent="0">
+              <a:lnSpc>
+                <a:spcPct val="300000"/>
+              </a:lnSpc>
+              <a:buNone/>
+            </a:pPr>
+            <a:r>
+              <a:rPr lang="en-US" altLang="zh-TW" sz="1800" dirty="0">
+                <a:solidFill>
+                  <a:schemeClr val="accent3"/>
+                </a:solidFill>
+                <a:latin typeface="微軟正黑體" panose="020B0604030504040204" pitchFamily="34" charset="-120"/>
+                <a:ea typeface="微軟正黑體" panose="020B0604030504040204" pitchFamily="34" charset="-120"/>
+              </a:rPr>
+              <a:t>RL</a:t>
+            </a:r>
+            <a:r>
+              <a:rPr lang="zh-TW" altLang="en-US" sz="1800" dirty="0">
+                <a:solidFill>
+                  <a:schemeClr val="accent3"/>
+                </a:solidFill>
+                <a:latin typeface="微軟正黑體" panose="020B0604030504040204" pitchFamily="34" charset="-120"/>
+                <a:ea typeface="微軟正黑體" panose="020B0604030504040204" pitchFamily="34" charset="-120"/>
+              </a:rPr>
+              <a:t> </a:t>
+            </a:r>
+            <a:r>
+              <a:rPr lang="en-US" altLang="zh-TW" sz="1800" dirty="0">
+                <a:solidFill>
+                  <a:schemeClr val="accent3"/>
+                </a:solidFill>
+                <a:latin typeface="微軟正黑體" panose="020B0604030504040204" pitchFamily="34" charset="-120"/>
+                <a:ea typeface="微軟正黑體" panose="020B0604030504040204" pitchFamily="34" charset="-120"/>
+              </a:rPr>
+              <a:t>Overview</a:t>
+            </a:r>
+          </a:p>
+          <a:p>
+            <a:pPr marL="0" indent="0">
+              <a:lnSpc>
+                <a:spcPct val="300000"/>
+              </a:lnSpc>
+              <a:buNone/>
+            </a:pPr>
+            <a:r>
+              <a:rPr lang="en-US" altLang="zh-TW" sz="1800" dirty="0">
+                <a:solidFill>
+                  <a:schemeClr val="accent3"/>
+                </a:solidFill>
+                <a:latin typeface="微軟正黑體" panose="020B0604030504040204" pitchFamily="34" charset="-120"/>
+                <a:ea typeface="微軟正黑體" panose="020B0604030504040204" pitchFamily="34" charset="-120"/>
+              </a:rPr>
+              <a:t>Actor-Critic</a:t>
+            </a:r>
+          </a:p>
+          <a:p>
+            <a:pPr marL="0" indent="0">
+              <a:buNone/>
+            </a:pPr>
+            <a:endParaRPr lang="zh-TW" altLang="en-US" sz="1800" dirty="0">
+              <a:solidFill>
+                <a:schemeClr val="accent3"/>
+              </a:solidFill>
+            </a:endParaRPr>
+          </a:p>
+        </p:txBody>
+      </p:sp>
+      <p:pic>
+        <p:nvPicPr>
+          <p:cNvPr id="232" name="圖片 231">
+            <a:extLst>
+              <a:ext uri="{FF2B5EF4-FFF2-40B4-BE49-F238E27FC236}">
+                <a16:creationId xmlns:a16="http://schemas.microsoft.com/office/drawing/2014/main" id="{2099F36C-DB65-5F7A-D982-8C43C85F33EB}"/>
+              </a:ext>
+            </a:extLst>
+          </p:cNvPr>
+          <p:cNvPicPr>
+            <a:picLocks noChangeAspect="1"/>
+          </p:cNvPicPr>
+          <p:nvPr/>
+        </p:nvPicPr>
+        <p:blipFill rotWithShape="1">
+          <a:blip r:embed="rId4">
+            <a:extLst>
+              <a:ext uri="{28A0092B-C50C-407E-A947-70E740481C1C}">
+                <a14:useLocalDpi xmlns:a14="http://schemas.microsoft.com/office/drawing/2010/main" val="0"/>
+              </a:ext>
+            </a:extLst>
+          </a:blip>
+          <a:srcRect l="5838" t="5838" r="13099" b="13099"/>
+          <a:stretch/>
+        </p:blipFill>
+        <p:spPr>
+          <a:xfrm>
+            <a:off x="143180" y="338007"/>
+            <a:ext cx="1338779" cy="1338779"/>
+          </a:xfrm>
+          <a:prstGeom prst="rect">
+            <a:avLst/>
+          </a:prstGeom>
+          <a:effectLst>
+            <a:softEdge rad="63500"/>
+          </a:effectLst>
+        </p:spPr>
+      </p:pic>
+      <p:pic>
+        <p:nvPicPr>
+          <p:cNvPr id="1026" name="Picture 2" descr="No description available.">
+            <a:extLst>
+              <a:ext uri="{FF2B5EF4-FFF2-40B4-BE49-F238E27FC236}">
+                <a16:creationId xmlns:a16="http://schemas.microsoft.com/office/drawing/2014/main" id="{28B16C8A-8CC7-BFDD-0B97-05E479689EE0}"/>
+              </a:ext>
+            </a:extLst>
+          </p:cNvPr>
+          <p:cNvPicPr>
+            <a:picLocks noChangeAspect="1" noChangeArrowheads="1"/>
+          </p:cNvPicPr>
+          <p:nvPr/>
+        </p:nvPicPr>
+        <p:blipFill>
+          <a:blip r:embed="rId5">
+            <a:extLst>
+              <a:ext uri="{28A0092B-C50C-407E-A947-70E740481C1C}">
+                <a14:useLocalDpi xmlns:a14="http://schemas.microsoft.com/office/drawing/2010/main" val="0"/>
+              </a:ext>
+            </a:extLst>
+          </a:blip>
+          <a:srcRect/>
+          <a:stretch>
+            <a:fillRect/>
+          </a:stretch>
+        </p:blipFill>
+        <p:spPr bwMode="auto">
+          <a:xfrm rot="16200000">
+            <a:off x="5625169" y="639756"/>
+            <a:ext cx="3861606" cy="8031843"/>
+          </a:xfrm>
+          <a:prstGeom prst="rect">
+            <a:avLst/>
+          </a:prstGeom>
+          <a:noFill/>
+          <a:extLst>
+            <a:ext uri="{909E8E84-426E-40DD-AFC4-6F175D3DCCD1}">
+              <a14:hiddenFill xmlns:a14="http://schemas.microsoft.com/office/drawing/2010/main">
+                <a:solidFill>
+                  <a:srgbClr val="FFFFFF"/>
+                </a:solidFill>
+              </a14:hiddenFill>
+            </a:ext>
+          </a:extLst>
+        </p:spPr>
+      </p:pic>
+    </p:spTree>
+    <p:extLst>
+      <p:ext uri="{BB962C8B-B14F-4D97-AF65-F5344CB8AC3E}">
+        <p14:creationId xmlns:p14="http://schemas.microsoft.com/office/powerpoint/2010/main" val="1877708499"/>
+      </p:ext>
+    </p:extLst>
+  </p:cSld>
+  <p:clrMapOvr>
+    <a:masterClrMapping/>
+  </p:clrMapOvr>
+</p:sld>
+</file>
+
+<file path=ppt/slides/slide13.xml><?xml version="1.0" encoding="utf-8"?>
+<p:sld xmlns:a="http://schemas.openxmlformats.org/drawingml/2006/main" xmlns:r="http://schemas.openxmlformats.org/officeDocument/2006/relationships" xmlns:p="http://schemas.openxmlformats.org/presentationml/2006/main">
+  <p:cSld>
+    <p:spTree>
+      <p:nvGrpSpPr>
+        <p:cNvPr id="1" name=""/>
+        <p:cNvGrpSpPr/>
+        <p:nvPr/>
+      </p:nvGrpSpPr>
+      <p:grpSpPr>
+        <a:xfrm>
+          <a:off x="0" y="0"/>
+          <a:ext cx="0" cy="0"/>
+          <a:chOff x="0" y="0"/>
+          <a:chExt cx="0" cy="0"/>
+        </a:xfrm>
+      </p:grpSpPr>
+      <p:pic>
+        <p:nvPicPr>
+          <p:cNvPr id="231" name="圖片 230" descr="一張含有 廚具, 刷子 的圖片&#10;&#10;自動產生的描述">
+            <a:extLst>
+              <a:ext uri="{FF2B5EF4-FFF2-40B4-BE49-F238E27FC236}">
+                <a16:creationId xmlns:a16="http://schemas.microsoft.com/office/drawing/2014/main" id="{03CC1853-0729-381A-1FEB-B8ECD6C44174}"/>
+              </a:ext>
+            </a:extLst>
+          </p:cNvPr>
+          <p:cNvPicPr>
+            <a:picLocks noChangeAspect="1"/>
+          </p:cNvPicPr>
+          <p:nvPr/>
+        </p:nvPicPr>
+        <p:blipFill>
+          <a:blip r:embed="rId2">
+            <a:alphaModFix amt="10000"/>
+            <a:extLst>
+              <a:ext uri="{28A0092B-C50C-407E-A947-70E740481C1C}">
+                <a14:useLocalDpi xmlns:a14="http://schemas.microsoft.com/office/drawing/2010/main" val="0"/>
+              </a:ext>
+            </a:extLst>
+          </a:blip>
+          <a:stretch>
+            <a:fillRect/>
+          </a:stretch>
+        </p:blipFill>
+        <p:spPr>
+          <a:xfrm>
+            <a:off x="374017" y="271518"/>
+            <a:ext cx="11443966" cy="6314963"/>
+          </a:xfrm>
+          <a:prstGeom prst="rect">
+            <a:avLst/>
+          </a:prstGeom>
+        </p:spPr>
+      </p:pic>
+      <p:sp>
+        <p:nvSpPr>
+          <p:cNvPr id="2" name="標題 1">
+            <a:extLst>
+              <a:ext uri="{FF2B5EF4-FFF2-40B4-BE49-F238E27FC236}">
+                <a16:creationId xmlns:a16="http://schemas.microsoft.com/office/drawing/2014/main" id="{0E390A05-6707-49AE-B272-8F1AC9AA2DD6}"/>
+              </a:ext>
+            </a:extLst>
+          </p:cNvPr>
+          <p:cNvSpPr>
+            <a:spLocks noGrp="1"/>
+          </p:cNvSpPr>
+          <p:nvPr>
+            <p:ph type="title"/>
+          </p:nvPr>
+        </p:nvSpPr>
+        <p:spPr>
+          <a:xfrm>
+            <a:off x="1636761" y="365125"/>
+            <a:ext cx="10299515" cy="1325563"/>
+          </a:xfrm>
+          <a:ln w="28575">
+            <a:solidFill>
+              <a:schemeClr val="tx1"/>
+            </a:solidFill>
+          </a:ln>
+        </p:spPr>
+        <p:txBody>
+          <a:bodyPr/>
+          <a:lstStyle/>
+          <a:p>
+            <a:pPr algn="ctr"/>
+            <a:r>
+              <a:rPr lang="en-US" altLang="zh-TW" dirty="0">
+                <a:latin typeface="微軟正黑體" panose="020B0604030504040204" pitchFamily="34" charset="-120"/>
+                <a:ea typeface="微軟正黑體" panose="020B0604030504040204" pitchFamily="34" charset="-120"/>
+              </a:rPr>
+              <a:t>CH3</a:t>
+            </a:r>
+            <a:r>
+              <a:rPr lang="zh-TW" altLang="en-US" dirty="0">
+                <a:latin typeface="微軟正黑體" panose="020B0604030504040204" pitchFamily="34" charset="-120"/>
+                <a:ea typeface="微軟正黑體" panose="020B0604030504040204" pitchFamily="34" charset="-120"/>
+              </a:rPr>
+              <a:t>：有限馬可夫決策</a:t>
+            </a:r>
+          </a:p>
+        </p:txBody>
+      </p:sp>
+      <p:sp>
+        <p:nvSpPr>
+          <p:cNvPr id="3" name="內容版面配置區 2">
+            <a:extLst>
+              <a:ext uri="{FF2B5EF4-FFF2-40B4-BE49-F238E27FC236}">
+                <a16:creationId xmlns:a16="http://schemas.microsoft.com/office/drawing/2014/main" id="{974E1A0F-B7E4-4DF8-B559-6D4D1908F332}"/>
+              </a:ext>
+            </a:extLst>
+          </p:cNvPr>
+          <p:cNvSpPr>
+            <a:spLocks noGrp="1"/>
+          </p:cNvSpPr>
+          <p:nvPr>
+            <p:ph idx="1"/>
+          </p:nvPr>
+        </p:nvSpPr>
+        <p:spPr>
+          <a:xfrm>
+            <a:off x="1636762" y="1825625"/>
+            <a:ext cx="10299514" cy="4863206"/>
+          </a:xfrm>
+          <a:ln w="28575">
+            <a:solidFill>
+              <a:schemeClr val="tx1"/>
+            </a:solidFill>
+          </a:ln>
+        </p:spPr>
+        <p:txBody>
+          <a:bodyPr/>
+          <a:lstStyle/>
+          <a:p>
+            <a:pPr marL="0" indent="0">
+              <a:lnSpc>
+                <a:spcPct val="150000"/>
+              </a:lnSpc>
+              <a:buNone/>
+            </a:pPr>
+            <a:endParaRPr lang="en-US" altLang="zh-TW" dirty="0">
+              <a:latin typeface="微軟正黑體" panose="020B0604030504040204" pitchFamily="34" charset="-120"/>
+              <a:ea typeface="微軟正黑體" panose="020B0604030504040204" pitchFamily="34" charset="-120"/>
+            </a:endParaRPr>
+          </a:p>
+        </p:txBody>
+      </p:sp>
+      <p:sp>
+        <p:nvSpPr>
+          <p:cNvPr id="226" name="內容版面配置區 2">
+            <a:extLst>
+              <a:ext uri="{FF2B5EF4-FFF2-40B4-BE49-F238E27FC236}">
+                <a16:creationId xmlns:a16="http://schemas.microsoft.com/office/drawing/2014/main" id="{CB3BF928-2960-4272-9244-D4A967045A95}"/>
+              </a:ext>
+            </a:extLst>
+          </p:cNvPr>
+          <p:cNvSpPr txBox="1">
+            <a:spLocks/>
+          </p:cNvSpPr>
+          <p:nvPr/>
+        </p:nvSpPr>
+        <p:spPr>
+          <a:xfrm>
+            <a:off x="110307" y="1825625"/>
+            <a:ext cx="1371652" cy="4863214"/>
+          </a:xfrm>
+          <a:prstGeom prst="rect">
+            <a:avLst/>
+          </a:prstGeom>
+          <a:ln w="28575">
+            <a:solidFill>
+              <a:schemeClr val="tx1"/>
+            </a:solidFill>
+          </a:ln>
+        </p:spPr>
+        <p:txBody>
+          <a:bodyPr vert="horz" lIns="91440" tIns="45720" rIns="91440" bIns="45720" rtlCol="0">
+            <a:normAutofit/>
+          </a:bodyPr>
+          <a:lstStyle>
+            <a:lvl1pPr marL="228600" indent="-228600" algn="l" defTabSz="914400" rtl="0" eaLnBrk="1" latinLnBrk="0" hangingPunct="1">
+              <a:lnSpc>
+                <a:spcPct val="90000"/>
+              </a:lnSpc>
+              <a:spcBef>
+                <a:spcPts val="1000"/>
+              </a:spcBef>
+              <a:buFont typeface="Arial" panose="020B0604020202020204" pitchFamily="34" charset="0"/>
+              <a:buChar char="•"/>
+              <a:defRPr sz="2800" kern="1200">
+                <a:solidFill>
+                  <a:schemeClr val="tx1"/>
+                </a:solidFill>
+                <a:latin typeface="+mn-lt"/>
+                <a:ea typeface="+mn-ea"/>
+                <a:cs typeface="+mn-cs"/>
+              </a:defRPr>
+            </a:lvl1pPr>
+            <a:lvl2pPr marL="685800" indent="-228600" algn="l" defTabSz="914400" rtl="0" eaLnBrk="1" latinLnBrk="0" hangingPunct="1">
+              <a:lnSpc>
+                <a:spcPct val="90000"/>
+              </a:lnSpc>
+              <a:spcBef>
+                <a:spcPts val="500"/>
+              </a:spcBef>
+              <a:buFont typeface="Arial" panose="020B0604020202020204" pitchFamily="34" charset="0"/>
+              <a:buChar char="•"/>
+              <a:defRPr sz="2400" kern="1200">
+                <a:solidFill>
+                  <a:schemeClr val="tx1"/>
+                </a:solidFill>
+                <a:latin typeface="+mn-lt"/>
+                <a:ea typeface="+mn-ea"/>
+                <a:cs typeface="+mn-cs"/>
+              </a:defRPr>
+            </a:lvl2pPr>
+            <a:lvl3pPr marL="1143000" indent="-228600" algn="l" defTabSz="914400" rtl="0" eaLnBrk="1" latinLnBrk="0" hangingPunct="1">
+              <a:lnSpc>
+                <a:spcPct val="90000"/>
+              </a:lnSpc>
+              <a:spcBef>
+                <a:spcPts val="500"/>
+              </a:spcBef>
+              <a:buFont typeface="Arial" panose="020B0604020202020204" pitchFamily="34" charset="0"/>
+              <a:buChar char="•"/>
+              <a:defRPr sz="2000" kern="1200">
+                <a:solidFill>
+                  <a:schemeClr val="tx1"/>
+                </a:solidFill>
+                <a:latin typeface="+mn-lt"/>
+                <a:ea typeface="+mn-ea"/>
+                <a:cs typeface="+mn-cs"/>
+              </a:defRPr>
+            </a:lvl3pPr>
+            <a:lvl4pPr marL="1600200" indent="-228600" algn="l" defTabSz="914400" rtl="0" eaLnBrk="1" latinLnBrk="0" hangingPunct="1">
+              <a:lnSpc>
+                <a:spcPct val="90000"/>
+              </a:lnSpc>
+              <a:spcBef>
+                <a:spcPts val="500"/>
+              </a:spcBef>
+              <a:buFont typeface="Arial" panose="020B0604020202020204" pitchFamily="34" charset="0"/>
+              <a:buChar char="•"/>
+              <a:defRPr sz="1800" kern="1200">
+                <a:solidFill>
+                  <a:schemeClr val="tx1"/>
+                </a:solidFill>
+                <a:latin typeface="+mn-lt"/>
+                <a:ea typeface="+mn-ea"/>
+                <a:cs typeface="+mn-cs"/>
+              </a:defRPr>
+            </a:lvl4pPr>
+            <a:lvl5pPr marL="2057400" indent="-228600" algn="l" defTabSz="914400" rtl="0" eaLnBrk="1" latinLnBrk="0" hangingPunct="1">
+              <a:lnSpc>
+                <a:spcPct val="90000"/>
+              </a:lnSpc>
+              <a:spcBef>
+                <a:spcPts val="500"/>
+              </a:spcBef>
+              <a:buFont typeface="Arial" panose="020B0604020202020204" pitchFamily="34" charset="0"/>
+              <a:buChar char="•"/>
+              <a:defRPr sz="1800" kern="1200">
+                <a:solidFill>
+                  <a:schemeClr val="tx1"/>
+                </a:solidFill>
+                <a:latin typeface="+mn-lt"/>
+                <a:ea typeface="+mn-ea"/>
+                <a:cs typeface="+mn-cs"/>
+              </a:defRPr>
+            </a:lvl5pPr>
+            <a:lvl6pPr marL="2514600" indent="-228600" algn="l" defTabSz="914400" rtl="0" eaLnBrk="1" latinLnBrk="0" hangingPunct="1">
+              <a:lnSpc>
+                <a:spcPct val="90000"/>
+              </a:lnSpc>
+              <a:spcBef>
+                <a:spcPts val="500"/>
+              </a:spcBef>
+              <a:buFont typeface="Arial" panose="020B0604020202020204" pitchFamily="34" charset="0"/>
+              <a:buChar char="•"/>
+              <a:defRPr sz="1800" kern="1200">
+                <a:solidFill>
+                  <a:schemeClr val="tx1"/>
+                </a:solidFill>
+                <a:latin typeface="+mn-lt"/>
+                <a:ea typeface="+mn-ea"/>
+                <a:cs typeface="+mn-cs"/>
+              </a:defRPr>
+            </a:lvl6pPr>
+            <a:lvl7pPr marL="2971800" indent="-228600" algn="l" defTabSz="914400" rtl="0" eaLnBrk="1" latinLnBrk="0" hangingPunct="1">
+              <a:lnSpc>
+                <a:spcPct val="90000"/>
+              </a:lnSpc>
+              <a:spcBef>
+                <a:spcPts val="500"/>
+              </a:spcBef>
+              <a:buFont typeface="Arial" panose="020B0604020202020204" pitchFamily="34" charset="0"/>
+              <a:buChar char="•"/>
+              <a:defRPr sz="1800" kern="1200">
+                <a:solidFill>
+                  <a:schemeClr val="tx1"/>
+                </a:solidFill>
+                <a:latin typeface="+mn-lt"/>
+                <a:ea typeface="+mn-ea"/>
+                <a:cs typeface="+mn-cs"/>
+              </a:defRPr>
+            </a:lvl7pPr>
+            <a:lvl8pPr marL="3429000" indent="-228600" algn="l" defTabSz="914400" rtl="0" eaLnBrk="1" latinLnBrk="0" hangingPunct="1">
+              <a:lnSpc>
+                <a:spcPct val="90000"/>
+              </a:lnSpc>
+              <a:spcBef>
+                <a:spcPts val="500"/>
+              </a:spcBef>
+              <a:buFont typeface="Arial" panose="020B0604020202020204" pitchFamily="34" charset="0"/>
+              <a:buChar char="•"/>
+              <a:defRPr sz="1800" kern="1200">
+                <a:solidFill>
+                  <a:schemeClr val="tx1"/>
+                </a:solidFill>
+                <a:latin typeface="+mn-lt"/>
+                <a:ea typeface="+mn-ea"/>
+                <a:cs typeface="+mn-cs"/>
+              </a:defRPr>
+            </a:lvl8pPr>
+            <a:lvl9pPr marL="3886200" indent="-228600" algn="l" defTabSz="914400" rtl="0" eaLnBrk="1" latinLnBrk="0" hangingPunct="1">
+              <a:lnSpc>
+                <a:spcPct val="90000"/>
+              </a:lnSpc>
+              <a:spcBef>
+                <a:spcPts val="500"/>
+              </a:spcBef>
+              <a:buFont typeface="Arial" panose="020B0604020202020204" pitchFamily="34" charset="0"/>
+              <a:buChar char="•"/>
+              <a:defRPr sz="1800" kern="1200">
+                <a:solidFill>
+                  <a:schemeClr val="tx1"/>
+                </a:solidFill>
+                <a:latin typeface="+mn-lt"/>
+                <a:ea typeface="+mn-ea"/>
+                <a:cs typeface="+mn-cs"/>
+              </a:defRPr>
+            </a:lvl9pPr>
+          </a:lstStyle>
+          <a:p>
+            <a:pPr marL="0" indent="0">
+              <a:buNone/>
+            </a:pPr>
+            <a:endParaRPr lang="zh-TW" altLang="en-US" sz="1800" dirty="0">
+              <a:solidFill>
+                <a:schemeClr val="accent3"/>
+              </a:solidFill>
+            </a:endParaRPr>
+          </a:p>
+        </p:txBody>
+      </p:sp>
+      <p:pic>
+        <p:nvPicPr>
+          <p:cNvPr id="232" name="圖片 231">
+            <a:extLst>
+              <a:ext uri="{FF2B5EF4-FFF2-40B4-BE49-F238E27FC236}">
+                <a16:creationId xmlns:a16="http://schemas.microsoft.com/office/drawing/2014/main" id="{2099F36C-DB65-5F7A-D982-8C43C85F33EB}"/>
+              </a:ext>
+            </a:extLst>
+          </p:cNvPr>
+          <p:cNvPicPr>
+            <a:picLocks noChangeAspect="1"/>
+          </p:cNvPicPr>
+          <p:nvPr/>
+        </p:nvPicPr>
+        <p:blipFill rotWithShape="1">
+          <a:blip r:embed="rId3">
+            <a:extLst>
+              <a:ext uri="{28A0092B-C50C-407E-A947-70E740481C1C}">
+                <a14:useLocalDpi xmlns:a14="http://schemas.microsoft.com/office/drawing/2010/main" val="0"/>
+              </a:ext>
+            </a:extLst>
+          </a:blip>
+          <a:srcRect l="5838" t="5838" r="13099" b="13099"/>
+          <a:stretch/>
+        </p:blipFill>
+        <p:spPr>
+          <a:xfrm>
+            <a:off x="143180" y="338007"/>
+            <a:ext cx="1338779" cy="1338779"/>
+          </a:xfrm>
+          <a:prstGeom prst="rect">
+            <a:avLst/>
+          </a:prstGeom>
+          <a:effectLst>
+            <a:softEdge rad="63500"/>
+          </a:effectLst>
+        </p:spPr>
+      </p:pic>
+    </p:spTree>
+    <p:extLst>
+      <p:ext uri="{BB962C8B-B14F-4D97-AF65-F5344CB8AC3E}">
+        <p14:creationId xmlns:p14="http://schemas.microsoft.com/office/powerpoint/2010/main" val="2776924"/>
+      </p:ext>
+    </p:extLst>
+  </p:cSld>
+  <p:clrMapOvr>
+    <a:masterClrMapping/>
+  </p:clrMapOvr>
+</p:sld>
+</file>
+
+<file path=ppt/slides/slide14.xml><?xml version="1.0" encoding="utf-8"?>
+<p:sld xmlns:a="http://schemas.openxmlformats.org/drawingml/2006/main" xmlns:r="http://schemas.openxmlformats.org/officeDocument/2006/relationships" xmlns:p="http://schemas.openxmlformats.org/presentationml/2006/main">
+  <p:cSld>
+    <p:spTree>
+      <p:nvGrpSpPr>
+        <p:cNvPr id="1" name=""/>
+        <p:cNvGrpSpPr/>
+        <p:nvPr/>
+      </p:nvGrpSpPr>
+      <p:grpSpPr>
+        <a:xfrm>
+          <a:off x="0" y="0"/>
+          <a:ext cx="0" cy="0"/>
+          <a:chOff x="0" y="0"/>
+          <a:chExt cx="0" cy="0"/>
+        </a:xfrm>
+      </p:grpSpPr>
+      <p:pic>
+        <p:nvPicPr>
           <p:cNvPr id="224" name="圖片 223" descr="一張含有 廚具, 刷子 的圖片&#10;&#10;自動產生的描述">
             <a:extLst>
               <a:ext uri="{FF2B5EF4-FFF2-40B4-BE49-F238E27FC236}">
@@ -4955,16 +8729,9 @@
                 <a:latin typeface="微軟正黑體" panose="020B0604030504040204" pitchFamily="34" charset="-120"/>
                 <a:ea typeface="微軟正黑體" panose="020B0604030504040204" pitchFamily="34" charset="-120"/>
               </a:rPr>
-              <a:t>第二章：多搖臂式</a:t>
-            </a:r>
-            <a:r>
-              <a:rPr lang="zh-TW" altLang="en-US" dirty="0">
-                <a:latin typeface="微軟正黑體" panose="020B0604030504040204" pitchFamily="34" charset="-120"/>
-                <a:ea typeface="微軟正黑體" panose="020B0604030504040204" pitchFamily="34" charset="-120"/>
-              </a:rPr>
-              <a:t>拉霸機</a:t>
-            </a:r>
-            <a:endParaRPr lang="en-US" altLang="zh-TW" dirty="0">
+              <a:t>第二章：多搖臂式拉霸機</a:t>
+            </a:r>
+            <a:endParaRPr lang="en-US" altLang="zh-TW" b="1" strike="sngStrike" dirty="0">
               <a:latin typeface="微軟正黑體" panose="020B0604030504040204" pitchFamily="34" charset="-120"/>
               <a:ea typeface="微軟正黑體" panose="020B0604030504040204" pitchFamily="34" charset="-120"/>
             </a:endParaRPr>
@@ -14084,8 +17851,8 @@
           </a:p>
         </p:txBody>
       </p:sp>
-      <mc:AlternateContent xmlns:mc="http://schemas.openxmlformats.org/markup-compatibility/2006">
-        <mc:Choice xmlns:a14="http://schemas.microsoft.com/office/drawing/2010/main" Requires="a14">
+      <mc:AlternateContent xmlns:mc="http://schemas.openxmlformats.org/markup-compatibility/2006" xmlns:a14="http://schemas.microsoft.com/office/drawing/2010/main">
+        <mc:Choice Requires="a14">
           <p:sp>
             <p:nvSpPr>
               <p:cNvPr id="3" name="內容版面配置區 2">
@@ -14248,7 +18015,7 @@
             </p:txBody>
           </p:sp>
         </mc:Choice>
-        <mc:Fallback>
+        <mc:Fallback xmlns="">
           <p:sp>
             <p:nvSpPr>
               <p:cNvPr id="3" name="內容版面配置區 2">
@@ -14689,8 +18456,8 @@
           </a:p>
         </p:txBody>
       </p:sp>
-      <mc:AlternateContent xmlns:mc="http://schemas.openxmlformats.org/markup-compatibility/2006">
-        <mc:Choice xmlns:a14="http://schemas.microsoft.com/office/drawing/2010/main" Requires="a14">
+      <mc:AlternateContent xmlns:mc="http://schemas.openxmlformats.org/markup-compatibility/2006" xmlns:a14="http://schemas.microsoft.com/office/drawing/2010/main">
+        <mc:Choice Requires="a14">
           <p:sp>
             <p:nvSpPr>
               <p:cNvPr id="3" name="內容版面配置區 2">
@@ -14897,17 +18664,7 @@
                                   <a:latin typeface="Cambria Math" panose="02040503050406030204" pitchFamily="18" charset="0"/>
                                   <a:ea typeface="微軟正黑體" panose="020B0604030504040204" pitchFamily="34" charset="-120"/>
                                 </a:rPr>
-                                <m:t>g</m:t>
-                              </m:r>
-                              <m:r>
-                                <m:rPr>
-                                  <m:sty m:val="p"/>
-                                </m:rPr>
-                                <a:rPr lang="en-US" altLang="zh-TW" sz="2000" b="0" i="0" smtClean="0">
-                                  <a:latin typeface="Cambria Math" panose="02040503050406030204" pitchFamily="18" charset="0"/>
-                                  <a:ea typeface="微軟正黑體" panose="020B0604030504040204" pitchFamily="34" charset="-120"/>
-                                </a:rPr>
-                                <m:t>max</m:t>
+                                <m:t>gmax</m:t>
                               </m:r>
                             </m:e>
                             <m:lim>
@@ -15182,7 +18939,7 @@
             </p:txBody>
           </p:sp>
         </mc:Choice>
-        <mc:Fallback>
+        <mc:Fallback xmlns="">
           <p:sp>
             <p:nvSpPr>
               <p:cNvPr id="3" name="內容版面配置區 2">
